--- a/Presentaties/Template Sprint Reviews.pptx
+++ b/Presentaties/Template Sprint Reviews.pptx
@@ -3625,7 +3625,7 @@
           <a:p>
             <a:fld id="{4A37A092-F479-4C17-8DAB-26C19D8DEF50}" type="datetimeFigureOut">
               <a:rPr lang="nl-NL" smtClean="0"/>
-              <a:t>12-9-2025</a:t>
+              <a:t>16-9-2025</a:t>
             </a:fld>
             <a:endParaRPr lang="nl-NL"/>
           </a:p>
@@ -3916,7 +3916,7 @@
           <a:p>
             <a:fld id="{4A37A092-F479-4C17-8DAB-26C19D8DEF50}" type="datetimeFigureOut">
               <a:rPr lang="nl-NL" smtClean="0"/>
-              <a:t>12-9-2025</a:t>
+              <a:t>16-9-2025</a:t>
             </a:fld>
             <a:endParaRPr lang="nl-NL"/>
           </a:p>
@@ -4175,7 +4175,7 @@
           <a:p>
             <a:fld id="{4A37A092-F479-4C17-8DAB-26C19D8DEF50}" type="datetimeFigureOut">
               <a:rPr lang="nl-NL" smtClean="0"/>
-              <a:t>12-9-2025</a:t>
+              <a:t>16-9-2025</a:t>
             </a:fld>
             <a:endParaRPr lang="nl-NL"/>
           </a:p>
@@ -4644,7 +4644,7 @@
           <a:p>
             <a:fld id="{4A37A092-F479-4C17-8DAB-26C19D8DEF50}" type="datetimeFigureOut">
               <a:rPr lang="nl-NL" smtClean="0"/>
-              <a:t>12-9-2025</a:t>
+              <a:t>16-9-2025</a:t>
             </a:fld>
             <a:endParaRPr lang="nl-NL"/>
           </a:p>
@@ -4824,7 +4824,7 @@
           <a:p>
             <a:fld id="{4A37A092-F479-4C17-8DAB-26C19D8DEF50}" type="datetimeFigureOut">
               <a:rPr lang="nl-NL" smtClean="0"/>
-              <a:t>12-9-2025</a:t>
+              <a:t>16-9-2025</a:t>
             </a:fld>
             <a:endParaRPr lang="nl-NL"/>
           </a:p>
@@ -5400,7 +5400,7 @@
           <a:p>
             <a:fld id="{4A37A092-F479-4C17-8DAB-26C19D8DEF50}" type="datetimeFigureOut">
               <a:rPr lang="nl-NL" smtClean="0"/>
-              <a:t>12-9-2025</a:t>
+              <a:t>16-9-2025</a:t>
             </a:fld>
             <a:endParaRPr lang="nl-NL"/>
           </a:p>
@@ -5732,7 +5732,7 @@
           <a:p>
             <a:fld id="{4A37A092-F479-4C17-8DAB-26C19D8DEF50}" type="datetimeFigureOut">
               <a:rPr lang="nl-NL" smtClean="0"/>
-              <a:t>12-9-2025</a:t>
+              <a:t>16-9-2025</a:t>
             </a:fld>
             <a:endParaRPr lang="nl-NL"/>
           </a:p>
@@ -5907,7 +5907,7 @@
           <a:p>
             <a:fld id="{4A37A092-F479-4C17-8DAB-26C19D8DEF50}" type="datetimeFigureOut">
               <a:rPr lang="nl-NL" smtClean="0"/>
-              <a:t>12-9-2025</a:t>
+              <a:t>16-9-2025</a:t>
             </a:fld>
             <a:endParaRPr lang="nl-NL"/>
           </a:p>
@@ -6087,7 +6087,7 @@
           <a:p>
             <a:fld id="{4A37A092-F479-4C17-8DAB-26C19D8DEF50}" type="datetimeFigureOut">
               <a:rPr lang="nl-NL" smtClean="0"/>
-              <a:t>12-9-2025</a:t>
+              <a:t>16-9-2025</a:t>
             </a:fld>
             <a:endParaRPr lang="nl-NL"/>
           </a:p>
@@ -6257,7 +6257,7 @@
           <a:p>
             <a:fld id="{4A37A092-F479-4C17-8DAB-26C19D8DEF50}" type="datetimeFigureOut">
               <a:rPr lang="nl-NL" smtClean="0"/>
-              <a:t>12-9-2025</a:t>
+              <a:t>16-9-2025</a:t>
             </a:fld>
             <a:endParaRPr lang="nl-NL"/>
           </a:p>
@@ -6514,7 +6514,7 @@
           <a:p>
             <a:fld id="{4A37A092-F479-4C17-8DAB-26C19D8DEF50}" type="datetimeFigureOut">
               <a:rPr lang="nl-NL" smtClean="0"/>
-              <a:t>12-9-2025</a:t>
+              <a:t>16-9-2025</a:t>
             </a:fld>
             <a:endParaRPr lang="nl-NL"/>
           </a:p>
@@ -6806,7 +6806,7 @@
           <a:p>
             <a:fld id="{4A37A092-F479-4C17-8DAB-26C19D8DEF50}" type="datetimeFigureOut">
               <a:rPr lang="nl-NL" smtClean="0"/>
-              <a:t>12-9-2025</a:t>
+              <a:t>16-9-2025</a:t>
             </a:fld>
             <a:endParaRPr lang="nl-NL"/>
           </a:p>
@@ -7236,7 +7236,7 @@
           <a:p>
             <a:fld id="{4A37A092-F479-4C17-8DAB-26C19D8DEF50}" type="datetimeFigureOut">
               <a:rPr lang="nl-NL" smtClean="0"/>
-              <a:t>12-9-2025</a:t>
+              <a:t>16-9-2025</a:t>
             </a:fld>
             <a:endParaRPr lang="nl-NL"/>
           </a:p>
@@ -7354,7 +7354,7 @@
           <a:p>
             <a:fld id="{4A37A092-F479-4C17-8DAB-26C19D8DEF50}" type="datetimeFigureOut">
               <a:rPr lang="nl-NL" smtClean="0"/>
-              <a:t>12-9-2025</a:t>
+              <a:t>16-9-2025</a:t>
             </a:fld>
             <a:endParaRPr lang="nl-NL"/>
           </a:p>
@@ -7449,7 +7449,7 @@
           <a:p>
             <a:fld id="{4A37A092-F479-4C17-8DAB-26C19D8DEF50}" type="datetimeFigureOut">
               <a:rPr lang="nl-NL" smtClean="0"/>
-              <a:t>12-9-2025</a:t>
+              <a:t>16-9-2025</a:t>
             </a:fld>
             <a:endParaRPr lang="nl-NL"/>
           </a:p>
@@ -7732,7 +7732,7 @@
           <a:p>
             <a:fld id="{4A37A092-F479-4C17-8DAB-26C19D8DEF50}" type="datetimeFigureOut">
               <a:rPr lang="nl-NL" smtClean="0"/>
-              <a:t>12-9-2025</a:t>
+              <a:t>16-9-2025</a:t>
             </a:fld>
             <a:endParaRPr lang="nl-NL"/>
           </a:p>
@@ -8023,7 +8023,7 @@
           <a:p>
             <a:fld id="{4A37A092-F479-4C17-8DAB-26C19D8DEF50}" type="datetimeFigureOut">
               <a:rPr lang="nl-NL" smtClean="0"/>
-              <a:t>12-9-2025</a:t>
+              <a:t>16-9-2025</a:t>
             </a:fld>
             <a:endParaRPr lang="nl-NL"/>
           </a:p>
@@ -8254,7 +8254,7 @@
           <a:p>
             <a:fld id="{4A37A092-F479-4C17-8DAB-26C19D8DEF50}" type="datetimeFigureOut">
               <a:rPr lang="nl-NL" smtClean="0"/>
-              <a:t>12-9-2025</a:t>
+              <a:t>16-9-2025</a:t>
             </a:fld>
             <a:endParaRPr lang="nl-NL"/>
           </a:p>
@@ -9679,15 +9679,7 @@
           <a:p>
             <a:r>
               <a:rPr lang="nl-NL" dirty="0"/>
-              <a:t>Deze User </a:t>
-            </a:r>
-            <a:r>
-              <a:rPr lang="nl-NL" dirty="0" err="1"/>
-              <a:t>Stories</a:t>
-            </a:r>
-            <a:r>
-              <a:rPr lang="nl-NL" dirty="0"/>
-              <a:t> zijn we nog niet aan toegekomen</a:t>
+              <a:t>Deze Taken zijn we nog niet aan toegekomen</a:t>
             </a:r>
           </a:p>
         </p:txBody>
@@ -10325,23 +10317,6 @@
 </file>
 
 <file path=customXml/item1.xml><?xml version="1.0" encoding="utf-8"?>
-<p:properties xmlns:p="http://schemas.microsoft.com/office/2006/metadata/properties" xmlns:xsi="http://www.w3.org/2001/XMLSchema-instance" xmlns:pc="http://schemas.microsoft.com/office/infopath/2007/PartnerControls">
-  <documentManagement>
-    <_activity xmlns="8d5dcd13-9b93-4860-8686-258dec0e23be" xsi:nil="true"/>
-  </documentManagement>
-</p:properties>
-</file>
-
-<file path=customXml/item2.xml><?xml version="1.0" encoding="utf-8"?>
-<?mso-contentType ?>
-<FormTemplates xmlns="http://schemas.microsoft.com/sharepoint/v3/contenttype/forms">
-  <Display>DocumentLibraryForm</Display>
-  <Edit>DocumentLibraryForm</Edit>
-  <New>DocumentLibraryForm</New>
-</FormTemplates>
-</file>
-
-<file path=customXml/item3.xml><?xml version="1.0" encoding="utf-8"?>
 <ct:contentTypeSchema xmlns:ct="http://schemas.microsoft.com/office/2006/metadata/contentType" xmlns:ma="http://schemas.microsoft.com/office/2006/metadata/properties/metaAttributes" ct:_="" ma:_="" ma:contentTypeName="Document" ma:contentTypeID="0x01010079D7DB9D69D51D4199EBB83E098F6C13" ma:contentTypeVersion="12" ma:contentTypeDescription="Create a new document." ma:contentTypeScope="" ma:versionID="ceb163bb5f87e201cdc653da3b4d8be7">
   <xsd:schema xmlns:xsd="http://www.w3.org/2001/XMLSchema" xmlns:xs="http://www.w3.org/2001/XMLSchema" xmlns:p="http://schemas.microsoft.com/office/2006/metadata/properties" xmlns:ns3="8d5dcd13-9b93-4860-8686-258dec0e23be" targetNamespace="http://schemas.microsoft.com/office/2006/metadata/properties" ma:root="true" ma:fieldsID="28cc82626ae761b4ac7541494d6f1d1e" ns3:_="">
     <xsd:import namespace="8d5dcd13-9b93-4860-8686-258dec0e23be"/>
@@ -10535,31 +10510,24 @@
 </ct:contentTypeSchema>
 </file>
 
-<file path=customXml/itemProps1.xml><?xml version="1.0" encoding="utf-8"?>
-<ds:datastoreItem xmlns:ds="http://schemas.openxmlformats.org/officeDocument/2006/customXml" ds:itemID="{6BE63DC0-0E79-4D45-AB99-081F8145E24C}">
-  <ds:schemaRefs>
-    <ds:schemaRef ds:uri="http://purl.org/dc/terms/"/>
-    <ds:schemaRef ds:uri="http://schemas.microsoft.com/office/infopath/2007/PartnerControls"/>
-    <ds:schemaRef ds:uri="http://schemas.openxmlformats.org/package/2006/metadata/core-properties"/>
-    <ds:schemaRef ds:uri="http://purl.org/dc/elements/1.1/"/>
-    <ds:schemaRef ds:uri="http://schemas.microsoft.com/office/2006/documentManagement/types"/>
-    <ds:schemaRef ds:uri="http://www.w3.org/XML/1998/namespace"/>
-    <ds:schemaRef ds:uri="8d5dcd13-9b93-4860-8686-258dec0e23be"/>
-    <ds:schemaRef ds:uri="http://schemas.microsoft.com/office/2006/metadata/properties"/>
-    <ds:schemaRef ds:uri="http://purl.org/dc/dcmitype/"/>
-  </ds:schemaRefs>
-</ds:datastoreItem>
+<file path=customXml/item2.xml><?xml version="1.0" encoding="utf-8"?>
+<?mso-contentType ?>
+<FormTemplates xmlns="http://schemas.microsoft.com/sharepoint/v3/contenttype/forms">
+  <Display>DocumentLibraryForm</Display>
+  <Edit>DocumentLibraryForm</Edit>
+  <New>DocumentLibraryForm</New>
+</FormTemplates>
 </file>
 
-<file path=customXml/itemProps2.xml><?xml version="1.0" encoding="utf-8"?>
-<ds:datastoreItem xmlns:ds="http://schemas.openxmlformats.org/officeDocument/2006/customXml" ds:itemID="{33D4CFAA-434D-4462-B62D-1E23E4045646}">
-  <ds:schemaRefs>
-    <ds:schemaRef ds:uri="http://schemas.microsoft.com/sharepoint/v3/contenttype/forms"/>
-  </ds:schemaRefs>
-</ds:datastoreItem>
+<file path=customXml/item3.xml><?xml version="1.0" encoding="utf-8"?>
+<p:properties xmlns:p="http://schemas.microsoft.com/office/2006/metadata/properties" xmlns:xsi="http://www.w3.org/2001/XMLSchema-instance" xmlns:pc="http://schemas.microsoft.com/office/infopath/2007/PartnerControls">
+  <documentManagement>
+    <_activity xmlns="8d5dcd13-9b93-4860-8686-258dec0e23be" xsi:nil="true"/>
+  </documentManagement>
+</p:properties>
 </file>
 
-<file path=customXml/itemProps3.xml><?xml version="1.0" encoding="utf-8"?>
+<file path=customXml/itemProps1.xml><?xml version="1.0" encoding="utf-8"?>
 <ds:datastoreItem xmlns:ds="http://schemas.openxmlformats.org/officeDocument/2006/customXml" ds:itemID="{7685628E-9CEE-488E-843E-DA0262089D08}">
   <ds:schemaRefs>
     <ds:schemaRef ds:uri="http://schemas.microsoft.com/office/2006/metadata/contentType"/>
@@ -10575,4 +10543,28 @@
     <ds:schemaRef ds:uri="http://schemas.microsoft.com/internal/obd"/>
   </ds:schemaRefs>
 </ds:datastoreItem>
+</file>
+
+<file path=customXml/itemProps2.xml><?xml version="1.0" encoding="utf-8"?>
+<ds:datastoreItem xmlns:ds="http://schemas.openxmlformats.org/officeDocument/2006/customXml" ds:itemID="{33D4CFAA-434D-4462-B62D-1E23E4045646}">
+  <ds:schemaRefs>
+    <ds:schemaRef ds:uri="http://schemas.microsoft.com/sharepoint/v3/contenttype/forms"/>
+  </ds:schemaRefs>
+</ds:datastoreItem>
+</file>
+
+<file path=customXml/itemProps3.xml><?xml version="1.0" encoding="utf-8"?>
+<ds:datastoreItem xmlns:ds="http://schemas.openxmlformats.org/officeDocument/2006/customXml" ds:itemID="{6BE63DC0-0E79-4D45-AB99-081F8145E24C}">
+  <ds:schemaRefs>
+    <ds:schemaRef ds:uri="http://purl.org/dc/terms/"/>
+    <ds:schemaRef ds:uri="http://schemas.microsoft.com/office/infopath/2007/PartnerControls"/>
+    <ds:schemaRef ds:uri="http://schemas.openxmlformats.org/package/2006/metadata/core-properties"/>
+    <ds:schemaRef ds:uri="http://purl.org/dc/elements/1.1/"/>
+    <ds:schemaRef ds:uri="http://schemas.microsoft.com/office/2006/documentManagement/types"/>
+    <ds:schemaRef ds:uri="http://www.w3.org/XML/1998/namespace"/>
+    <ds:schemaRef ds:uri="8d5dcd13-9b93-4860-8686-258dec0e23be"/>
+    <ds:schemaRef ds:uri="http://schemas.microsoft.com/office/2006/metadata/properties"/>
+    <ds:schemaRef ds:uri="http://purl.org/dc/dcmitype/"/>
+  </ds:schemaRefs>
+</ds:datastoreItem>
 </file>
--- a/Presentaties/Template Sprint Reviews.pptx
+++ b/Presentaties/Template Sprint Reviews.pptx
@@ -2,15 +2,15 @@
 <file path=ppt/presentation.xml><?xml version="1.0" encoding="utf-8"?>
 <p:presentation xmlns:a="http://schemas.openxmlformats.org/drawingml/2006/main" xmlns:r="http://schemas.openxmlformats.org/officeDocument/2006/relationships" xmlns:p="http://schemas.openxmlformats.org/presentationml/2006/main" saveSubsetFonts="1">
   <p:sldMasterIdLst>
-    <p:sldMasterId id="2147483660" r:id="rId4"/>
+    <p:sldMasterId id="2147483785" r:id="rId4"/>
   </p:sldMasterIdLst>
   <p:sldIdLst>
     <p:sldId id="256" r:id="rId5"/>
-    <p:sldId id="257" r:id="rId6"/>
-    <p:sldId id="258" r:id="rId7"/>
-    <p:sldId id="259" r:id="rId8"/>
-    <p:sldId id="260" r:id="rId9"/>
-    <p:sldId id="261" r:id="rId10"/>
+    <p:sldId id="269" r:id="rId6"/>
+    <p:sldId id="257" r:id="rId7"/>
+    <p:sldId id="258" r:id="rId8"/>
+    <p:sldId id="259" r:id="rId9"/>
+    <p:sldId id="260" r:id="rId10"/>
     <p:sldId id="262" r:id="rId11"/>
     <p:sldId id="263" r:id="rId12"/>
     <p:sldId id="264" r:id="rId13"/>
@@ -1229,7 +1229,7 @@
   <dgm:whole/>
   <dgm:extLst>
     <a:ext uri="http://schemas.microsoft.com/office/drawing/2008/diagram">
-      <dsp:dataModelExt xmlns:dsp="http://schemas.microsoft.com/office/drawing/2008/diagram" relId="rId7" minVer="http://schemas.openxmlformats.org/drawingml/2006/diagram"/>
+      <dsp:dataModelExt xmlns:dsp="http://schemas.microsoft.com/office/drawing/2008/diagram" relId="rId6" minVer="http://schemas.openxmlformats.org/drawingml/2006/diagram"/>
     </a:ext>
   </dgm:extLst>
 </dgm:dataModel>
@@ -1264,8 +1264,8 @@
                 <a:satOff val="0"/>
                 <a:lumOff val="0"/>
                 <a:alphaOff val="0"/>
-                <a:tint val="96000"/>
-                <a:lumMod val="104000"/>
+                <a:tint val="98000"/>
+                <a:lumMod val="100000"/>
               </a:schemeClr>
             </a:gs>
             <a:gs pos="100000">
@@ -1274,12 +1274,12 @@
                 <a:satOff val="0"/>
                 <a:lumOff val="0"/>
                 <a:alphaOff val="0"/>
-                <a:shade val="84000"/>
-                <a:lumMod val="84000"/>
+                <a:shade val="88000"/>
+                <a:lumMod val="88000"/>
               </a:schemeClr>
             </a:gs>
           </a:gsLst>
-          <a:lin ang="5400000" scaled="0"/>
+          <a:lin ang="5400000" scaled="1"/>
         </a:gradFill>
         <a:ln w="9525" cap="rnd" cmpd="sng" algn="ctr">
           <a:solidFill>
@@ -1293,11 +1293,11 @@
           <a:prstDash val="solid"/>
         </a:ln>
         <a:effectLst>
-          <a:innerShdw blurRad="50800" dist="25400" dir="13500000">
+          <a:outerShdw blurRad="50800" dist="38100" dir="5400000" rotWithShape="0">
             <a:srgbClr val="000000">
-              <a:alpha val="55000"/>
+              <a:alpha val="35000"/>
             </a:srgbClr>
-          </a:innerShdw>
+          </a:outerShdw>
         </a:effectLst>
       </dsp:spPr>
       <dsp:style>
@@ -1393,44 +1393,44 @@
           <a:gsLst>
             <a:gs pos="0">
               <a:schemeClr val="accent2">
-                <a:hueOff val="-122719"/>
-                <a:satOff val="9703"/>
-                <a:lumOff val="-196"/>
+                <a:hueOff val="-777537"/>
+                <a:satOff val="-4113"/>
+                <a:lumOff val="-1568"/>
                 <a:alphaOff val="0"/>
-                <a:tint val="96000"/>
-                <a:lumMod val="104000"/>
+                <a:tint val="98000"/>
+                <a:lumMod val="100000"/>
               </a:schemeClr>
             </a:gs>
             <a:gs pos="100000">
               <a:schemeClr val="accent2">
-                <a:hueOff val="-122719"/>
-                <a:satOff val="9703"/>
-                <a:lumOff val="-196"/>
+                <a:hueOff val="-777537"/>
+                <a:satOff val="-4113"/>
+                <a:lumOff val="-1568"/>
                 <a:alphaOff val="0"/>
-                <a:shade val="84000"/>
-                <a:lumMod val="84000"/>
+                <a:shade val="88000"/>
+                <a:lumMod val="88000"/>
               </a:schemeClr>
             </a:gs>
           </a:gsLst>
-          <a:lin ang="5400000" scaled="0"/>
+          <a:lin ang="5400000" scaled="1"/>
         </a:gradFill>
         <a:ln w="9525" cap="rnd" cmpd="sng" algn="ctr">
           <a:solidFill>
             <a:schemeClr val="accent2">
-              <a:hueOff val="-122719"/>
-              <a:satOff val="9703"/>
-              <a:lumOff val="-196"/>
+              <a:hueOff val="-777537"/>
+              <a:satOff val="-4113"/>
+              <a:lumOff val="-1568"/>
               <a:alphaOff val="0"/>
             </a:schemeClr>
           </a:solidFill>
           <a:prstDash val="solid"/>
         </a:ln>
         <a:effectLst>
-          <a:innerShdw blurRad="50800" dist="25400" dir="13500000">
+          <a:outerShdw blurRad="50800" dist="38100" dir="5400000" rotWithShape="0">
             <a:srgbClr val="000000">
-              <a:alpha val="55000"/>
+              <a:alpha val="35000"/>
             </a:srgbClr>
-          </a:innerShdw>
+          </a:outerShdw>
         </a:effectLst>
       </dsp:spPr>
       <dsp:style>
@@ -1526,44 +1526,44 @@
           <a:gsLst>
             <a:gs pos="0">
               <a:schemeClr val="accent2">
-                <a:hueOff val="-245438"/>
-                <a:satOff val="19406"/>
-                <a:lumOff val="-392"/>
+                <a:hueOff val="-1555074"/>
+                <a:satOff val="-8227"/>
+                <a:lumOff val="-3137"/>
                 <a:alphaOff val="0"/>
-                <a:tint val="96000"/>
-                <a:lumMod val="104000"/>
+                <a:tint val="98000"/>
+                <a:lumMod val="100000"/>
               </a:schemeClr>
             </a:gs>
             <a:gs pos="100000">
               <a:schemeClr val="accent2">
-                <a:hueOff val="-245438"/>
-                <a:satOff val="19406"/>
-                <a:lumOff val="-392"/>
+                <a:hueOff val="-1555074"/>
+                <a:satOff val="-8227"/>
+                <a:lumOff val="-3137"/>
                 <a:alphaOff val="0"/>
-                <a:shade val="84000"/>
-                <a:lumMod val="84000"/>
+                <a:shade val="88000"/>
+                <a:lumMod val="88000"/>
               </a:schemeClr>
             </a:gs>
           </a:gsLst>
-          <a:lin ang="5400000" scaled="0"/>
+          <a:lin ang="5400000" scaled="1"/>
         </a:gradFill>
         <a:ln w="9525" cap="rnd" cmpd="sng" algn="ctr">
           <a:solidFill>
             <a:schemeClr val="accent2">
-              <a:hueOff val="-245438"/>
-              <a:satOff val="19406"/>
-              <a:lumOff val="-392"/>
+              <a:hueOff val="-1555074"/>
+              <a:satOff val="-8227"/>
+              <a:lumOff val="-3137"/>
               <a:alphaOff val="0"/>
             </a:schemeClr>
           </a:solidFill>
           <a:prstDash val="solid"/>
         </a:ln>
         <a:effectLst>
-          <a:innerShdw blurRad="50800" dist="25400" dir="13500000">
+          <a:outerShdw blurRad="50800" dist="38100" dir="5400000" rotWithShape="0">
             <a:srgbClr val="000000">
-              <a:alpha val="55000"/>
+              <a:alpha val="35000"/>
             </a:srgbClr>
-          </a:innerShdw>
+          </a:outerShdw>
         </a:effectLst>
       </dsp:spPr>
       <dsp:style>
@@ -1659,44 +1659,44 @@
           <a:gsLst>
             <a:gs pos="0">
               <a:schemeClr val="accent2">
-                <a:hueOff val="-368156"/>
-                <a:satOff val="29109"/>
-                <a:lumOff val="-588"/>
+                <a:hueOff val="-2332611"/>
+                <a:satOff val="-12340"/>
+                <a:lumOff val="-4705"/>
                 <a:alphaOff val="0"/>
-                <a:tint val="96000"/>
-                <a:lumMod val="104000"/>
+                <a:tint val="98000"/>
+                <a:lumMod val="100000"/>
               </a:schemeClr>
             </a:gs>
             <a:gs pos="100000">
               <a:schemeClr val="accent2">
-                <a:hueOff val="-368156"/>
-                <a:satOff val="29109"/>
-                <a:lumOff val="-588"/>
+                <a:hueOff val="-2332611"/>
+                <a:satOff val="-12340"/>
+                <a:lumOff val="-4705"/>
                 <a:alphaOff val="0"/>
-                <a:shade val="84000"/>
-                <a:lumMod val="84000"/>
+                <a:shade val="88000"/>
+                <a:lumMod val="88000"/>
               </a:schemeClr>
             </a:gs>
           </a:gsLst>
-          <a:lin ang="5400000" scaled="0"/>
+          <a:lin ang="5400000" scaled="1"/>
         </a:gradFill>
         <a:ln w="9525" cap="rnd" cmpd="sng" algn="ctr">
           <a:solidFill>
             <a:schemeClr val="accent2">
-              <a:hueOff val="-368156"/>
-              <a:satOff val="29109"/>
-              <a:lumOff val="-588"/>
+              <a:hueOff val="-2332611"/>
+              <a:satOff val="-12340"/>
+              <a:lumOff val="-4705"/>
               <a:alphaOff val="0"/>
             </a:schemeClr>
           </a:solidFill>
           <a:prstDash val="solid"/>
         </a:ln>
         <a:effectLst>
-          <a:innerShdw blurRad="50800" dist="25400" dir="13500000">
+          <a:outerShdw blurRad="50800" dist="38100" dir="5400000" rotWithShape="0">
             <a:srgbClr val="000000">
-              <a:alpha val="55000"/>
+              <a:alpha val="35000"/>
             </a:srgbClr>
-          </a:innerShdw>
+          </a:outerShdw>
         </a:effectLst>
       </dsp:spPr>
       <dsp:style>
@@ -1792,44 +1792,44 @@
           <a:gsLst>
             <a:gs pos="0">
               <a:schemeClr val="accent2">
-                <a:hueOff val="-490875"/>
-                <a:satOff val="38812"/>
-                <a:lumOff val="-784"/>
+                <a:hueOff val="-3110148"/>
+                <a:satOff val="-16453"/>
+                <a:lumOff val="-6274"/>
                 <a:alphaOff val="0"/>
-                <a:tint val="96000"/>
-                <a:lumMod val="104000"/>
+                <a:tint val="98000"/>
+                <a:lumMod val="100000"/>
               </a:schemeClr>
             </a:gs>
             <a:gs pos="100000">
               <a:schemeClr val="accent2">
-                <a:hueOff val="-490875"/>
-                <a:satOff val="38812"/>
-                <a:lumOff val="-784"/>
+                <a:hueOff val="-3110148"/>
+                <a:satOff val="-16453"/>
+                <a:lumOff val="-6274"/>
                 <a:alphaOff val="0"/>
-                <a:shade val="84000"/>
-                <a:lumMod val="84000"/>
+                <a:shade val="88000"/>
+                <a:lumMod val="88000"/>
               </a:schemeClr>
             </a:gs>
           </a:gsLst>
-          <a:lin ang="5400000" scaled="0"/>
+          <a:lin ang="5400000" scaled="1"/>
         </a:gradFill>
         <a:ln w="9525" cap="rnd" cmpd="sng" algn="ctr">
           <a:solidFill>
             <a:schemeClr val="accent2">
-              <a:hueOff val="-490875"/>
-              <a:satOff val="38812"/>
-              <a:lumOff val="-784"/>
+              <a:hueOff val="-3110148"/>
+              <a:satOff val="-16453"/>
+              <a:lumOff val="-6274"/>
               <a:alphaOff val="0"/>
             </a:schemeClr>
           </a:solidFill>
           <a:prstDash val="solid"/>
         </a:ln>
         <a:effectLst>
-          <a:innerShdw blurRad="50800" dist="25400" dir="13500000">
+          <a:outerShdw blurRad="50800" dist="38100" dir="5400000" rotWithShape="0">
             <a:srgbClr val="000000">
-              <a:alpha val="55000"/>
+              <a:alpha val="35000"/>
             </a:srgbClr>
-          </a:innerShdw>
+          </a:outerShdw>
         </a:effectLst>
       </dsp:spPr>
       <dsp:style>
@@ -3415,6 +3415,11 @@
 <file path=ppt/slideLayouts/slideLayout1.xml><?xml version="1.0" encoding="utf-8"?>
 <p:sldLayout xmlns:a="http://schemas.openxmlformats.org/drawingml/2006/main" xmlns:r="http://schemas.openxmlformats.org/officeDocument/2006/relationships" xmlns:p="http://schemas.openxmlformats.org/presentationml/2006/main" type="title" preserve="1">
   <p:cSld name="Title Slide">
+    <p:bg>
+      <p:bgRef idx="1003">
+        <a:schemeClr val="bg2"/>
+      </p:bgRef>
+    </p:bg>
     <p:spTree>
       <p:nvGrpSpPr>
         <p:cNvPr id="1" name=""/>
@@ -3429,20 +3434,50 @@
           <a:chExt cx="0" cy="0"/>
         </a:xfrm>
       </p:grpSpPr>
-      <p:sp>
-        <p:nvSpPr>
-          <p:cNvPr id="2" name="Title 1"/>
-          <p:cNvSpPr>
-            <a:spLocks noGrp="1"/>
-          </p:cNvSpPr>
-          <p:nvPr>
-            <p:ph type="ctrTitle"/>
-          </p:nvPr>
-        </p:nvSpPr>
+      <p:pic>
+        <p:nvPicPr>
+          <p:cNvPr id="7" name="Picture 6" descr="Celestia-R1---OverlayTitleHD.png"/>
+          <p:cNvPicPr>
+            <a:picLocks noChangeAspect="1"/>
+          </p:cNvPicPr>
+          <p:nvPr/>
+        </p:nvPicPr>
+        <p:blipFill>
+          <a:blip r:embed="rId2">
+            <a:extLst>
+              <a:ext uri="{28A0092B-C50C-407E-A947-70E740481C1C}">
+                <a14:useLocalDpi xmlns:a14="http://schemas.microsoft.com/office/drawing/2010/main" val="0"/>
+              </a:ext>
+            </a:extLst>
+          </a:blip>
+          <a:stretch>
+            <a:fillRect/>
+          </a:stretch>
+        </p:blipFill>
         <p:spPr>
           <a:xfrm>
-            <a:off x="1751012" y="609601"/>
-            <a:ext cx="8676222" cy="3200400"/>
+            <a:off x="0" y="0"/>
+            <a:ext cx="12188825" cy="6856214"/>
+          </a:xfrm>
+          <a:prstGeom prst="rect">
+            <a:avLst/>
+          </a:prstGeom>
+        </p:spPr>
+      </p:pic>
+      <p:sp>
+        <p:nvSpPr>
+          <p:cNvPr id="2" name="Title 1"/>
+          <p:cNvSpPr>
+            <a:spLocks noGrp="1"/>
+          </p:cNvSpPr>
+          <p:nvPr>
+            <p:ph type="ctrTitle"/>
+          </p:nvPr>
+        </p:nvSpPr>
+        <p:spPr>
+          <a:xfrm>
+            <a:off x="3962399" y="1964267"/>
+            <a:ext cx="7197726" cy="2421464"/>
           </a:xfrm>
         </p:spPr>
         <p:txBody>
@@ -3450,22 +3485,9 @@
             <a:normAutofit/>
           </a:bodyPr>
           <a:lstStyle>
-            <a:lvl1pPr algn="ctr">
+            <a:lvl1pPr algn="r">
               <a:defRPr sz="4800">
-                <a:effectLst>
-                  <a:glow rad="38100">
-                    <a:schemeClr val="bg1">
-                      <a:lumMod val="65000"/>
-                      <a:lumOff val="35000"/>
-                      <a:alpha val="50000"/>
-                    </a:schemeClr>
-                  </a:glow>
-                  <a:outerShdw blurRad="28575" dist="31750" dir="13200000" algn="tl" rotWithShape="0">
-                    <a:srgbClr val="000000">
-                      <a:alpha val="25000"/>
-                    </a:srgbClr>
-                  </a:outerShdw>
-                </a:effectLst>
+                <a:effectLst/>
               </a:defRPr>
             </a:lvl1pPr>
           </a:lstStyle>
@@ -3490,8 +3512,8 @@
         </p:nvSpPr>
         <p:spPr>
           <a:xfrm>
-            <a:off x="1751012" y="3886200"/>
-            <a:ext cx="8676222" cy="1905000"/>
+            <a:off x="3962399" y="4385732"/>
+            <a:ext cx="7197726" cy="1405467"/>
           </a:xfrm>
         </p:spPr>
         <p:txBody>
@@ -3499,23 +3521,12 @@
             <a:normAutofit/>
           </a:bodyPr>
           <a:lstStyle>
-            <a:lvl1pPr marL="0" indent="0" algn="ctr">
-              <a:buNone/>
-              <a:defRPr sz="2100">
-                <a:gradFill flip="none" rotWithShape="1">
-                  <a:gsLst>
-                    <a:gs pos="0">
-                      <a:schemeClr val="tx1"/>
-                    </a:gs>
-                    <a:gs pos="100000">
-                      <a:schemeClr val="tx1">
-                        <a:lumMod val="75000"/>
-                      </a:schemeClr>
-                    </a:gs>
-                  </a:gsLst>
-                  <a:lin ang="5400000" scaled="0"/>
-                  <a:tileRect/>
-                </a:gradFill>
+            <a:lvl1pPr marL="0" indent="0" algn="r">
+              <a:buNone/>
+              <a:defRPr sz="1800" cap="all">
+                <a:solidFill>
+                  <a:schemeClr val="tx1"/>
+                </a:solidFill>
               </a:defRPr>
             </a:lvl1pPr>
             <a:lvl2pPr marL="457200" indent="0" algn="ctr">
@@ -3618,14 +3629,19 @@
             <p:ph type="dt" sz="half" idx="10"/>
           </p:nvPr>
         </p:nvSpPr>
-        <p:spPr/>
+        <p:spPr>
+          <a:xfrm>
+            <a:off x="8932558" y="5870575"/>
+            <a:ext cx="1600200" cy="377825"/>
+          </a:xfrm>
+        </p:spPr>
         <p:txBody>
           <a:bodyPr/>
           <a:lstStyle/>
           <a:p>
             <a:fld id="{4A37A092-F479-4C17-8DAB-26C19D8DEF50}" type="datetimeFigureOut">
               <a:rPr lang="nl-NL" smtClean="0"/>
-              <a:t>16-9-2025</a:t>
+              <a:t>25-11-2025</a:t>
             </a:fld>
             <a:endParaRPr lang="nl-NL"/>
           </a:p>
@@ -3641,7 +3657,12 @@
             <p:ph type="ftr" sz="quarter" idx="11"/>
           </p:nvPr>
         </p:nvSpPr>
-        <p:spPr/>
+        <p:spPr>
+          <a:xfrm>
+            <a:off x="3962399" y="5870575"/>
+            <a:ext cx="4893958" cy="377825"/>
+          </a:xfrm>
+        </p:spPr>
         <p:txBody>
           <a:bodyPr/>
           <a:lstStyle/>
@@ -3660,7 +3681,12 @@
             <p:ph type="sldNum" sz="quarter" idx="12"/>
           </p:nvPr>
         </p:nvSpPr>
-        <p:spPr/>
+        <p:spPr>
+          <a:xfrm>
+            <a:off x="10608958" y="5870575"/>
+            <a:ext cx="551167" cy="377825"/>
+          </a:xfrm>
+        </p:spPr>
         <p:txBody>
           <a:bodyPr/>
           <a:lstStyle/>
@@ -3676,12 +3702,12 @@
     </p:spTree>
     <p:extLst>
       <p:ext uri="{BB962C8B-B14F-4D97-AF65-F5344CB8AC3E}">
-        <p14:creationId xmlns:p14="http://schemas.microsoft.com/office/powerpoint/2010/main" val="1264464281"/>
+        <p14:creationId xmlns:p14="http://schemas.microsoft.com/office/powerpoint/2010/main" val="1780973882"/>
       </p:ext>
     </p:extLst>
   </p:cSld>
   <p:clrMapOvr>
-    <a:masterClrMapping/>
+    <a:overrideClrMapping bg1="dk1" tx1="lt1" bg2="dk2" tx2="lt2" accent1="accent1" accent2="accent2" accent3="accent3" accent4="accent4" accent5="accent5" accent6="accent6" hlink="hlink" folHlink="folHlink"/>
   </p:clrMapOvr>
 </p:sldLayout>
 </file>
@@ -3703,20 +3729,50 @@
           <a:chExt cx="0" cy="0"/>
         </a:xfrm>
       </p:grpSpPr>
-      <p:sp>
-        <p:nvSpPr>
-          <p:cNvPr id="2" name="Title 1"/>
-          <p:cNvSpPr>
-            <a:spLocks noGrp="1"/>
-          </p:cNvSpPr>
-          <p:nvPr>
-            <p:ph type="title"/>
-          </p:nvPr>
-        </p:nvSpPr>
+      <p:pic>
+        <p:nvPicPr>
+          <p:cNvPr id="8" name="Picture 7" descr="Celestia-R1---OverlayContentHD.png"/>
+          <p:cNvPicPr>
+            <a:picLocks noChangeAspect="1"/>
+          </p:cNvPicPr>
+          <p:nvPr/>
+        </p:nvPicPr>
+        <p:blipFill>
+          <a:blip r:embed="rId2">
+            <a:extLst>
+              <a:ext uri="{28A0092B-C50C-407E-A947-70E740481C1C}">
+                <a14:useLocalDpi xmlns:a14="http://schemas.microsoft.com/office/drawing/2010/main" val="0"/>
+              </a:ext>
+            </a:extLst>
+          </a:blip>
+          <a:stretch>
+            <a:fillRect/>
+          </a:stretch>
+        </p:blipFill>
         <p:spPr>
           <a:xfrm>
-            <a:off x="1141413" y="4732865"/>
-            <a:ext cx="9906000" cy="566738"/>
+            <a:off x="0" y="0"/>
+            <a:ext cx="12188825" cy="6856214"/>
+          </a:xfrm>
+          <a:prstGeom prst="rect">
+            <a:avLst/>
+          </a:prstGeom>
+        </p:spPr>
+      </p:pic>
+      <p:sp>
+        <p:nvSpPr>
+          <p:cNvPr id="2" name="Title 1"/>
+          <p:cNvSpPr>
+            <a:spLocks noGrp="1"/>
+          </p:cNvSpPr>
+          <p:nvPr>
+            <p:ph type="title"/>
+          </p:nvPr>
+        </p:nvSpPr>
+        <p:spPr>
+          <a:xfrm>
+            <a:off x="685800" y="4732865"/>
+            <a:ext cx="10131427" cy="566738"/>
           </a:xfrm>
         </p:spPr>
         <p:txBody>
@@ -3749,36 +3805,39 @@
         </p:nvSpPr>
         <p:spPr>
           <a:xfrm>
-            <a:off x="1979612" y="932112"/>
-            <a:ext cx="8225944" cy="3164976"/>
+            <a:off x="1371600" y="932112"/>
+            <a:ext cx="8759827" cy="3164976"/>
           </a:xfrm>
           <a:prstGeom prst="roundRect">
             <a:avLst>
               <a:gd name="adj" fmla="val 4380"/>
             </a:avLst>
           </a:prstGeom>
-          <a:ln w="38100">
+          <a:ln w="50800" cap="sq" cmpd="dbl">
             <a:gradFill flip="none" rotWithShape="1">
               <a:gsLst>
                 <a:gs pos="0">
-                  <a:schemeClr val="bg2"/>
+                  <a:srgbClr val="FFFFFF"/>
                 </a:gs>
                 <a:gs pos="100000">
-                  <a:schemeClr val="bg2">
-                    <a:lumMod val="75000"/>
+                  <a:schemeClr val="tx1">
+                    <a:alpha val="0"/>
                   </a:schemeClr>
                 </a:gs>
               </a:gsLst>
-              <a:lin ang="5400000" scaled="0"/>
+              <a:path path="circle">
+                <a:fillToRect l="50000" t="50000" r="50000" b="50000"/>
+              </a:path>
               <a:tileRect/>
             </a:gradFill>
+            <a:miter lim="800000"/>
           </a:ln>
           <a:effectLst>
-            <a:innerShdw blurRad="57150" dist="38100" dir="14460000">
+            <a:outerShdw blurRad="254000" algn="tl" rotWithShape="0">
               <a:srgbClr val="000000">
-                <a:alpha val="70000"/>
+                <a:alpha val="43000"/>
               </a:srgbClr>
-            </a:innerShdw>
+            </a:outerShdw>
           </a:effectLst>
         </p:spPr>
         <p:txBody>
@@ -3844,12 +3903,12 @@
         </p:nvSpPr>
         <p:spPr>
           <a:xfrm>
-            <a:off x="1141413" y="5299603"/>
-            <a:ext cx="9906000" cy="493712"/>
+            <a:off x="685800" y="5299603"/>
+            <a:ext cx="10131427" cy="493712"/>
           </a:xfrm>
         </p:spPr>
         <p:txBody>
-          <a:bodyPr>
+          <a:bodyPr anchor="t">
             <a:normAutofit/>
           </a:bodyPr>
           <a:lstStyle>
@@ -3916,7 +3975,7 @@
           <a:p>
             <a:fld id="{4A37A092-F479-4C17-8DAB-26C19D8DEF50}" type="datetimeFigureOut">
               <a:rPr lang="nl-NL" smtClean="0"/>
-              <a:t>16-9-2025</a:t>
+              <a:t>25-11-2025</a:t>
             </a:fld>
             <a:endParaRPr lang="nl-NL"/>
           </a:p>
@@ -3967,7 +4026,7 @@
     </p:spTree>
     <p:extLst>
       <p:ext uri="{BB962C8B-B14F-4D97-AF65-F5344CB8AC3E}">
-        <p14:creationId xmlns:p14="http://schemas.microsoft.com/office/powerpoint/2010/main" val="461888051"/>
+        <p14:creationId xmlns:p14="http://schemas.microsoft.com/office/powerpoint/2010/main" val="3438534533"/>
       </p:ext>
     </p:extLst>
   </p:cSld>
@@ -3994,20 +4053,50 @@
           <a:chExt cx="0" cy="0"/>
         </a:xfrm>
       </p:grpSpPr>
-      <p:sp>
-        <p:nvSpPr>
-          <p:cNvPr id="2" name="Title 1"/>
-          <p:cNvSpPr>
-            <a:spLocks noGrp="1"/>
-          </p:cNvSpPr>
-          <p:nvPr>
-            <p:ph type="title"/>
-          </p:nvPr>
-        </p:nvSpPr>
+      <p:pic>
+        <p:nvPicPr>
+          <p:cNvPr id="7" name="Picture 6" descr="Celestia-R1---OverlayContentHD.png"/>
+          <p:cNvPicPr>
+            <a:picLocks noChangeAspect="1"/>
+          </p:cNvPicPr>
+          <p:nvPr/>
+        </p:nvPicPr>
+        <p:blipFill>
+          <a:blip r:embed="rId2">
+            <a:extLst>
+              <a:ext uri="{28A0092B-C50C-407E-A947-70E740481C1C}">
+                <a14:useLocalDpi xmlns:a14="http://schemas.microsoft.com/office/drawing/2010/main" val="0"/>
+              </a:ext>
+            </a:extLst>
+          </a:blip>
+          <a:stretch>
+            <a:fillRect/>
+          </a:stretch>
+        </p:blipFill>
         <p:spPr>
           <a:xfrm>
-            <a:off x="1141412" y="609601"/>
-            <a:ext cx="9905999" cy="3124199"/>
+            <a:off x="0" y="0"/>
+            <a:ext cx="12188825" cy="6856214"/>
+          </a:xfrm>
+          <a:prstGeom prst="rect">
+            <a:avLst/>
+          </a:prstGeom>
+        </p:spPr>
+      </p:pic>
+      <p:sp>
+        <p:nvSpPr>
+          <p:cNvPr id="2" name="Title 1"/>
+          <p:cNvSpPr>
+            <a:spLocks noGrp="1"/>
+          </p:cNvSpPr>
+          <p:nvPr>
+            <p:ph type="title"/>
+          </p:nvPr>
+        </p:nvSpPr>
+        <p:spPr>
+          <a:xfrm>
+            <a:off x="685801" y="609601"/>
+            <a:ext cx="10131427" cy="3124199"/>
           </a:xfrm>
         </p:spPr>
         <p:txBody>
@@ -4016,7 +4105,7 @@
           </a:bodyPr>
           <a:lstStyle>
             <a:lvl1pPr algn="l">
-              <a:defRPr sz="3200" b="0" cap="all"/>
+              <a:defRPr sz="3200" b="0" cap="none"/>
             </a:lvl1pPr>
           </a:lstStyle>
           <a:p>
@@ -4040,8 +4129,8 @@
         </p:nvSpPr>
         <p:spPr>
           <a:xfrm>
-            <a:off x="1141411" y="4343400"/>
-            <a:ext cx="9906000" cy="1447800"/>
+            <a:off x="685800" y="4343400"/>
+            <a:ext cx="10131428" cy="1447800"/>
           </a:xfrm>
         </p:spPr>
         <p:txBody>
@@ -4052,20 +4141,9 @@
             <a:lvl1pPr marL="0" indent="0" algn="l">
               <a:buNone/>
               <a:defRPr sz="2000">
-                <a:gradFill flip="none" rotWithShape="1">
-                  <a:gsLst>
-                    <a:gs pos="0">
-                      <a:schemeClr val="tx1"/>
-                    </a:gs>
-                    <a:gs pos="100000">
-                      <a:schemeClr val="tx1">
-                        <a:lumMod val="75000"/>
-                      </a:schemeClr>
-                    </a:gs>
-                  </a:gsLst>
-                  <a:lin ang="5400000" scaled="0"/>
-                  <a:tileRect/>
-                </a:gradFill>
+                <a:solidFill>
+                  <a:schemeClr val="tx1"/>
+                </a:solidFill>
               </a:defRPr>
             </a:lvl1pPr>
             <a:lvl2pPr marL="457200" indent="0">
@@ -4175,7 +4253,7 @@
           <a:p>
             <a:fld id="{4A37A092-F479-4C17-8DAB-26C19D8DEF50}" type="datetimeFigureOut">
               <a:rPr lang="nl-NL" smtClean="0"/>
-              <a:t>16-9-2025</a:t>
+              <a:t>25-11-2025</a:t>
             </a:fld>
             <a:endParaRPr lang="nl-NL"/>
           </a:p>
@@ -4226,7 +4304,7 @@
     </p:spTree>
     <p:extLst>
       <p:ext uri="{BB962C8B-B14F-4D97-AF65-F5344CB8AC3E}">
-        <p14:creationId xmlns:p14="http://schemas.microsoft.com/office/powerpoint/2010/main" val="3106434120"/>
+        <p14:creationId xmlns:p14="http://schemas.microsoft.com/office/powerpoint/2010/main" val="1337885261"/>
       </p:ext>
     </p:extLst>
   </p:cSld>
@@ -4253,15 +4331,45 @@
           <a:chExt cx="0" cy="0"/>
         </a:xfrm>
       </p:grpSpPr>
-      <p:sp>
-        <p:nvSpPr>
-          <p:cNvPr id="14" name="TextBox 13"/>
+      <p:pic>
+        <p:nvPicPr>
+          <p:cNvPr id="16" name="Picture 15" descr="Celestia-R1---OverlayContentHD.png"/>
+          <p:cNvPicPr>
+            <a:picLocks noChangeAspect="1"/>
+          </p:cNvPicPr>
+          <p:nvPr/>
+        </p:nvPicPr>
+        <p:blipFill>
+          <a:blip r:embed="rId2">
+            <a:extLst>
+              <a:ext uri="{28A0092B-C50C-407E-A947-70E740481C1C}">
+                <a14:useLocalDpi xmlns:a14="http://schemas.microsoft.com/office/drawing/2010/main" val="0"/>
+              </a:ext>
+            </a:extLst>
+          </a:blip>
+          <a:stretch>
+            <a:fillRect/>
+          </a:stretch>
+        </p:blipFill>
+        <p:spPr>
+          <a:xfrm>
+            <a:off x="0" y="0"/>
+            <a:ext cx="12188825" cy="6856214"/>
+          </a:xfrm>
+          <a:prstGeom prst="rect">
+            <a:avLst/>
+          </a:prstGeom>
+        </p:spPr>
+      </p:pic>
+      <p:sp>
+        <p:nvSpPr>
+          <p:cNvPr id="15" name="TextBox 14"/>
           <p:cNvSpPr txBox="1"/>
           <p:nvPr/>
         </p:nvSpPr>
         <p:spPr>
           <a:xfrm>
-            <a:off x="836612" y="786824"/>
+            <a:off x="10237867" y="2743200"/>
             <a:ext cx="609600" cy="584776"/>
           </a:xfrm>
           <a:prstGeom prst="rect">
@@ -4356,27 +4464,28 @@
             </a:lvl9pPr>
           </a:lstStyle>
           <a:p>
-            <a:pPr lvl="0"/>
+            <a:pPr lvl="0" algn="r"/>
             <a:r>
               <a:rPr lang="en-US" sz="8000" dirty="0">
                 <a:solidFill>
-                  <a:schemeClr val="accent1"/>
+                  <a:schemeClr val="tx1"/>
                 </a:solidFill>
+                <a:effectLst/>
               </a:rPr>
-              <a:t>“</a:t>
-            </a:r>
-          </a:p>
-        </p:txBody>
-      </p:sp>
-      <p:sp>
-        <p:nvSpPr>
-          <p:cNvPr id="15" name="TextBox 14"/>
+              <a:t>”</a:t>
+            </a:r>
+          </a:p>
+        </p:txBody>
+      </p:sp>
+      <p:sp>
+        <p:nvSpPr>
+          <p:cNvPr id="11" name="TextBox 10"/>
           <p:cNvSpPr txBox="1"/>
           <p:nvPr/>
         </p:nvSpPr>
         <p:spPr>
           <a:xfrm>
-            <a:off x="10437812" y="2743200"/>
+            <a:off x="488275" y="823337"/>
             <a:ext cx="609600" cy="584776"/>
           </a:xfrm>
           <a:prstGeom prst="rect">
@@ -4475,10 +4584,11 @@
             <a:r>
               <a:rPr lang="en-US" sz="8000" dirty="0">
                 <a:solidFill>
-                  <a:schemeClr val="accent1"/>
+                  <a:schemeClr val="tx1"/>
                 </a:solidFill>
+                <a:effectLst/>
               </a:rPr>
-              <a:t>”</a:t>
+              <a:t>“</a:t>
             </a:r>
           </a:p>
         </p:txBody>
@@ -4495,8 +4605,8 @@
         </p:nvSpPr>
         <p:spPr>
           <a:xfrm>
-            <a:off x="1446213" y="609601"/>
-            <a:ext cx="9296398" cy="2743199"/>
+            <a:off x="992267" y="609601"/>
+            <a:ext cx="9550399" cy="2743199"/>
           </a:xfrm>
         </p:spPr>
         <p:txBody>
@@ -4505,7 +4615,7 @@
           </a:bodyPr>
           <a:lstStyle>
             <a:lvl1pPr algn="l">
-              <a:defRPr sz="3200" b="0" cap="all">
+              <a:defRPr sz="3200" b="0" cap="none">
                 <a:solidFill>
                   <a:schemeClr val="tx1"/>
                 </a:solidFill>
@@ -4533,8 +4643,8 @@
         </p:nvSpPr>
         <p:spPr>
           <a:xfrm>
-            <a:off x="1674812" y="3352800"/>
-            <a:ext cx="8839202" cy="381000"/>
+            <a:off x="1097875" y="3352800"/>
+            <a:ext cx="9339184" cy="381000"/>
           </a:xfrm>
         </p:spPr>
         <p:txBody>
@@ -4587,39 +4697,106 @@
         </p:nvSpPr>
         <p:spPr>
           <a:xfrm>
-            <a:off x="1141411" y="4343400"/>
-            <a:ext cx="9906000" cy="1447800"/>
+            <a:off x="687465" y="4343400"/>
+            <a:ext cx="10152367" cy="1447800"/>
           </a:xfrm>
         </p:spPr>
         <p:txBody>
-          <a:bodyPr vert="horz" lIns="91440" tIns="45720" rIns="91440" bIns="45720" rtlCol="0" anchor="ctr">
+          <a:bodyPr anchor="ctr">
             <a:normAutofit/>
           </a:bodyPr>
           <a:lstStyle>
-            <a:lvl1pPr>
-              <a:buNone/>
-              <a:defRPr lang="en-US" sz="2000">
-                <a:gradFill flip="none" rotWithShape="1">
-                  <a:gsLst>
-                    <a:gs pos="0">
-                      <a:schemeClr val="tx1"/>
-                    </a:gs>
-                    <a:gs pos="100000">
-                      <a:schemeClr val="tx1">
-                        <a:lumMod val="75000"/>
-                      </a:schemeClr>
-                    </a:gs>
-                  </a:gsLst>
-                  <a:lin ang="5400000" scaled="0"/>
-                  <a:tileRect/>
-                </a:gradFill>
+            <a:lvl1pPr marL="0" indent="0" algn="l">
+              <a:buNone/>
+              <a:defRPr sz="2000">
+                <a:solidFill>
+                  <a:schemeClr val="tx1"/>
+                </a:solidFill>
               </a:defRPr>
             </a:lvl1pPr>
+            <a:lvl2pPr marL="457200" indent="0">
+              <a:buNone/>
+              <a:defRPr sz="1800">
+                <a:solidFill>
+                  <a:schemeClr val="tx1">
+                    <a:tint val="75000"/>
+                  </a:schemeClr>
+                </a:solidFill>
+              </a:defRPr>
+            </a:lvl2pPr>
+            <a:lvl3pPr marL="914400" indent="0">
+              <a:buNone/>
+              <a:defRPr sz="1600">
+                <a:solidFill>
+                  <a:schemeClr val="tx1">
+                    <a:tint val="75000"/>
+                  </a:schemeClr>
+                </a:solidFill>
+              </a:defRPr>
+            </a:lvl3pPr>
+            <a:lvl4pPr marL="1371600" indent="0">
+              <a:buNone/>
+              <a:defRPr sz="1400">
+                <a:solidFill>
+                  <a:schemeClr val="tx1">
+                    <a:tint val="75000"/>
+                  </a:schemeClr>
+                </a:solidFill>
+              </a:defRPr>
+            </a:lvl4pPr>
+            <a:lvl5pPr marL="1828800" indent="0">
+              <a:buNone/>
+              <a:defRPr sz="1400">
+                <a:solidFill>
+                  <a:schemeClr val="tx1">
+                    <a:tint val="75000"/>
+                  </a:schemeClr>
+                </a:solidFill>
+              </a:defRPr>
+            </a:lvl5pPr>
+            <a:lvl6pPr marL="2286000" indent="0">
+              <a:buNone/>
+              <a:defRPr sz="1400">
+                <a:solidFill>
+                  <a:schemeClr val="tx1">
+                    <a:tint val="75000"/>
+                  </a:schemeClr>
+                </a:solidFill>
+              </a:defRPr>
+            </a:lvl6pPr>
+            <a:lvl7pPr marL="2743200" indent="0">
+              <a:buNone/>
+              <a:defRPr sz="1400">
+                <a:solidFill>
+                  <a:schemeClr val="tx1">
+                    <a:tint val="75000"/>
+                  </a:schemeClr>
+                </a:solidFill>
+              </a:defRPr>
+            </a:lvl7pPr>
+            <a:lvl8pPr marL="3200400" indent="0">
+              <a:buNone/>
+              <a:defRPr sz="1400">
+                <a:solidFill>
+                  <a:schemeClr val="tx1">
+                    <a:tint val="75000"/>
+                  </a:schemeClr>
+                </a:solidFill>
+              </a:defRPr>
+            </a:lvl8pPr>
+            <a:lvl9pPr marL="3657600" indent="0">
+              <a:buNone/>
+              <a:defRPr sz="1400">
+                <a:solidFill>
+                  <a:schemeClr val="tx1">
+                    <a:tint val="75000"/>
+                  </a:schemeClr>
+                </a:solidFill>
+              </a:defRPr>
+            </a:lvl9pPr>
           </a:lstStyle>
           <a:p>
-            <a:pPr marL="0" lvl="0" indent="0">
-              <a:buNone/>
-            </a:pPr>
+            <a:pPr lvl="0"/>
             <a:r>
               <a:rPr lang="en-US"/>
               <a:t>Click to edit Master text styles</a:t>
@@ -4644,7 +4821,7 @@
           <a:p>
             <a:fld id="{4A37A092-F479-4C17-8DAB-26C19D8DEF50}" type="datetimeFigureOut">
               <a:rPr lang="nl-NL" smtClean="0"/>
-              <a:t>16-9-2025</a:t>
+              <a:t>25-11-2025</a:t>
             </a:fld>
             <a:endParaRPr lang="nl-NL"/>
           </a:p>
@@ -4695,7 +4872,7 @@
     </p:spTree>
     <p:extLst>
       <p:ext uri="{BB962C8B-B14F-4D97-AF65-F5344CB8AC3E}">
-        <p14:creationId xmlns:p14="http://schemas.microsoft.com/office/powerpoint/2010/main" val="1856028340"/>
+        <p14:creationId xmlns:p14="http://schemas.microsoft.com/office/powerpoint/2010/main" val="3330395058"/>
       </p:ext>
     </p:extLst>
   </p:cSld>
@@ -4722,20 +4899,50 @@
           <a:chExt cx="0" cy="0"/>
         </a:xfrm>
       </p:grpSpPr>
-      <p:sp>
-        <p:nvSpPr>
-          <p:cNvPr id="2" name="Title 1"/>
-          <p:cNvSpPr>
-            <a:spLocks noGrp="1"/>
-          </p:cNvSpPr>
-          <p:nvPr>
-            <p:ph type="title"/>
-          </p:nvPr>
-        </p:nvSpPr>
+      <p:pic>
+        <p:nvPicPr>
+          <p:cNvPr id="8" name="Picture 7" descr="Celestia-R1---OverlayContentHD.png"/>
+          <p:cNvPicPr>
+            <a:picLocks noChangeAspect="1"/>
+          </p:cNvPicPr>
+          <p:nvPr/>
+        </p:nvPicPr>
+        <p:blipFill>
+          <a:blip r:embed="rId2">
+            <a:extLst>
+              <a:ext uri="{28A0092B-C50C-407E-A947-70E740481C1C}">
+                <a14:useLocalDpi xmlns:a14="http://schemas.microsoft.com/office/drawing/2010/main" val="0"/>
+              </a:ext>
+            </a:extLst>
+          </a:blip>
+          <a:stretch>
+            <a:fillRect/>
+          </a:stretch>
+        </p:blipFill>
         <p:spPr>
           <a:xfrm>
-            <a:off x="1141412" y="3308581"/>
-            <a:ext cx="9906000" cy="1468800"/>
+            <a:off x="0" y="0"/>
+            <a:ext cx="12188825" cy="6856214"/>
+          </a:xfrm>
+          <a:prstGeom prst="rect">
+            <a:avLst/>
+          </a:prstGeom>
+        </p:spPr>
+      </p:pic>
+      <p:sp>
+        <p:nvSpPr>
+          <p:cNvPr id="2" name="Title 1"/>
+          <p:cNvSpPr>
+            <a:spLocks noGrp="1"/>
+          </p:cNvSpPr>
+          <p:nvPr>
+            <p:ph type="title"/>
+          </p:nvPr>
+        </p:nvSpPr>
+        <p:spPr>
+          <a:xfrm>
+            <a:off x="685802" y="3308581"/>
+            <a:ext cx="10131425" cy="1468800"/>
           </a:xfrm>
         </p:spPr>
         <p:txBody>
@@ -4744,7 +4951,7 @@
           </a:bodyPr>
           <a:lstStyle>
             <a:lvl1pPr algn="l">
-              <a:defRPr sz="3200" b="0" cap="all"/>
+              <a:defRPr sz="3200" b="0" cap="none"/>
             </a:lvl1pPr>
           </a:lstStyle>
           <a:p>
@@ -4768,38 +4975,106 @@
         </p:nvSpPr>
         <p:spPr>
           <a:xfrm>
-            <a:off x="1141410" y="4777381"/>
-            <a:ext cx="9906001" cy="860400"/>
+            <a:off x="685801" y="4777381"/>
+            <a:ext cx="10131426" cy="860400"/>
           </a:xfrm>
         </p:spPr>
         <p:txBody>
-          <a:bodyPr vert="horz" lIns="91440" tIns="45720" rIns="91440" bIns="45720" rtlCol="0" anchor="t">
+          <a:bodyPr anchor="t">
             <a:normAutofit/>
           </a:bodyPr>
           <a:lstStyle>
-            <a:lvl1pPr>
-              <a:defRPr lang="en-US" sz="2000">
-                <a:gradFill flip="none" rotWithShape="1">
-                  <a:gsLst>
-                    <a:gs pos="0">
-                      <a:schemeClr val="tx1"/>
-                    </a:gs>
-                    <a:gs pos="100000">
-                      <a:schemeClr val="tx1">
-                        <a:lumMod val="75000"/>
-                      </a:schemeClr>
-                    </a:gs>
-                  </a:gsLst>
-                  <a:lin ang="5400000" scaled="0"/>
-                  <a:tileRect/>
-                </a:gradFill>
+            <a:lvl1pPr marL="0" indent="0" algn="l">
+              <a:buNone/>
+              <a:defRPr sz="2000">
+                <a:solidFill>
+                  <a:schemeClr val="tx1"/>
+                </a:solidFill>
               </a:defRPr>
             </a:lvl1pPr>
+            <a:lvl2pPr marL="457200" indent="0">
+              <a:buNone/>
+              <a:defRPr sz="1800">
+                <a:solidFill>
+                  <a:schemeClr val="tx1">
+                    <a:tint val="75000"/>
+                  </a:schemeClr>
+                </a:solidFill>
+              </a:defRPr>
+            </a:lvl2pPr>
+            <a:lvl3pPr marL="914400" indent="0">
+              <a:buNone/>
+              <a:defRPr sz="1600">
+                <a:solidFill>
+                  <a:schemeClr val="tx1">
+                    <a:tint val="75000"/>
+                  </a:schemeClr>
+                </a:solidFill>
+              </a:defRPr>
+            </a:lvl3pPr>
+            <a:lvl4pPr marL="1371600" indent="0">
+              <a:buNone/>
+              <a:defRPr sz="1400">
+                <a:solidFill>
+                  <a:schemeClr val="tx1">
+                    <a:tint val="75000"/>
+                  </a:schemeClr>
+                </a:solidFill>
+              </a:defRPr>
+            </a:lvl4pPr>
+            <a:lvl5pPr marL="1828800" indent="0">
+              <a:buNone/>
+              <a:defRPr sz="1400">
+                <a:solidFill>
+                  <a:schemeClr val="tx1">
+                    <a:tint val="75000"/>
+                  </a:schemeClr>
+                </a:solidFill>
+              </a:defRPr>
+            </a:lvl5pPr>
+            <a:lvl6pPr marL="2286000" indent="0">
+              <a:buNone/>
+              <a:defRPr sz="1400">
+                <a:solidFill>
+                  <a:schemeClr val="tx1">
+                    <a:tint val="75000"/>
+                  </a:schemeClr>
+                </a:solidFill>
+              </a:defRPr>
+            </a:lvl6pPr>
+            <a:lvl7pPr marL="2743200" indent="0">
+              <a:buNone/>
+              <a:defRPr sz="1400">
+                <a:solidFill>
+                  <a:schemeClr val="tx1">
+                    <a:tint val="75000"/>
+                  </a:schemeClr>
+                </a:solidFill>
+              </a:defRPr>
+            </a:lvl7pPr>
+            <a:lvl8pPr marL="3200400" indent="0">
+              <a:buNone/>
+              <a:defRPr sz="1400">
+                <a:solidFill>
+                  <a:schemeClr val="tx1">
+                    <a:tint val="75000"/>
+                  </a:schemeClr>
+                </a:solidFill>
+              </a:defRPr>
+            </a:lvl8pPr>
+            <a:lvl9pPr marL="3657600" indent="0">
+              <a:buNone/>
+              <a:defRPr sz="1400">
+                <a:solidFill>
+                  <a:schemeClr val="tx1">
+                    <a:tint val="75000"/>
+                  </a:schemeClr>
+                </a:solidFill>
+              </a:defRPr>
+            </a:lvl9pPr>
           </a:lstStyle>
           <a:p>
-            <a:pPr marL="0" lvl="0" indent="0">
-              <a:buNone/>
-            </a:pPr>
+            <a:pPr lvl="0"/>
             <a:r>
               <a:rPr lang="en-US"/>
               <a:t>Click to edit Master text styles</a:t>
@@ -4824,7 +5099,7 @@
           <a:p>
             <a:fld id="{4A37A092-F479-4C17-8DAB-26C19D8DEF50}" type="datetimeFigureOut">
               <a:rPr lang="nl-NL" smtClean="0"/>
-              <a:t>16-9-2025</a:t>
+              <a:t>25-11-2025</a:t>
             </a:fld>
             <a:endParaRPr lang="nl-NL"/>
           </a:p>
@@ -4875,7 +5150,7 @@
     </p:spTree>
     <p:extLst>
       <p:ext uri="{BB962C8B-B14F-4D97-AF65-F5344CB8AC3E}">
-        <p14:creationId xmlns:p14="http://schemas.microsoft.com/office/powerpoint/2010/main" val="1060009796"/>
+        <p14:creationId xmlns:p14="http://schemas.microsoft.com/office/powerpoint/2010/main" val="1475852221"/>
       </p:ext>
     </p:extLst>
   </p:cSld>
@@ -4902,15 +5177,45 @@
           <a:chExt cx="0" cy="0"/>
         </a:xfrm>
       </p:grpSpPr>
-      <p:sp>
-        <p:nvSpPr>
-          <p:cNvPr id="14" name="TextBox 13"/>
+      <p:pic>
+        <p:nvPicPr>
+          <p:cNvPr id="11" name="Picture 10" descr="Celestia-R1---OverlayContentHD.png"/>
+          <p:cNvPicPr>
+            <a:picLocks noChangeAspect="1"/>
+          </p:cNvPicPr>
+          <p:nvPr/>
+        </p:nvPicPr>
+        <p:blipFill>
+          <a:blip r:embed="rId2">
+            <a:extLst>
+              <a:ext uri="{28A0092B-C50C-407E-A947-70E740481C1C}">
+                <a14:useLocalDpi xmlns:a14="http://schemas.microsoft.com/office/drawing/2010/main" val="0"/>
+              </a:ext>
+            </a:extLst>
+          </a:blip>
+          <a:stretch>
+            <a:fillRect/>
+          </a:stretch>
+        </p:blipFill>
+        <p:spPr>
+          <a:xfrm>
+            <a:off x="0" y="0"/>
+            <a:ext cx="12188825" cy="6856214"/>
+          </a:xfrm>
+          <a:prstGeom prst="rect">
+            <a:avLst/>
+          </a:prstGeom>
+        </p:spPr>
+      </p:pic>
+      <p:sp>
+        <p:nvSpPr>
+          <p:cNvPr id="13" name="TextBox 12"/>
           <p:cNvSpPr txBox="1"/>
           <p:nvPr/>
         </p:nvSpPr>
         <p:spPr>
           <a:xfrm>
-            <a:off x="836612" y="786824"/>
+            <a:off x="10237867" y="2743200"/>
             <a:ext cx="609600" cy="584776"/>
           </a:xfrm>
           <a:prstGeom prst="rect">
@@ -5005,27 +5310,28 @@
             </a:lvl9pPr>
           </a:lstStyle>
           <a:p>
-            <a:pPr lvl="0"/>
+            <a:pPr lvl="0" algn="r"/>
             <a:r>
               <a:rPr lang="en-US" sz="8000" dirty="0">
                 <a:solidFill>
-                  <a:schemeClr val="accent1"/>
+                  <a:schemeClr val="tx1"/>
                 </a:solidFill>
+                <a:effectLst/>
               </a:rPr>
-              <a:t>“</a:t>
-            </a:r>
-          </a:p>
-        </p:txBody>
-      </p:sp>
-      <p:sp>
-        <p:nvSpPr>
-          <p:cNvPr id="15" name="TextBox 14"/>
+              <a:t>”</a:t>
+            </a:r>
+          </a:p>
+        </p:txBody>
+      </p:sp>
+      <p:sp>
+        <p:nvSpPr>
+          <p:cNvPr id="14" name="TextBox 13"/>
           <p:cNvSpPr txBox="1"/>
           <p:nvPr/>
         </p:nvSpPr>
         <p:spPr>
           <a:xfrm>
-            <a:off x="10437812" y="2743200"/>
+            <a:off x="488275" y="823337"/>
             <a:ext cx="609600" cy="584776"/>
           </a:xfrm>
           <a:prstGeom prst="rect">
@@ -5124,17 +5430,18 @@
             <a:r>
               <a:rPr lang="en-US" sz="8000" dirty="0">
                 <a:solidFill>
-                  <a:schemeClr val="accent1"/>
+                  <a:schemeClr val="tx1"/>
                 </a:solidFill>
+                <a:effectLst/>
               </a:rPr>
-              <a:t>”</a:t>
-            </a:r>
-          </a:p>
-        </p:txBody>
-      </p:sp>
-      <p:sp>
-        <p:nvSpPr>
-          <p:cNvPr id="2" name="Title 1"/>
+              <a:t>“</a:t>
+            </a:r>
+          </a:p>
+        </p:txBody>
+      </p:sp>
+      <p:sp>
+        <p:nvSpPr>
+          <p:cNvPr id="16" name="Title 1"/>
           <p:cNvSpPr>
             <a:spLocks noGrp="1"/>
           </p:cNvSpPr>
@@ -5144,8 +5451,8 @@
         </p:nvSpPr>
         <p:spPr>
           <a:xfrm>
-            <a:off x="1446213" y="609601"/>
-            <a:ext cx="9296398" cy="2743199"/>
+            <a:off x="992267" y="609601"/>
+            <a:ext cx="9550399" cy="2743199"/>
           </a:xfrm>
         </p:spPr>
         <p:txBody>
@@ -5154,21 +5461,10 @@
           </a:bodyPr>
           <a:lstStyle>
             <a:lvl1pPr algn="l">
-              <a:defRPr sz="3200" b="0" cap="all">
-                <a:gradFill flip="none" rotWithShape="1">
-                  <a:gsLst>
-                    <a:gs pos="0">
-                      <a:schemeClr val="tx1"/>
-                    </a:gs>
-                    <a:gs pos="100000">
-                      <a:schemeClr val="tx1">
-                        <a:lumMod val="75000"/>
-                      </a:schemeClr>
-                    </a:gs>
-                  </a:gsLst>
-                  <a:lin ang="5400000" scaled="0"/>
-                  <a:tileRect/>
-                </a:gradFill>
+              <a:defRPr sz="3200" b="0" cap="none">
+                <a:solidFill>
+                  <a:schemeClr val="tx1"/>
+                </a:solidFill>
               </a:defRPr>
             </a:lvl1pPr>
           </a:lstStyle>
@@ -5193,8 +5489,8 @@
         </p:nvSpPr>
         <p:spPr>
           <a:xfrm>
-            <a:off x="1141412" y="3886200"/>
-            <a:ext cx="9906000" cy="889000"/>
+            <a:off x="685800" y="3886200"/>
+            <a:ext cx="10135436" cy="889000"/>
           </a:xfrm>
         </p:spPr>
         <p:txBody>
@@ -5204,38 +5500,14 @@
           <a:lstStyle>
             <a:lvl1pPr>
               <a:buNone/>
-              <a:defRPr lang="en-US" sz="2400" b="0" cap="all" dirty="0">
+              <a:defRPr lang="en-US" sz="2400" b="0" cap="none" dirty="0">
                 <a:ln w="3175" cmpd="sng">
                   <a:noFill/>
                 </a:ln>
-                <a:gradFill flip="none" rotWithShape="1">
-                  <a:gsLst>
-                    <a:gs pos="0">
-                      <a:schemeClr val="tx1"/>
-                    </a:gs>
-                    <a:gs pos="100000">
-                      <a:schemeClr val="tx1">
-                        <a:lumMod val="75000"/>
-                      </a:schemeClr>
-                    </a:gs>
-                  </a:gsLst>
-                  <a:lin ang="5400000" scaled="0"/>
-                  <a:tileRect/>
-                </a:gradFill>
-                <a:effectLst>
-                  <a:glow rad="38100">
-                    <a:schemeClr val="bg1">
-                      <a:lumMod val="65000"/>
-                      <a:lumOff val="35000"/>
-                      <a:alpha val="40000"/>
-                    </a:schemeClr>
-                  </a:glow>
-                  <a:outerShdw blurRad="28575" dist="38100" dir="14040000" algn="tl" rotWithShape="0">
-                    <a:srgbClr val="000000">
-                      <a:alpha val="25000"/>
-                    </a:srgbClr>
-                  </a:outerShdw>
-                </a:effectLst>
+                <a:solidFill>
+                  <a:schemeClr val="tx1"/>
+                </a:solidFill>
+                <a:effectLst/>
               </a:defRPr>
             </a:lvl1pPr>
           </a:lstStyle>
@@ -5265,8 +5537,8 @@
         </p:nvSpPr>
         <p:spPr>
           <a:xfrm>
-            <a:off x="1141411" y="4775200"/>
-            <a:ext cx="9906000" cy="1016000"/>
+            <a:off x="685799" y="4775200"/>
+            <a:ext cx="10135436" cy="1016000"/>
           </a:xfrm>
         </p:spPr>
         <p:txBody>
@@ -5277,20 +5549,9 @@
             <a:lvl1pPr marL="0" indent="0" algn="l">
               <a:buNone/>
               <a:defRPr sz="1800">
-                <a:gradFill flip="none" rotWithShape="1">
-                  <a:gsLst>
-                    <a:gs pos="0">
-                      <a:schemeClr val="tx1"/>
-                    </a:gs>
-                    <a:gs pos="100000">
-                      <a:schemeClr val="tx1">
-                        <a:lumMod val="75000"/>
-                      </a:schemeClr>
-                    </a:gs>
-                  </a:gsLst>
-                  <a:lin ang="5400000" scaled="0"/>
-                  <a:tileRect/>
-                </a:gradFill>
+                <a:solidFill>
+                  <a:schemeClr val="tx1"/>
+                </a:solidFill>
               </a:defRPr>
             </a:lvl1pPr>
             <a:lvl2pPr marL="457200" indent="0">
@@ -5400,7 +5661,7 @@
           <a:p>
             <a:fld id="{4A37A092-F479-4C17-8DAB-26C19D8DEF50}" type="datetimeFigureOut">
               <a:rPr lang="nl-NL" smtClean="0"/>
-              <a:t>16-9-2025</a:t>
+              <a:t>25-11-2025</a:t>
             </a:fld>
             <a:endParaRPr lang="nl-NL"/>
           </a:p>
@@ -5451,7 +5712,7 @@
     </p:spTree>
     <p:extLst>
       <p:ext uri="{BB962C8B-B14F-4D97-AF65-F5344CB8AC3E}">
-        <p14:creationId xmlns:p14="http://schemas.microsoft.com/office/powerpoint/2010/main" val="1756659701"/>
+        <p14:creationId xmlns:p14="http://schemas.microsoft.com/office/powerpoint/2010/main" val="2200694665"/>
       </p:ext>
     </p:extLst>
   </p:cSld>
@@ -5478,20 +5739,50 @@
           <a:chExt cx="0" cy="0"/>
         </a:xfrm>
       </p:grpSpPr>
-      <p:sp>
-        <p:nvSpPr>
-          <p:cNvPr id="2" name="Title 1"/>
-          <p:cNvSpPr>
-            <a:spLocks noGrp="1"/>
-          </p:cNvSpPr>
-          <p:nvPr>
-            <p:ph type="title"/>
-          </p:nvPr>
-        </p:nvSpPr>
+      <p:pic>
+        <p:nvPicPr>
+          <p:cNvPr id="8" name="Picture 7" descr="Celestia-R1---OverlayContentHD.png"/>
+          <p:cNvPicPr>
+            <a:picLocks noChangeAspect="1"/>
+          </p:cNvPicPr>
+          <p:nvPr/>
+        </p:nvPicPr>
+        <p:blipFill>
+          <a:blip r:embed="rId2">
+            <a:extLst>
+              <a:ext uri="{28A0092B-C50C-407E-A947-70E740481C1C}">
+                <a14:useLocalDpi xmlns:a14="http://schemas.microsoft.com/office/drawing/2010/main" val="0"/>
+              </a:ext>
+            </a:extLst>
+          </a:blip>
+          <a:stretch>
+            <a:fillRect/>
+          </a:stretch>
+        </p:blipFill>
         <p:spPr>
           <a:xfrm>
-            <a:off x="1141412" y="609601"/>
-            <a:ext cx="9905999" cy="2743199"/>
+            <a:off x="0" y="0"/>
+            <a:ext cx="12188825" cy="6856214"/>
+          </a:xfrm>
+          <a:prstGeom prst="rect">
+            <a:avLst/>
+          </a:prstGeom>
+        </p:spPr>
+      </p:pic>
+      <p:sp>
+        <p:nvSpPr>
+          <p:cNvPr id="2" name="Title 1"/>
+          <p:cNvSpPr>
+            <a:spLocks noGrp="1"/>
+          </p:cNvSpPr>
+          <p:nvPr>
+            <p:ph type="title"/>
+          </p:nvPr>
+        </p:nvSpPr>
+        <p:spPr>
+          <a:xfrm>
+            <a:off x="685801" y="609601"/>
+            <a:ext cx="10131427" cy="2743199"/>
           </a:xfrm>
         </p:spPr>
         <p:txBody>
@@ -5525,8 +5816,8 @@
         </p:nvSpPr>
         <p:spPr>
           <a:xfrm>
-            <a:off x="1141412" y="3505200"/>
-            <a:ext cx="9906000" cy="838200"/>
+            <a:off x="685801" y="3505200"/>
+            <a:ext cx="10131428" cy="838200"/>
           </a:xfrm>
         </p:spPr>
         <p:txBody>
@@ -5536,38 +5827,14 @@
           <a:lstStyle>
             <a:lvl1pPr>
               <a:buNone/>
-              <a:defRPr lang="en-US" sz="2800" b="0" cap="all" dirty="0">
+              <a:defRPr lang="en-US" sz="2800" b="0" cap="none" dirty="0">
                 <a:ln w="3175" cmpd="sng">
                   <a:noFill/>
                 </a:ln>
-                <a:gradFill flip="none" rotWithShape="1">
-                  <a:gsLst>
-                    <a:gs pos="0">
-                      <a:schemeClr val="tx1"/>
-                    </a:gs>
-                    <a:gs pos="100000">
-                      <a:schemeClr val="tx1">
-                        <a:lumMod val="75000"/>
-                      </a:schemeClr>
-                    </a:gs>
-                  </a:gsLst>
-                  <a:lin ang="5400000" scaled="0"/>
-                  <a:tileRect/>
-                </a:gradFill>
-                <a:effectLst>
-                  <a:glow rad="38100">
-                    <a:schemeClr val="bg1">
-                      <a:lumMod val="65000"/>
-                      <a:lumOff val="35000"/>
-                      <a:alpha val="40000"/>
-                    </a:schemeClr>
-                  </a:glow>
-                  <a:outerShdw blurRad="28575" dist="38100" dir="14040000" algn="tl" rotWithShape="0">
-                    <a:srgbClr val="000000">
-                      <a:alpha val="25000"/>
-                    </a:srgbClr>
-                  </a:outerShdw>
-                </a:effectLst>
+                <a:solidFill>
+                  <a:schemeClr val="tx1"/>
+                </a:solidFill>
+                <a:effectLst/>
               </a:defRPr>
             </a:lvl1pPr>
           </a:lstStyle>
@@ -5597,8 +5864,8 @@
         </p:nvSpPr>
         <p:spPr>
           <a:xfrm>
-            <a:off x="1141411" y="4343400"/>
-            <a:ext cx="9906000" cy="1447800"/>
+            <a:off x="685800" y="4343400"/>
+            <a:ext cx="10131428" cy="1447800"/>
           </a:xfrm>
         </p:spPr>
         <p:txBody>
@@ -5609,20 +5876,9 @@
             <a:lvl1pPr marL="0" indent="0" algn="l">
               <a:buNone/>
               <a:defRPr sz="1800">
-                <a:gradFill flip="none" rotWithShape="1">
-                  <a:gsLst>
-                    <a:gs pos="0">
-                      <a:schemeClr val="tx1"/>
-                    </a:gs>
-                    <a:gs pos="100000">
-                      <a:schemeClr val="tx1">
-                        <a:lumMod val="75000"/>
-                      </a:schemeClr>
-                    </a:gs>
-                  </a:gsLst>
-                  <a:lin ang="5400000" scaled="0"/>
-                  <a:tileRect/>
-                </a:gradFill>
+                <a:solidFill>
+                  <a:schemeClr val="tx1"/>
+                </a:solidFill>
               </a:defRPr>
             </a:lvl1pPr>
             <a:lvl2pPr marL="457200" indent="0">
@@ -5732,7 +5988,7 @@
           <a:p>
             <a:fld id="{4A37A092-F479-4C17-8DAB-26C19D8DEF50}" type="datetimeFigureOut">
               <a:rPr lang="nl-NL" smtClean="0"/>
-              <a:t>16-9-2025</a:t>
+              <a:t>25-11-2025</a:t>
             </a:fld>
             <a:endParaRPr lang="nl-NL"/>
           </a:p>
@@ -5783,7 +6039,7 @@
     </p:spTree>
     <p:extLst>
       <p:ext uri="{BB962C8B-B14F-4D97-AF65-F5344CB8AC3E}">
-        <p14:creationId xmlns:p14="http://schemas.microsoft.com/office/powerpoint/2010/main" val="1896866800"/>
+        <p14:creationId xmlns:p14="http://schemas.microsoft.com/office/powerpoint/2010/main" val="2959683461"/>
       </p:ext>
     </p:extLst>
   </p:cSld>
@@ -5810,104 +6066,106 @@
           <a:chExt cx="0" cy="0"/>
         </a:xfrm>
       </p:grpSpPr>
-      <p:sp>
-        <p:nvSpPr>
-          <p:cNvPr id="7" name="Title 1"/>
-          <p:cNvSpPr>
-            <a:spLocks noGrp="1"/>
-          </p:cNvSpPr>
-          <p:nvPr>
-            <p:ph type="title"/>
-          </p:nvPr>
-        </p:nvSpPr>
+      <p:pic>
+        <p:nvPicPr>
+          <p:cNvPr id="7" name="Picture 6" descr="Celestia-R1---OverlayContentHD.png"/>
+          <p:cNvPicPr>
+            <a:picLocks noChangeAspect="1"/>
+          </p:cNvPicPr>
+          <p:nvPr/>
+        </p:nvPicPr>
+        <p:blipFill>
+          <a:blip r:embed="rId2">
+            <a:extLst>
+              <a:ext uri="{28A0092B-C50C-407E-A947-70E740481C1C}">
+                <a14:useLocalDpi xmlns:a14="http://schemas.microsoft.com/office/drawing/2010/main" val="0"/>
+              </a:ext>
+            </a:extLst>
+          </a:blip>
+          <a:stretch>
+            <a:fillRect/>
+          </a:stretch>
+        </p:blipFill>
         <p:spPr>
           <a:xfrm>
-            <a:off x="1141413" y="609600"/>
-            <a:ext cx="9905998" cy="1905000"/>
+            <a:off x="0" y="0"/>
+            <a:ext cx="12188825" cy="6856214"/>
           </a:xfrm>
+          <a:prstGeom prst="rect">
+            <a:avLst/>
+          </a:prstGeom>
         </p:spPr>
+      </p:pic>
+      <p:sp>
+        <p:nvSpPr>
+          <p:cNvPr id="3" name="Vertical Text Placeholder 2"/>
+          <p:cNvSpPr>
+            <a:spLocks noGrp="1"/>
+          </p:cNvSpPr>
+          <p:nvPr>
+            <p:ph type="body" orient="vert" idx="1"/>
+          </p:nvPr>
+        </p:nvSpPr>
+        <p:spPr/>
+        <p:txBody>
+          <a:bodyPr vert="eaVert" anchor="t"/>
+          <a:lstStyle/>
+          <a:p>
+            <a:pPr lvl="0"/>
+            <a:r>
+              <a:rPr lang="en-US"/>
+              <a:t>Click to edit Master text styles</a:t>
+            </a:r>
+          </a:p>
+          <a:p>
+            <a:pPr lvl="1"/>
+            <a:r>
+              <a:rPr lang="en-US"/>
+              <a:t>Second level</a:t>
+            </a:r>
+          </a:p>
+          <a:p>
+            <a:pPr lvl="2"/>
+            <a:r>
+              <a:rPr lang="en-US"/>
+              <a:t>Third level</a:t>
+            </a:r>
+          </a:p>
+          <a:p>
+            <a:pPr lvl="3"/>
+            <a:r>
+              <a:rPr lang="en-US"/>
+              <a:t>Fourth level</a:t>
+            </a:r>
+          </a:p>
+          <a:p>
+            <a:pPr lvl="4"/>
+            <a:r>
+              <a:rPr lang="en-US"/>
+              <a:t>Fifth level</a:t>
+            </a:r>
+            <a:endParaRPr lang="en-US" dirty="0"/>
+          </a:p>
+        </p:txBody>
+      </p:sp>
+      <p:sp>
+        <p:nvSpPr>
+          <p:cNvPr id="4" name="Date Placeholder 3"/>
+          <p:cNvSpPr>
+            <a:spLocks noGrp="1"/>
+          </p:cNvSpPr>
+          <p:nvPr>
+            <p:ph type="dt" sz="half" idx="10"/>
+          </p:nvPr>
+        </p:nvSpPr>
+        <p:spPr/>
         <p:txBody>
           <a:bodyPr/>
           <a:lstStyle/>
           <a:p>
-            <a:r>
-              <a:rPr lang="en-US"/>
-              <a:t>Click to edit Master title style</a:t>
-            </a:r>
-            <a:endParaRPr lang="en-US" dirty="0"/>
-          </a:p>
-        </p:txBody>
-      </p:sp>
-      <p:sp>
-        <p:nvSpPr>
-          <p:cNvPr id="3" name="Vertical Text Placeholder 2"/>
-          <p:cNvSpPr>
-            <a:spLocks noGrp="1"/>
-          </p:cNvSpPr>
-          <p:nvPr>
-            <p:ph type="body" orient="vert" idx="1"/>
-          </p:nvPr>
-        </p:nvSpPr>
-        <p:spPr/>
-        <p:txBody>
-          <a:bodyPr vert="eaVert" anchor="t"/>
-          <a:lstStyle/>
-          <a:p>
-            <a:pPr lvl="0"/>
-            <a:r>
-              <a:rPr lang="en-US"/>
-              <a:t>Click to edit Master text styles</a:t>
-            </a:r>
-          </a:p>
-          <a:p>
-            <a:pPr lvl="1"/>
-            <a:r>
-              <a:rPr lang="en-US"/>
-              <a:t>Second level</a:t>
-            </a:r>
-          </a:p>
-          <a:p>
-            <a:pPr lvl="2"/>
-            <a:r>
-              <a:rPr lang="en-US"/>
-              <a:t>Third level</a:t>
-            </a:r>
-          </a:p>
-          <a:p>
-            <a:pPr lvl="3"/>
-            <a:r>
-              <a:rPr lang="en-US"/>
-              <a:t>Fourth level</a:t>
-            </a:r>
-          </a:p>
-          <a:p>
-            <a:pPr lvl="4"/>
-            <a:r>
-              <a:rPr lang="en-US"/>
-              <a:t>Fifth level</a:t>
-            </a:r>
-            <a:endParaRPr lang="en-US" dirty="0"/>
-          </a:p>
-        </p:txBody>
-      </p:sp>
-      <p:sp>
-        <p:nvSpPr>
-          <p:cNvPr id="4" name="Date Placeholder 3"/>
-          <p:cNvSpPr>
-            <a:spLocks noGrp="1"/>
-          </p:cNvSpPr>
-          <p:nvPr>
-            <p:ph type="dt" sz="half" idx="10"/>
-          </p:nvPr>
-        </p:nvSpPr>
-        <p:spPr/>
-        <p:txBody>
-          <a:bodyPr/>
-          <a:lstStyle/>
-          <a:p>
             <a:fld id="{4A37A092-F479-4C17-8DAB-26C19D8DEF50}" type="datetimeFigureOut">
               <a:rPr lang="nl-NL" smtClean="0"/>
-              <a:t>16-9-2025</a:t>
+              <a:t>25-11-2025</a:t>
             </a:fld>
             <a:endParaRPr lang="nl-NL"/>
           </a:p>
@@ -5955,10 +6213,38 @@
           </a:p>
         </p:txBody>
       </p:sp>
+      <p:sp>
+        <p:nvSpPr>
+          <p:cNvPr id="8" name="Title 1"/>
+          <p:cNvSpPr>
+            <a:spLocks noGrp="1"/>
+          </p:cNvSpPr>
+          <p:nvPr>
+            <p:ph type="title"/>
+          </p:nvPr>
+        </p:nvSpPr>
+        <p:spPr>
+          <a:xfrm>
+            <a:off x="685801" y="609600"/>
+            <a:ext cx="10131425" cy="1456267"/>
+          </a:xfrm>
+        </p:spPr>
+        <p:txBody>
+          <a:bodyPr/>
+          <a:lstStyle/>
+          <a:p>
+            <a:r>
+              <a:rPr lang="en-US"/>
+              <a:t>Click to edit Master title style</a:t>
+            </a:r>
+            <a:endParaRPr lang="en-US" dirty="0"/>
+          </a:p>
+        </p:txBody>
+      </p:sp>
     </p:spTree>
     <p:extLst>
       <p:ext uri="{BB962C8B-B14F-4D97-AF65-F5344CB8AC3E}">
-        <p14:creationId xmlns:p14="http://schemas.microsoft.com/office/powerpoint/2010/main" val="482234549"/>
+        <p14:creationId xmlns:p14="http://schemas.microsoft.com/office/powerpoint/2010/main" val="1063698507"/>
       </p:ext>
     </p:extLst>
   </p:cSld>
@@ -5985,20 +6271,50 @@
           <a:chExt cx="0" cy="0"/>
         </a:xfrm>
       </p:grpSpPr>
-      <p:sp>
-        <p:nvSpPr>
-          <p:cNvPr id="2" name="Vertical Title 1"/>
-          <p:cNvSpPr>
-            <a:spLocks noGrp="1"/>
-          </p:cNvSpPr>
-          <p:nvPr>
-            <p:ph type="title" orient="vert"/>
-          </p:nvPr>
-        </p:nvSpPr>
+      <p:pic>
+        <p:nvPicPr>
+          <p:cNvPr id="7" name="Picture 6" descr="Celestia-R1---OverlayContentHD.png"/>
+          <p:cNvPicPr>
+            <a:picLocks noChangeAspect="1"/>
+          </p:cNvPicPr>
+          <p:nvPr/>
+        </p:nvPicPr>
+        <p:blipFill>
+          <a:blip r:embed="rId2">
+            <a:extLst>
+              <a:ext uri="{28A0092B-C50C-407E-A947-70E740481C1C}">
+                <a14:useLocalDpi xmlns:a14="http://schemas.microsoft.com/office/drawing/2010/main" val="0"/>
+              </a:ext>
+            </a:extLst>
+          </a:blip>
+          <a:stretch>
+            <a:fillRect/>
+          </a:stretch>
+        </p:blipFill>
         <p:spPr>
           <a:xfrm>
-            <a:off x="8836898" y="609599"/>
-            <a:ext cx="2210514" cy="5181601"/>
+            <a:off x="0" y="0"/>
+            <a:ext cx="12188825" cy="6856214"/>
+          </a:xfrm>
+          <a:prstGeom prst="rect">
+            <a:avLst/>
+          </a:prstGeom>
+        </p:spPr>
+      </p:pic>
+      <p:sp>
+        <p:nvSpPr>
+          <p:cNvPr id="2" name="Vertical Title 1"/>
+          <p:cNvSpPr>
+            <a:spLocks noGrp="1"/>
+          </p:cNvSpPr>
+          <p:nvPr>
+            <p:ph type="title" orient="vert"/>
+          </p:nvPr>
+        </p:nvSpPr>
+        <p:spPr>
+          <a:xfrm>
+            <a:off x="8658675" y="609599"/>
+            <a:ext cx="2158552" cy="5181601"/>
           </a:xfrm>
         </p:spPr>
         <p:txBody>
@@ -6025,8 +6341,8 @@
         </p:nvSpPr>
         <p:spPr>
           <a:xfrm>
-            <a:off x="1141412" y="609600"/>
-            <a:ext cx="7543800" cy="5181600"/>
+            <a:off x="685800" y="609600"/>
+            <a:ext cx="7832116" cy="5181600"/>
           </a:xfrm>
         </p:spPr>
         <p:txBody>
@@ -6087,7 +6403,7 @@
           <a:p>
             <a:fld id="{4A37A092-F479-4C17-8DAB-26C19D8DEF50}" type="datetimeFigureOut">
               <a:rPr lang="nl-NL" smtClean="0"/>
-              <a:t>16-9-2025</a:t>
+              <a:t>25-11-2025</a:t>
             </a:fld>
             <a:endParaRPr lang="nl-NL"/>
           </a:p>
@@ -6138,7 +6454,7 @@
     </p:spTree>
     <p:extLst>
       <p:ext uri="{BB962C8B-B14F-4D97-AF65-F5344CB8AC3E}">
-        <p14:creationId xmlns:p14="http://schemas.microsoft.com/office/powerpoint/2010/main" val="3739893021"/>
+        <p14:creationId xmlns:p14="http://schemas.microsoft.com/office/powerpoint/2010/main" val="2659191022"/>
       </p:ext>
     </p:extLst>
   </p:cSld>
@@ -6165,6 +6481,36 @@
           <a:chExt cx="0" cy="0"/>
         </a:xfrm>
       </p:grpSpPr>
+      <p:pic>
+        <p:nvPicPr>
+          <p:cNvPr id="7" name="Picture 6" descr="Celestia-R1---OverlayContentHD.png"/>
+          <p:cNvPicPr>
+            <a:picLocks noChangeAspect="1"/>
+          </p:cNvPicPr>
+          <p:nvPr/>
+        </p:nvPicPr>
+        <p:blipFill>
+          <a:blip r:embed="rId2">
+            <a:extLst>
+              <a:ext uri="{28A0092B-C50C-407E-A947-70E740481C1C}">
+                <a14:useLocalDpi xmlns:a14="http://schemas.microsoft.com/office/drawing/2010/main" val="0"/>
+              </a:ext>
+            </a:extLst>
+          </a:blip>
+          <a:stretch>
+            <a:fillRect/>
+          </a:stretch>
+        </p:blipFill>
+        <p:spPr>
+          <a:xfrm>
+            <a:off x="0" y="0"/>
+            <a:ext cx="12188825" cy="6856214"/>
+          </a:xfrm>
+          <a:prstGeom prst="rect">
+            <a:avLst/>
+          </a:prstGeom>
+        </p:spPr>
+      </p:pic>
       <p:sp>
         <p:nvSpPr>
           <p:cNvPr id="2" name="Title 1"/>
@@ -6257,7 +6603,7 @@
           <a:p>
             <a:fld id="{4A37A092-F479-4C17-8DAB-26C19D8DEF50}" type="datetimeFigureOut">
               <a:rPr lang="nl-NL" smtClean="0"/>
-              <a:t>16-9-2025</a:t>
+              <a:t>25-11-2025</a:t>
             </a:fld>
             <a:endParaRPr lang="nl-NL"/>
           </a:p>
@@ -6308,7 +6654,7 @@
     </p:spTree>
     <p:extLst>
       <p:ext uri="{BB962C8B-B14F-4D97-AF65-F5344CB8AC3E}">
-        <p14:creationId xmlns:p14="http://schemas.microsoft.com/office/powerpoint/2010/main" val="371417140"/>
+        <p14:creationId xmlns:p14="http://schemas.microsoft.com/office/powerpoint/2010/main" val="3397106604"/>
       </p:ext>
     </p:extLst>
   </p:cSld>
@@ -6335,26 +6681,56 @@
           <a:chExt cx="0" cy="0"/>
         </a:xfrm>
       </p:grpSpPr>
-      <p:sp>
-        <p:nvSpPr>
-          <p:cNvPr id="2" name="Title 1"/>
-          <p:cNvSpPr>
-            <a:spLocks noGrp="1"/>
-          </p:cNvSpPr>
-          <p:nvPr>
-            <p:ph type="title"/>
-          </p:nvPr>
-        </p:nvSpPr>
+      <p:pic>
+        <p:nvPicPr>
+          <p:cNvPr id="7" name="Picture 6" descr="Celestia-R1---OverlayContentHD.png"/>
+          <p:cNvPicPr>
+            <a:picLocks noChangeAspect="1"/>
+          </p:cNvPicPr>
+          <p:nvPr/>
+        </p:nvPicPr>
+        <p:blipFill>
+          <a:blip r:embed="rId2">
+            <a:extLst>
+              <a:ext uri="{28A0092B-C50C-407E-A947-70E740481C1C}">
+                <a14:useLocalDpi xmlns:a14="http://schemas.microsoft.com/office/drawing/2010/main" val="0"/>
+              </a:ext>
+            </a:extLst>
+          </a:blip>
+          <a:stretch>
+            <a:fillRect/>
+          </a:stretch>
+        </p:blipFill>
         <p:spPr>
           <a:xfrm>
-            <a:off x="1751013" y="3308581"/>
-            <a:ext cx="8686800" cy="1468800"/>
+            <a:off x="0" y="0"/>
+            <a:ext cx="12188825" cy="6856214"/>
+          </a:xfrm>
+          <a:prstGeom prst="rect">
+            <a:avLst/>
+          </a:prstGeom>
+        </p:spPr>
+      </p:pic>
+      <p:sp>
+        <p:nvSpPr>
+          <p:cNvPr id="2" name="Title 1"/>
+          <p:cNvSpPr>
+            <a:spLocks noGrp="1"/>
+          </p:cNvSpPr>
+          <p:nvPr>
+            <p:ph type="title"/>
+          </p:nvPr>
+        </p:nvSpPr>
+        <p:spPr>
+          <a:xfrm>
+            <a:off x="685800" y="3308581"/>
+            <a:ext cx="10131427" cy="1468800"/>
           </a:xfrm>
         </p:spPr>
         <p:txBody>
           <a:bodyPr anchor="b"/>
           <a:lstStyle>
-            <a:lvl1pPr algn="r">
+            <a:lvl1pPr algn="l">
               <a:defRPr sz="4000" b="0" cap="all"/>
             </a:lvl1pPr>
           </a:lstStyle>
@@ -6379,8 +6755,8 @@
         </p:nvSpPr>
         <p:spPr>
           <a:xfrm>
-            <a:off x="1751011" y="4777381"/>
-            <a:ext cx="8686801" cy="860400"/>
+            <a:off x="685799" y="4777381"/>
+            <a:ext cx="10131428" cy="860400"/>
           </a:xfrm>
         </p:spPr>
         <p:txBody>
@@ -6388,23 +6764,12 @@
             <a:normAutofit/>
           </a:bodyPr>
           <a:lstStyle>
-            <a:lvl1pPr marL="0" indent="0" algn="r">
-              <a:buNone/>
-              <a:defRPr sz="2000">
-                <a:gradFill flip="none" rotWithShape="1">
-                  <a:gsLst>
-                    <a:gs pos="0">
-                      <a:schemeClr val="tx1"/>
-                    </a:gs>
-                    <a:gs pos="100000">
-                      <a:schemeClr val="tx1">
-                        <a:lumMod val="75000"/>
-                      </a:schemeClr>
-                    </a:gs>
-                  </a:gsLst>
-                  <a:lin ang="5400000" scaled="0"/>
-                  <a:tileRect/>
-                </a:gradFill>
+            <a:lvl1pPr marL="0" indent="0" algn="l">
+              <a:buNone/>
+              <a:defRPr sz="2000" cap="all">
+                <a:solidFill>
+                  <a:schemeClr val="tx1"/>
+                </a:solidFill>
               </a:defRPr>
             </a:lvl1pPr>
             <a:lvl2pPr marL="457200" indent="0">
@@ -6514,7 +6879,7 @@
           <a:p>
             <a:fld id="{4A37A092-F479-4C17-8DAB-26C19D8DEF50}" type="datetimeFigureOut">
               <a:rPr lang="nl-NL" smtClean="0"/>
-              <a:t>16-9-2025</a:t>
+              <a:t>25-11-2025</a:t>
             </a:fld>
             <a:endParaRPr lang="nl-NL"/>
           </a:p>
@@ -6565,7 +6930,7 @@
     </p:spTree>
     <p:extLst>
       <p:ext uri="{BB962C8B-B14F-4D97-AF65-F5344CB8AC3E}">
-        <p14:creationId xmlns:p14="http://schemas.microsoft.com/office/powerpoint/2010/main" val="3485507580"/>
+        <p14:creationId xmlns:p14="http://schemas.microsoft.com/office/powerpoint/2010/main" val="343019574"/>
       </p:ext>
     </p:extLst>
   </p:cSld>
@@ -6592,6 +6957,36 @@
           <a:chExt cx="0" cy="0"/>
         </a:xfrm>
       </p:grpSpPr>
+      <p:pic>
+        <p:nvPicPr>
+          <p:cNvPr id="8" name="Picture 7" descr="Celestia-R1---OverlayContentHD.png"/>
+          <p:cNvPicPr>
+            <a:picLocks noChangeAspect="1"/>
+          </p:cNvPicPr>
+          <p:nvPr/>
+        </p:nvPicPr>
+        <p:blipFill>
+          <a:blip r:embed="rId2">
+            <a:extLst>
+              <a:ext uri="{28A0092B-C50C-407E-A947-70E740481C1C}">
+                <a14:useLocalDpi xmlns:a14="http://schemas.microsoft.com/office/drawing/2010/main" val="0"/>
+              </a:ext>
+            </a:extLst>
+          </a:blip>
+          <a:stretch>
+            <a:fillRect/>
+          </a:stretch>
+        </p:blipFill>
+        <p:spPr>
+          <a:xfrm>
+            <a:off x="0" y="0"/>
+            <a:ext cx="12188825" cy="6856214"/>
+          </a:xfrm>
+          <a:prstGeom prst="rect">
+            <a:avLst/>
+          </a:prstGeom>
+        </p:spPr>
+      </p:pic>
       <p:sp>
         <p:nvSpPr>
           <p:cNvPr id="2" name="Title 1"/>
@@ -6627,43 +7022,15 @@
         </p:nvSpPr>
         <p:spPr>
           <a:xfrm>
-            <a:off x="1141412" y="2666999"/>
-            <a:ext cx="4876800" cy="3124201"/>
+            <a:off x="685802" y="2142067"/>
+            <a:ext cx="4995334" cy="3649134"/>
           </a:xfrm>
         </p:spPr>
         <p:txBody>
           <a:bodyPr>
             <a:normAutofit/>
           </a:bodyPr>
-          <a:lstStyle>
-            <a:lvl1pPr>
-              <a:defRPr sz="1800"/>
-            </a:lvl1pPr>
-            <a:lvl2pPr>
-              <a:defRPr sz="1600"/>
-            </a:lvl2pPr>
-            <a:lvl3pPr>
-              <a:defRPr sz="1400"/>
-            </a:lvl3pPr>
-            <a:lvl4pPr>
-              <a:defRPr sz="1200"/>
-            </a:lvl4pPr>
-            <a:lvl5pPr>
-              <a:defRPr sz="1200"/>
-            </a:lvl5pPr>
-            <a:lvl6pPr>
-              <a:defRPr sz="1200"/>
-            </a:lvl6pPr>
-            <a:lvl7pPr>
-              <a:defRPr sz="1200"/>
-            </a:lvl7pPr>
-            <a:lvl8pPr>
-              <a:defRPr sz="1200"/>
-            </a:lvl8pPr>
-            <a:lvl9pPr>
-              <a:defRPr sz="1200"/>
-            </a:lvl9pPr>
-          </a:lstStyle>
+          <a:lstStyle/>
           <a:p>
             <a:pPr lvl="0"/>
             <a:r>
@@ -6714,43 +7081,15 @@
         </p:nvSpPr>
         <p:spPr>
           <a:xfrm>
-            <a:off x="6170612" y="2667000"/>
-            <a:ext cx="4876800" cy="3124200"/>
+            <a:off x="5821895" y="2142067"/>
+            <a:ext cx="4995332" cy="3649133"/>
           </a:xfrm>
         </p:spPr>
         <p:txBody>
           <a:bodyPr>
             <a:normAutofit/>
           </a:bodyPr>
-          <a:lstStyle>
-            <a:lvl1pPr>
-              <a:defRPr sz="1800"/>
-            </a:lvl1pPr>
-            <a:lvl2pPr>
-              <a:defRPr sz="1600"/>
-            </a:lvl2pPr>
-            <a:lvl3pPr>
-              <a:defRPr sz="1400"/>
-            </a:lvl3pPr>
-            <a:lvl4pPr>
-              <a:defRPr sz="1200"/>
-            </a:lvl4pPr>
-            <a:lvl5pPr>
-              <a:defRPr sz="1200"/>
-            </a:lvl5pPr>
-            <a:lvl6pPr>
-              <a:defRPr sz="1200"/>
-            </a:lvl6pPr>
-            <a:lvl7pPr>
-              <a:defRPr sz="1200"/>
-            </a:lvl7pPr>
-            <a:lvl8pPr>
-              <a:defRPr sz="1200"/>
-            </a:lvl8pPr>
-            <a:lvl9pPr>
-              <a:defRPr sz="1200"/>
-            </a:lvl9pPr>
-          </a:lstStyle>
+          <a:lstStyle/>
           <a:p>
             <a:pPr lvl="0"/>
             <a:r>
@@ -6806,7 +7145,7 @@
           <a:p>
             <a:fld id="{4A37A092-F479-4C17-8DAB-26C19D8DEF50}" type="datetimeFigureOut">
               <a:rPr lang="nl-NL" smtClean="0"/>
-              <a:t>16-9-2025</a:t>
+              <a:t>25-11-2025</a:t>
             </a:fld>
             <a:endParaRPr lang="nl-NL"/>
           </a:p>
@@ -6857,7 +7196,7 @@
     </p:spTree>
     <p:extLst>
       <p:ext uri="{BB962C8B-B14F-4D97-AF65-F5344CB8AC3E}">
-        <p14:creationId xmlns:p14="http://schemas.microsoft.com/office/powerpoint/2010/main" val="2452599252"/>
+        <p14:creationId xmlns:p14="http://schemas.microsoft.com/office/powerpoint/2010/main" val="436955321"/>
       </p:ext>
     </p:extLst>
   </p:cSld>
@@ -6923,8 +7262,8 @@
         </p:nvSpPr>
         <p:spPr>
           <a:xfrm>
-            <a:off x="1429280" y="2658533"/>
-            <a:ext cx="4588931" cy="576262"/>
+            <a:off x="973670" y="2218267"/>
+            <a:ext cx="4709054" cy="576262"/>
           </a:xfrm>
         </p:spPr>
         <p:txBody>
@@ -6990,43 +7329,15 @@
         </p:nvSpPr>
         <p:spPr>
           <a:xfrm>
-            <a:off x="1141412" y="3243262"/>
-            <a:ext cx="4876800" cy="2547937"/>
+            <a:off x="685801" y="2870201"/>
+            <a:ext cx="4996923" cy="2920998"/>
           </a:xfrm>
         </p:spPr>
         <p:txBody>
           <a:bodyPr anchor="t">
             <a:normAutofit/>
           </a:bodyPr>
-          <a:lstStyle>
-            <a:lvl1pPr>
-              <a:defRPr sz="1800"/>
-            </a:lvl1pPr>
-            <a:lvl2pPr>
-              <a:defRPr sz="1600"/>
-            </a:lvl2pPr>
-            <a:lvl3pPr>
-              <a:defRPr sz="1400"/>
-            </a:lvl3pPr>
-            <a:lvl4pPr>
-              <a:defRPr sz="1200"/>
-            </a:lvl4pPr>
-            <a:lvl5pPr>
-              <a:defRPr sz="1200"/>
-            </a:lvl5pPr>
-            <a:lvl6pPr>
-              <a:defRPr sz="1200"/>
-            </a:lvl6pPr>
-            <a:lvl7pPr>
-              <a:defRPr sz="1200"/>
-            </a:lvl7pPr>
-            <a:lvl8pPr>
-              <a:defRPr sz="1200"/>
-            </a:lvl8pPr>
-            <a:lvl9pPr>
-              <a:defRPr sz="1200"/>
-            </a:lvl9pPr>
-          </a:lstStyle>
+          <a:lstStyle/>
           <a:p>
             <a:pPr lvl="0"/>
             <a:r>
@@ -7077,8 +7388,8 @@
         </p:nvSpPr>
         <p:spPr>
           <a:xfrm>
-            <a:off x="6443133" y="2667000"/>
-            <a:ext cx="4604280" cy="576262"/>
+            <a:off x="6096003" y="2226734"/>
+            <a:ext cx="4722813" cy="576262"/>
           </a:xfrm>
         </p:spPr>
         <p:txBody>
@@ -7144,43 +7455,15 @@
         </p:nvSpPr>
         <p:spPr>
           <a:xfrm>
-            <a:off x="6170612" y="3243262"/>
-            <a:ext cx="4876801" cy="2547937"/>
+            <a:off x="5823483" y="2870201"/>
+            <a:ext cx="4995334" cy="2920998"/>
           </a:xfrm>
         </p:spPr>
         <p:txBody>
           <a:bodyPr anchor="t">
             <a:normAutofit/>
           </a:bodyPr>
-          <a:lstStyle>
-            <a:lvl1pPr>
-              <a:defRPr sz="1800"/>
-            </a:lvl1pPr>
-            <a:lvl2pPr>
-              <a:defRPr sz="1600"/>
-            </a:lvl2pPr>
-            <a:lvl3pPr>
-              <a:defRPr sz="1400"/>
-            </a:lvl3pPr>
-            <a:lvl4pPr>
-              <a:defRPr sz="1200"/>
-            </a:lvl4pPr>
-            <a:lvl5pPr>
-              <a:defRPr sz="1200"/>
-            </a:lvl5pPr>
-            <a:lvl6pPr>
-              <a:defRPr sz="1200"/>
-            </a:lvl6pPr>
-            <a:lvl7pPr>
-              <a:defRPr sz="1200"/>
-            </a:lvl7pPr>
-            <a:lvl8pPr>
-              <a:defRPr sz="1200"/>
-            </a:lvl8pPr>
-            <a:lvl9pPr>
-              <a:defRPr sz="1200"/>
-            </a:lvl9pPr>
-          </a:lstStyle>
+          <a:lstStyle/>
           <a:p>
             <a:pPr lvl="0"/>
             <a:r>
@@ -7236,7 +7519,7 @@
           <a:p>
             <a:fld id="{4A37A092-F479-4C17-8DAB-26C19D8DEF50}" type="datetimeFigureOut">
               <a:rPr lang="nl-NL" smtClean="0"/>
-              <a:t>16-9-2025</a:t>
+              <a:t>25-11-2025</a:t>
             </a:fld>
             <a:endParaRPr lang="nl-NL"/>
           </a:p>
@@ -7287,7 +7570,7 @@
     </p:spTree>
     <p:extLst>
       <p:ext uri="{BB962C8B-B14F-4D97-AF65-F5344CB8AC3E}">
-        <p14:creationId xmlns:p14="http://schemas.microsoft.com/office/powerpoint/2010/main" val="4054135081"/>
+        <p14:creationId xmlns:p14="http://schemas.microsoft.com/office/powerpoint/2010/main" val="1602481477"/>
       </p:ext>
     </p:extLst>
   </p:cSld>
@@ -7314,6 +7597,36 @@
           <a:chExt cx="0" cy="0"/>
         </a:xfrm>
       </p:grpSpPr>
+      <p:pic>
+        <p:nvPicPr>
+          <p:cNvPr id="6" name="Picture 5" descr="Celestia-R1---OverlayContentHD.png"/>
+          <p:cNvPicPr>
+            <a:picLocks noChangeAspect="1"/>
+          </p:cNvPicPr>
+          <p:nvPr/>
+        </p:nvPicPr>
+        <p:blipFill>
+          <a:blip r:embed="rId2">
+            <a:extLst>
+              <a:ext uri="{28A0092B-C50C-407E-A947-70E740481C1C}">
+                <a14:useLocalDpi xmlns:a14="http://schemas.microsoft.com/office/drawing/2010/main" val="0"/>
+              </a:ext>
+            </a:extLst>
+          </a:blip>
+          <a:stretch>
+            <a:fillRect/>
+          </a:stretch>
+        </p:blipFill>
+        <p:spPr>
+          <a:xfrm>
+            <a:off x="0" y="0"/>
+            <a:ext cx="12188825" cy="6856214"/>
+          </a:xfrm>
+          <a:prstGeom prst="rect">
+            <a:avLst/>
+          </a:prstGeom>
+        </p:spPr>
+      </p:pic>
       <p:sp>
         <p:nvSpPr>
           <p:cNvPr id="2" name="Title 1"/>
@@ -7354,7 +7667,7 @@
           <a:p>
             <a:fld id="{4A37A092-F479-4C17-8DAB-26C19D8DEF50}" type="datetimeFigureOut">
               <a:rPr lang="nl-NL" smtClean="0"/>
-              <a:t>16-9-2025</a:t>
+              <a:t>25-11-2025</a:t>
             </a:fld>
             <a:endParaRPr lang="nl-NL"/>
           </a:p>
@@ -7405,7 +7718,7 @@
     </p:spTree>
     <p:extLst>
       <p:ext uri="{BB962C8B-B14F-4D97-AF65-F5344CB8AC3E}">
-        <p14:creationId xmlns:p14="http://schemas.microsoft.com/office/powerpoint/2010/main" val="2637934783"/>
+        <p14:creationId xmlns:p14="http://schemas.microsoft.com/office/powerpoint/2010/main" val="1999503046"/>
       </p:ext>
     </p:extLst>
   </p:cSld>
@@ -7432,6 +7745,36 @@
           <a:chExt cx="0" cy="0"/>
         </a:xfrm>
       </p:grpSpPr>
+      <p:pic>
+        <p:nvPicPr>
+          <p:cNvPr id="5" name="Picture 4" descr="Celestia-R1---OverlayContentHD.png"/>
+          <p:cNvPicPr>
+            <a:picLocks noChangeAspect="1"/>
+          </p:cNvPicPr>
+          <p:nvPr/>
+        </p:nvPicPr>
+        <p:blipFill>
+          <a:blip r:embed="rId2">
+            <a:extLst>
+              <a:ext uri="{28A0092B-C50C-407E-A947-70E740481C1C}">
+                <a14:useLocalDpi xmlns:a14="http://schemas.microsoft.com/office/drawing/2010/main" val="0"/>
+              </a:ext>
+            </a:extLst>
+          </a:blip>
+          <a:stretch>
+            <a:fillRect/>
+          </a:stretch>
+        </p:blipFill>
+        <p:spPr>
+          <a:xfrm>
+            <a:off x="0" y="0"/>
+            <a:ext cx="12188825" cy="6856214"/>
+          </a:xfrm>
+          <a:prstGeom prst="rect">
+            <a:avLst/>
+          </a:prstGeom>
+        </p:spPr>
+      </p:pic>
       <p:sp>
         <p:nvSpPr>
           <p:cNvPr id="2" name="Date Placeholder 1"/>
@@ -7449,7 +7792,7 @@
           <a:p>
             <a:fld id="{4A37A092-F479-4C17-8DAB-26C19D8DEF50}" type="datetimeFigureOut">
               <a:rPr lang="nl-NL" smtClean="0"/>
-              <a:t>16-9-2025</a:t>
+              <a:t>25-11-2025</a:t>
             </a:fld>
             <a:endParaRPr lang="nl-NL"/>
           </a:p>
@@ -7500,7 +7843,7 @@
     </p:spTree>
     <p:extLst>
       <p:ext uri="{BB962C8B-B14F-4D97-AF65-F5344CB8AC3E}">
-        <p14:creationId xmlns:p14="http://schemas.microsoft.com/office/powerpoint/2010/main" val="3371033917"/>
+        <p14:creationId xmlns:p14="http://schemas.microsoft.com/office/powerpoint/2010/main" val="4242879853"/>
       </p:ext>
     </p:extLst>
   </p:cSld>
@@ -7527,20 +7870,50 @@
           <a:chExt cx="0" cy="0"/>
         </a:xfrm>
       </p:grpSpPr>
-      <p:sp>
-        <p:nvSpPr>
-          <p:cNvPr id="2" name="Title 1"/>
-          <p:cNvSpPr>
-            <a:spLocks noGrp="1"/>
-          </p:cNvSpPr>
-          <p:nvPr>
-            <p:ph type="title"/>
-          </p:nvPr>
-        </p:nvSpPr>
+      <p:pic>
+        <p:nvPicPr>
+          <p:cNvPr id="8" name="Picture 7" descr="Celestia-R1---OverlayContentHD.png"/>
+          <p:cNvPicPr>
+            <a:picLocks noChangeAspect="1"/>
+          </p:cNvPicPr>
+          <p:nvPr/>
+        </p:nvPicPr>
+        <p:blipFill>
+          <a:blip r:embed="rId2">
+            <a:extLst>
+              <a:ext uri="{28A0092B-C50C-407E-A947-70E740481C1C}">
+                <a14:useLocalDpi xmlns:a14="http://schemas.microsoft.com/office/drawing/2010/main" val="0"/>
+              </a:ext>
+            </a:extLst>
+          </a:blip>
+          <a:stretch>
+            <a:fillRect/>
+          </a:stretch>
+        </p:blipFill>
         <p:spPr>
           <a:xfrm>
-            <a:off x="1141411" y="1600200"/>
-            <a:ext cx="3549121" cy="1371600"/>
+            <a:off x="0" y="0"/>
+            <a:ext cx="12188825" cy="6856214"/>
+          </a:xfrm>
+          <a:prstGeom prst="rect">
+            <a:avLst/>
+          </a:prstGeom>
+        </p:spPr>
+      </p:pic>
+      <p:sp>
+        <p:nvSpPr>
+          <p:cNvPr id="2" name="Title 1"/>
+          <p:cNvSpPr>
+            <a:spLocks noGrp="1"/>
+          </p:cNvSpPr>
+          <p:nvPr>
+            <p:ph type="title"/>
+          </p:nvPr>
+        </p:nvSpPr>
+        <p:spPr>
+          <a:xfrm>
+            <a:off x="685800" y="2074333"/>
+            <a:ext cx="3680885" cy="1371600"/>
           </a:xfrm>
         </p:spPr>
         <p:txBody>
@@ -7573,43 +7946,15 @@
         </p:nvSpPr>
         <p:spPr>
           <a:xfrm>
-            <a:off x="5103812" y="609601"/>
-            <a:ext cx="5943601" cy="5181600"/>
+            <a:off x="4648201" y="609601"/>
+            <a:ext cx="6169026" cy="5181600"/>
           </a:xfrm>
         </p:spPr>
         <p:txBody>
           <a:bodyPr anchor="ctr">
             <a:normAutofit/>
           </a:bodyPr>
-          <a:lstStyle>
-            <a:lvl1pPr>
-              <a:defRPr sz="2000"/>
-            </a:lvl1pPr>
-            <a:lvl2pPr>
-              <a:defRPr sz="1800"/>
-            </a:lvl2pPr>
-            <a:lvl3pPr>
-              <a:defRPr sz="1600"/>
-            </a:lvl3pPr>
-            <a:lvl4pPr>
-              <a:defRPr sz="1400"/>
-            </a:lvl4pPr>
-            <a:lvl5pPr>
-              <a:defRPr sz="1400"/>
-            </a:lvl5pPr>
-            <a:lvl6pPr>
-              <a:defRPr sz="1400"/>
-            </a:lvl6pPr>
-            <a:lvl7pPr>
-              <a:defRPr sz="1400"/>
-            </a:lvl7pPr>
-            <a:lvl8pPr>
-              <a:defRPr sz="1400"/>
-            </a:lvl8pPr>
-            <a:lvl9pPr>
-              <a:defRPr sz="1400"/>
-            </a:lvl9pPr>
-          </a:lstStyle>
+          <a:lstStyle/>
           <a:p>
             <a:pPr lvl="0"/>
             <a:r>
@@ -7660,12 +8005,12 @@
         </p:nvSpPr>
         <p:spPr>
           <a:xfrm>
-            <a:off x="1141411" y="2971800"/>
-            <a:ext cx="3549121" cy="1828800"/>
+            <a:off x="685800" y="3445933"/>
+            <a:ext cx="3680885" cy="1828800"/>
           </a:xfrm>
         </p:spPr>
         <p:txBody>
-          <a:bodyPr>
+          <a:bodyPr anchor="t">
             <a:normAutofit/>
           </a:bodyPr>
           <a:lstStyle>
@@ -7732,7 +8077,7 @@
           <a:p>
             <a:fld id="{4A37A092-F479-4C17-8DAB-26C19D8DEF50}" type="datetimeFigureOut">
               <a:rPr lang="nl-NL" smtClean="0"/>
-              <a:t>16-9-2025</a:t>
+              <a:t>25-11-2025</a:t>
             </a:fld>
             <a:endParaRPr lang="nl-NL"/>
           </a:p>
@@ -7783,7 +8128,7 @@
     </p:spTree>
     <p:extLst>
       <p:ext uri="{BB962C8B-B14F-4D97-AF65-F5344CB8AC3E}">
-        <p14:creationId xmlns:p14="http://schemas.microsoft.com/office/powerpoint/2010/main" val="1402003876"/>
+        <p14:creationId xmlns:p14="http://schemas.microsoft.com/office/powerpoint/2010/main" val="904663365"/>
       </p:ext>
     </p:extLst>
   </p:cSld>
@@ -7810,20 +8155,50 @@
           <a:chExt cx="0" cy="0"/>
         </a:xfrm>
       </p:grpSpPr>
-      <p:sp>
-        <p:nvSpPr>
-          <p:cNvPr id="2" name="Title 1"/>
-          <p:cNvSpPr>
-            <a:spLocks noGrp="1"/>
-          </p:cNvSpPr>
-          <p:nvPr>
-            <p:ph type="title"/>
-          </p:nvPr>
-        </p:nvSpPr>
+      <p:pic>
+        <p:nvPicPr>
+          <p:cNvPr id="8" name="Picture 7" descr="Celestia-R1---OverlayContentHD.png"/>
+          <p:cNvPicPr>
+            <a:picLocks noChangeAspect="1"/>
+          </p:cNvPicPr>
+          <p:nvPr/>
+        </p:nvPicPr>
+        <p:blipFill>
+          <a:blip r:embed="rId2">
+            <a:extLst>
+              <a:ext uri="{28A0092B-C50C-407E-A947-70E740481C1C}">
+                <a14:useLocalDpi xmlns:a14="http://schemas.microsoft.com/office/drawing/2010/main" val="0"/>
+              </a:ext>
+            </a:extLst>
+          </a:blip>
+          <a:stretch>
+            <a:fillRect/>
+          </a:stretch>
+        </p:blipFill>
         <p:spPr>
           <a:xfrm>
-            <a:off x="1141411" y="1600200"/>
-            <a:ext cx="5334001" cy="1371600"/>
+            <a:off x="0" y="0"/>
+            <a:ext cx="12188825" cy="6856214"/>
+          </a:xfrm>
+          <a:prstGeom prst="rect">
+            <a:avLst/>
+          </a:prstGeom>
+        </p:spPr>
+      </p:pic>
+      <p:sp>
+        <p:nvSpPr>
+          <p:cNvPr id="2" name="Title 1"/>
+          <p:cNvSpPr>
+            <a:spLocks noGrp="1"/>
+          </p:cNvSpPr>
+          <p:nvPr>
+            <p:ph type="title"/>
+          </p:nvPr>
+        </p:nvSpPr>
+        <p:spPr>
+          <a:xfrm>
+            <a:off x="685800" y="1600200"/>
+            <a:ext cx="6164653" cy="1371600"/>
           </a:xfrm>
         </p:spPr>
         <p:txBody>
@@ -7856,31 +8231,39 @@
         </p:nvSpPr>
         <p:spPr>
           <a:xfrm>
-            <a:off x="7433733" y="-18288"/>
-            <a:ext cx="3276599" cy="6903720"/>
+            <a:off x="7536253" y="914400"/>
+            <a:ext cx="3280974" cy="4572000"/>
           </a:xfrm>
-          <a:ln w="38100">
+          <a:prstGeom prst="roundRect">
+            <a:avLst>
+              <a:gd name="adj" fmla="val 4280"/>
+            </a:avLst>
+          </a:prstGeom>
+          <a:ln w="50800" cap="sq" cmpd="dbl">
             <a:gradFill flip="none" rotWithShape="1">
               <a:gsLst>
                 <a:gs pos="0">
-                  <a:schemeClr val="bg2"/>
+                  <a:srgbClr val="FFFFFF"/>
                 </a:gs>
                 <a:gs pos="100000">
-                  <a:schemeClr val="bg2">
-                    <a:lumMod val="75000"/>
+                  <a:schemeClr val="tx1">
+                    <a:alpha val="0"/>
                   </a:schemeClr>
                 </a:gs>
               </a:gsLst>
-              <a:lin ang="5400000" scaled="0"/>
+              <a:path path="circle">
+                <a:fillToRect l="50000" t="50000" r="50000" b="50000"/>
+              </a:path>
               <a:tileRect/>
             </a:gradFill>
+            <a:miter lim="800000"/>
           </a:ln>
           <a:effectLst>
-            <a:innerShdw blurRad="57150" dist="38100" dir="10800000">
+            <a:outerShdw blurRad="254000" algn="tl" rotWithShape="0">
               <a:srgbClr val="000000">
-                <a:alpha val="70000"/>
+                <a:alpha val="43000"/>
               </a:srgbClr>
-            </a:innerShdw>
+            </a:outerShdw>
           </a:effectLst>
         </p:spPr>
         <p:txBody>
@@ -7946,12 +8329,12 @@
         </p:nvSpPr>
         <p:spPr>
           <a:xfrm>
-            <a:off x="1141411" y="2971800"/>
-            <a:ext cx="5334001" cy="1828800"/>
+            <a:off x="685800" y="2971800"/>
+            <a:ext cx="6164653" cy="1828800"/>
           </a:xfrm>
         </p:spPr>
         <p:txBody>
-          <a:bodyPr>
+          <a:bodyPr anchor="t">
             <a:normAutofit/>
           </a:bodyPr>
           <a:lstStyle>
@@ -8011,19 +8394,14 @@
             <p:ph type="dt" sz="half" idx="10"/>
           </p:nvPr>
         </p:nvSpPr>
-        <p:spPr>
-          <a:xfrm>
-            <a:off x="6399212" y="5883275"/>
-            <a:ext cx="914400" cy="365125"/>
-          </a:xfrm>
-        </p:spPr>
+        <p:spPr/>
         <p:txBody>
           <a:bodyPr/>
           <a:lstStyle/>
           <a:p>
             <a:fld id="{4A37A092-F479-4C17-8DAB-26C19D8DEF50}" type="datetimeFigureOut">
               <a:rPr lang="nl-NL" smtClean="0"/>
-              <a:t>16-9-2025</a:t>
+              <a:t>25-11-2025</a:t>
             </a:fld>
             <a:endParaRPr lang="nl-NL"/>
           </a:p>
@@ -8039,12 +8417,7 @@
             <p:ph type="ftr" sz="quarter" idx="11"/>
           </p:nvPr>
         </p:nvSpPr>
-        <p:spPr>
-          <a:xfrm>
-            <a:off x="1141412" y="5883275"/>
-            <a:ext cx="5105400" cy="365125"/>
-          </a:xfrm>
-        </p:spPr>
+        <p:spPr/>
         <p:txBody>
           <a:bodyPr/>
           <a:lstStyle/>
@@ -8063,12 +8436,7 @@
             <p:ph type="sldNum" sz="quarter" idx="12"/>
           </p:nvPr>
         </p:nvSpPr>
-        <p:spPr>
-          <a:xfrm>
-            <a:off x="10742612" y="5883275"/>
-            <a:ext cx="322567" cy="365125"/>
-          </a:xfrm>
-        </p:spPr>
+        <p:spPr/>
         <p:txBody>
           <a:bodyPr/>
           <a:lstStyle/>
@@ -8084,7 +8452,7 @@
     </p:spTree>
     <p:extLst>
       <p:ext uri="{BB962C8B-B14F-4D97-AF65-F5344CB8AC3E}">
-        <p14:creationId xmlns:p14="http://schemas.microsoft.com/office/powerpoint/2010/main" val="3485116200"/>
+        <p14:creationId xmlns:p14="http://schemas.microsoft.com/office/powerpoint/2010/main" val="226366363"/>
       </p:ext>
     </p:extLst>
   </p:cSld>
@@ -8128,8 +8496,42 @@
         </p:nvSpPr>
         <p:spPr>
           <a:xfrm>
-            <a:off x="1141413" y="609600"/>
-            <a:ext cx="9905998" cy="1905000"/>
+            <a:off x="685801" y="609600"/>
+            <a:ext cx="10131425" cy="1456267"/>
+          </a:xfrm>
+          <a:prstGeom prst="rect">
+            <a:avLst/>
+          </a:prstGeom>
+          <a:effectLst/>
+        </p:spPr>
+        <p:txBody>
+          <a:bodyPr vert="horz" lIns="91440" tIns="45720" rIns="91440" bIns="45720" rtlCol="0" anchor="ctr">
+            <a:normAutofit/>
+          </a:bodyPr>
+          <a:lstStyle/>
+          <a:p>
+            <a:r>
+              <a:rPr lang="en-US"/>
+              <a:t>Click to edit Master title style</a:t>
+            </a:r>
+            <a:endParaRPr lang="en-US" dirty="0"/>
+          </a:p>
+        </p:txBody>
+      </p:sp>
+      <p:sp>
+        <p:nvSpPr>
+          <p:cNvPr id="3" name="Text Placeholder 2"/>
+          <p:cNvSpPr>
+            <a:spLocks noGrp="1"/>
+          </p:cNvSpPr>
+          <p:nvPr>
+            <p:ph type="body" idx="1"/>
+          </p:nvPr>
+        </p:nvSpPr>
+        <p:spPr>
+          <a:xfrm>
+            <a:off x="685801" y="2142067"/>
+            <a:ext cx="10131425" cy="3649133"/>
           </a:xfrm>
           <a:prstGeom prst="rect">
             <a:avLst/>
@@ -8141,9 +8543,38 @@
           </a:bodyPr>
           <a:lstStyle/>
           <a:p>
+            <a:pPr lvl="0"/>
             <a:r>
               <a:rPr lang="en-US"/>
-              <a:t>Click to edit Master title style</a:t>
+              <a:t>Click to edit Master text styles</a:t>
+            </a:r>
+          </a:p>
+          <a:p>
+            <a:pPr lvl="1"/>
+            <a:r>
+              <a:rPr lang="en-US"/>
+              <a:t>Second level</a:t>
+            </a:r>
+          </a:p>
+          <a:p>
+            <a:pPr lvl="2"/>
+            <a:r>
+              <a:rPr lang="en-US"/>
+              <a:t>Third level</a:t>
+            </a:r>
+          </a:p>
+          <a:p>
+            <a:pPr lvl="3"/>
+            <a:r>
+              <a:rPr lang="en-US"/>
+              <a:t>Fourth level</a:t>
+            </a:r>
+          </a:p>
+          <a:p>
+            <a:pPr lvl="4"/>
+            <a:r>
+              <a:rPr lang="en-US"/>
+              <a:t>Fifth level</a:t>
             </a:r>
             <a:endParaRPr lang="en-US" dirty="0"/>
           </a:p>
@@ -8151,80 +8582,59 @@
       </p:sp>
       <p:sp>
         <p:nvSpPr>
-          <p:cNvPr id="3" name="Text Placeholder 2"/>
-          <p:cNvSpPr>
-            <a:spLocks noGrp="1"/>
-          </p:cNvSpPr>
-          <p:nvPr>
-            <p:ph type="body" idx="1"/>
+          <p:cNvPr id="4" name="Date Placeholder 3"/>
+          <p:cNvSpPr>
+            <a:spLocks noGrp="1"/>
+          </p:cNvSpPr>
+          <p:nvPr>
+            <p:ph type="dt" sz="half" idx="2"/>
           </p:nvPr>
         </p:nvSpPr>
         <p:spPr>
           <a:xfrm>
-            <a:off x="1141413" y="2666999"/>
-            <a:ext cx="9905998" cy="3124201"/>
+            <a:off x="8589660" y="5870575"/>
+            <a:ext cx="1600200" cy="377825"/>
           </a:xfrm>
           <a:prstGeom prst="rect">
             <a:avLst/>
           </a:prstGeom>
         </p:spPr>
         <p:txBody>
-          <a:bodyPr vert="horz" lIns="91440" tIns="45720" rIns="91440" bIns="45720" rtlCol="0" anchor="ctr">
-            <a:normAutofit/>
-          </a:bodyPr>
-          <a:lstStyle/>
-          <a:p>
-            <a:pPr lvl="0"/>
-            <a:r>
-              <a:rPr lang="en-US"/>
-              <a:t>Click to edit Master text styles</a:t>
-            </a:r>
-          </a:p>
-          <a:p>
-            <a:pPr lvl="1"/>
-            <a:r>
-              <a:rPr lang="en-US"/>
-              <a:t>Second level</a:t>
-            </a:r>
-          </a:p>
-          <a:p>
-            <a:pPr lvl="2"/>
-            <a:r>
-              <a:rPr lang="en-US"/>
-              <a:t>Third level</a:t>
-            </a:r>
-          </a:p>
-          <a:p>
-            <a:pPr lvl="3"/>
-            <a:r>
-              <a:rPr lang="en-US"/>
-              <a:t>Fourth level</a:t>
-            </a:r>
-          </a:p>
-          <a:p>
-            <a:pPr lvl="4"/>
-            <a:r>
-              <a:rPr lang="en-US"/>
-              <a:t>Fifth level</a:t>
-            </a:r>
-            <a:endParaRPr lang="en-US" dirty="0"/>
-          </a:p>
-        </p:txBody>
-      </p:sp>
-      <p:sp>
-        <p:nvSpPr>
-          <p:cNvPr id="4" name="Date Placeholder 3"/>
-          <p:cNvSpPr>
-            <a:spLocks noGrp="1"/>
-          </p:cNvSpPr>
-          <p:nvPr>
-            <p:ph type="dt" sz="half" idx="2"/>
+          <a:bodyPr vert="horz" lIns="91440" tIns="45720" rIns="91440" bIns="45720" rtlCol="0" anchor="ctr"/>
+          <a:lstStyle>
+            <a:lvl1pPr algn="r">
+              <a:defRPr sz="1000" b="0" i="0">
+                <a:solidFill>
+                  <a:schemeClr val="tx1"/>
+                </a:solidFill>
+                <a:effectLst/>
+                <a:latin typeface="+mn-lt"/>
+              </a:defRPr>
+            </a:lvl1pPr>
+          </a:lstStyle>
+          <a:p>
+            <a:fld id="{4A37A092-F479-4C17-8DAB-26C19D8DEF50}" type="datetimeFigureOut">
+              <a:rPr lang="nl-NL" smtClean="0"/>
+              <a:t>25-11-2025</a:t>
+            </a:fld>
+            <a:endParaRPr lang="nl-NL"/>
+          </a:p>
+        </p:txBody>
+      </p:sp>
+      <p:sp>
+        <p:nvSpPr>
+          <p:cNvPr id="5" name="Footer Placeholder 4"/>
+          <p:cNvSpPr>
+            <a:spLocks noGrp="1"/>
+          </p:cNvSpPr>
+          <p:nvPr>
+            <p:ph type="ftr" sz="quarter" idx="3"/>
           </p:nvPr>
         </p:nvSpPr>
         <p:spPr>
           <a:xfrm>
-            <a:off x="8837612" y="5883275"/>
-            <a:ext cx="1600200" cy="365125"/>
+            <a:off x="685800" y="5870575"/>
+            <a:ext cx="7827659" cy="377825"/>
           </a:xfrm>
           <a:prstGeom prst="rect">
             <a:avLst/>
@@ -8233,47 +8643,35 @@
         <p:txBody>
           <a:bodyPr vert="horz" lIns="91440" tIns="45720" rIns="91440" bIns="45720" rtlCol="0" anchor="ctr"/>
           <a:lstStyle>
-            <a:lvl1pPr algn="r">
-              <a:defRPr sz="900" b="1" i="0">
+            <a:lvl1pPr algn="l">
+              <a:defRPr sz="1000" b="0" i="0">
                 <a:solidFill>
-                  <a:schemeClr val="tx1">
-                    <a:lumMod val="75000"/>
-                  </a:schemeClr>
+                  <a:schemeClr val="tx1"/>
                 </a:solidFill>
-                <a:effectLst>
-                  <a:outerShdw blurRad="50800" dist="38100" dir="2700000" algn="tl" rotWithShape="0">
-                    <a:srgbClr val="000000">
-                      <a:alpha val="43000"/>
-                    </a:srgbClr>
-                  </a:outerShdw>
-                </a:effectLst>
+                <a:effectLst/>
                 <a:latin typeface="+mn-lt"/>
               </a:defRPr>
             </a:lvl1pPr>
           </a:lstStyle>
           <a:p>
-            <a:fld id="{4A37A092-F479-4C17-8DAB-26C19D8DEF50}" type="datetimeFigureOut">
-              <a:rPr lang="nl-NL" smtClean="0"/>
-              <a:t>16-9-2025</a:t>
-            </a:fld>
             <a:endParaRPr lang="nl-NL"/>
           </a:p>
         </p:txBody>
       </p:sp>
       <p:sp>
         <p:nvSpPr>
-          <p:cNvPr id="5" name="Footer Placeholder 4"/>
-          <p:cNvSpPr>
-            <a:spLocks noGrp="1"/>
-          </p:cNvSpPr>
-          <p:nvPr>
-            <p:ph type="ftr" sz="quarter" idx="3"/>
+          <p:cNvPr id="6" name="Slide Number Placeholder 5"/>
+          <p:cNvSpPr>
+            <a:spLocks noGrp="1"/>
+          </p:cNvSpPr>
+          <p:nvPr>
+            <p:ph type="sldNum" sz="quarter" idx="4"/>
           </p:nvPr>
         </p:nvSpPr>
         <p:spPr>
           <a:xfrm>
-            <a:off x="1141412" y="5883275"/>
-            <a:ext cx="7543800" cy="365125"/>
+            <a:off x="10266060" y="5870575"/>
+            <a:ext cx="551167" cy="377825"/>
           </a:xfrm>
           <a:prstGeom prst="rect">
             <a:avLst/>
@@ -8282,65 +8680,12 @@
         <p:txBody>
           <a:bodyPr vert="horz" lIns="91440" tIns="45720" rIns="91440" bIns="45720" rtlCol="0" anchor="ctr"/>
           <a:lstStyle>
-            <a:lvl1pPr algn="l">
-              <a:defRPr sz="900" b="1" i="0">
+            <a:lvl1pPr algn="r">
+              <a:defRPr sz="1000" b="0" i="0">
                 <a:solidFill>
-                  <a:schemeClr val="tx1">
-                    <a:lumMod val="75000"/>
-                  </a:schemeClr>
+                  <a:schemeClr val="tx1"/>
                 </a:solidFill>
-                <a:effectLst>
-                  <a:outerShdw blurRad="50800" dist="38100" dir="2700000" algn="tl" rotWithShape="0">
-                    <a:srgbClr val="000000">
-                      <a:alpha val="43000"/>
-                    </a:srgbClr>
-                  </a:outerShdw>
-                </a:effectLst>
-                <a:latin typeface="+mn-lt"/>
-              </a:defRPr>
-            </a:lvl1pPr>
-          </a:lstStyle>
-          <a:p>
-            <a:endParaRPr lang="nl-NL"/>
-          </a:p>
-        </p:txBody>
-      </p:sp>
-      <p:sp>
-        <p:nvSpPr>
-          <p:cNvPr id="6" name="Slide Number Placeholder 5"/>
-          <p:cNvSpPr>
-            <a:spLocks noGrp="1"/>
-          </p:cNvSpPr>
-          <p:nvPr>
-            <p:ph type="sldNum" sz="quarter" idx="4"/>
-          </p:nvPr>
-        </p:nvSpPr>
-        <p:spPr>
-          <a:xfrm>
-            <a:off x="10514012" y="5883275"/>
-            <a:ext cx="551167" cy="365125"/>
-          </a:xfrm>
-          <a:prstGeom prst="rect">
-            <a:avLst/>
-          </a:prstGeom>
-        </p:spPr>
-        <p:txBody>
-          <a:bodyPr vert="horz" lIns="91440" tIns="45720" rIns="91440" bIns="45720" rtlCol="0" anchor="ctr"/>
-          <a:lstStyle>
-            <a:lvl1pPr algn="r">
-              <a:defRPr sz="900" b="1" i="0">
-                <a:solidFill>
-                  <a:schemeClr val="tx1">
-                    <a:lumMod val="75000"/>
-                  </a:schemeClr>
-                </a:solidFill>
-                <a:effectLst>
-                  <a:outerShdw blurRad="50800" dist="38100" dir="2700000" algn="tl" rotWithShape="0">
-                    <a:srgbClr val="000000">
-                      <a:alpha val="43000"/>
-                    </a:srgbClr>
-                  </a:outerShdw>
-                </a:effectLst>
+                <a:effectLst/>
                 <a:latin typeface="+mn-lt"/>
               </a:defRPr>
             </a:lvl1pPr>
@@ -8357,29 +8702,29 @@
     </p:spTree>
     <p:extLst>
       <p:ext uri="{BB962C8B-B14F-4D97-AF65-F5344CB8AC3E}">
-        <p14:creationId xmlns:p14="http://schemas.microsoft.com/office/powerpoint/2010/main" val="1928917279"/>
+        <p14:creationId xmlns:p14="http://schemas.microsoft.com/office/powerpoint/2010/main" val="519719588"/>
       </p:ext>
     </p:extLst>
   </p:cSld>
   <p:clrMap bg1="dk1" tx1="lt1" bg2="dk2" tx2="lt2" accent1="accent1" accent2="accent2" accent3="accent3" accent4="accent4" accent5="accent5" accent6="accent6" hlink="hlink" folHlink="folHlink"/>
   <p:sldLayoutIdLst>
-    <p:sldLayoutId id="2147483661" r:id="rId1"/>
-    <p:sldLayoutId id="2147483662" r:id="rId2"/>
-    <p:sldLayoutId id="2147483663" r:id="rId3"/>
-    <p:sldLayoutId id="2147483664" r:id="rId4"/>
-    <p:sldLayoutId id="2147483665" r:id="rId5"/>
-    <p:sldLayoutId id="2147483666" r:id="rId6"/>
-    <p:sldLayoutId id="2147483667" r:id="rId7"/>
-    <p:sldLayoutId id="2147483668" r:id="rId8"/>
-    <p:sldLayoutId id="2147483669" r:id="rId9"/>
-    <p:sldLayoutId id="2147483670" r:id="rId10"/>
-    <p:sldLayoutId id="2147483671" r:id="rId11"/>
-    <p:sldLayoutId id="2147483672" r:id="rId12"/>
-    <p:sldLayoutId id="2147483673" r:id="rId13"/>
-    <p:sldLayoutId id="2147483674" r:id="rId14"/>
-    <p:sldLayoutId id="2147483675" r:id="rId15"/>
-    <p:sldLayoutId id="2147483676" r:id="rId16"/>
-    <p:sldLayoutId id="2147483677" r:id="rId17"/>
+    <p:sldLayoutId id="2147483786" r:id="rId1"/>
+    <p:sldLayoutId id="2147483787" r:id="rId2"/>
+    <p:sldLayoutId id="2147483788" r:id="rId3"/>
+    <p:sldLayoutId id="2147483789" r:id="rId4"/>
+    <p:sldLayoutId id="2147483790" r:id="rId5"/>
+    <p:sldLayoutId id="2147483791" r:id="rId6"/>
+    <p:sldLayoutId id="2147483792" r:id="rId7"/>
+    <p:sldLayoutId id="2147483793" r:id="rId8"/>
+    <p:sldLayoutId id="2147483794" r:id="rId9"/>
+    <p:sldLayoutId id="2147483795" r:id="rId10"/>
+    <p:sldLayoutId id="2147483796" r:id="rId11"/>
+    <p:sldLayoutId id="2147483797" r:id="rId12"/>
+    <p:sldLayoutId id="2147483798" r:id="rId13"/>
+    <p:sldLayoutId id="2147483799" r:id="rId14"/>
+    <p:sldLayoutId id="2147483800" r:id="rId15"/>
+    <p:sldLayoutId id="2147483801" r:id="rId16"/>
+    <p:sldLayoutId id="2147483802" r:id="rId17"/>
   </p:sldLayoutIdLst>
   <p:txStyles>
     <p:titleStyle>
@@ -8388,38 +8733,14 @@
           <a:spcPct val="0"/>
         </a:spcBef>
         <a:buNone/>
-        <a:defRPr sz="3200" kern="1200" cap="all">
+        <a:defRPr sz="3600" kern="1200" cap="all">
           <a:ln w="3175" cmpd="sng">
             <a:noFill/>
           </a:ln>
-          <a:gradFill flip="none" rotWithShape="1">
-            <a:gsLst>
-              <a:gs pos="0">
-                <a:schemeClr val="tx1"/>
-              </a:gs>
-              <a:gs pos="100000">
-                <a:schemeClr val="tx1">
-                  <a:lumMod val="65000"/>
-                </a:schemeClr>
-              </a:gs>
-            </a:gsLst>
-            <a:lin ang="5580000" scaled="0"/>
-            <a:tileRect/>
-          </a:gradFill>
-          <a:effectLst>
-            <a:glow rad="38100">
-              <a:schemeClr val="bg1">
-                <a:lumMod val="65000"/>
-                <a:lumOff val="35000"/>
-                <a:alpha val="40000"/>
-              </a:schemeClr>
-            </a:glow>
-            <a:outerShdw blurRad="28575" dist="38100" dir="14040000" algn="tl" rotWithShape="0">
-              <a:srgbClr val="000000">
-                <a:alpha val="25000"/>
-              </a:srgbClr>
-            </a:outerShdw>
-          </a:effectLst>
+          <a:solidFill>
+            <a:schemeClr val="tx1"/>
+          </a:solidFill>
+          <a:effectLst/>
           <a:latin typeface="+mj-lt"/>
           <a:ea typeface="+mj-ea"/>
           <a:cs typeface="+mj-cs"/>
@@ -8485,10 +8806,10 @@
     <p:bodyStyle>
       <a:lvl1pPr marL="285750" indent="-285750" algn="l" defTabSz="457200" rtl="0" eaLnBrk="1" latinLnBrk="0" hangingPunct="1">
         <a:spcBef>
-          <a:spcPct val="20000"/>
+          <a:spcPts val="0"/>
         </a:spcBef>
         <a:spcAft>
-          <a:spcPts val="600"/>
+          <a:spcPts val="1000"/>
         </a:spcAft>
         <a:buClr>
           <a:schemeClr val="tx1"/>
@@ -8496,35 +8817,11 @@
         <a:buSzPct val="100000"/>
         <a:buFont typeface="Arial"/>
         <a:buChar char="•"/>
-        <a:defRPr sz="2000" kern="1200" cap="small">
-          <a:gradFill flip="none" rotWithShape="1">
-            <a:gsLst>
-              <a:gs pos="0">
-                <a:schemeClr val="tx1"/>
-              </a:gs>
-              <a:gs pos="100000">
-                <a:schemeClr val="tx1">
-                  <a:lumMod val="75000"/>
-                </a:schemeClr>
-              </a:gs>
-            </a:gsLst>
-            <a:lin ang="5580000" scaled="0"/>
-            <a:tileRect/>
-          </a:gradFill>
-          <a:effectLst>
-            <a:glow rad="38100">
-              <a:schemeClr val="bg1">
-                <a:lumMod val="50000"/>
-                <a:lumOff val="50000"/>
-                <a:alpha val="20000"/>
-              </a:schemeClr>
-            </a:glow>
-            <a:outerShdw blurRad="44450" dist="12700" dir="13860000" algn="tl" rotWithShape="0">
-              <a:srgbClr val="000000">
-                <a:alpha val="20000"/>
-              </a:srgbClr>
-            </a:outerShdw>
-          </a:effectLst>
+        <a:defRPr sz="1800" kern="1200" cap="none">
+          <a:solidFill>
+            <a:schemeClr val="tx1"/>
+          </a:solidFill>
+          <a:effectLst/>
           <a:latin typeface="+mn-lt"/>
           <a:ea typeface="+mn-ea"/>
           <a:cs typeface="+mn-cs"/>
@@ -8532,10 +8829,10 @@
       </a:lvl1pPr>
       <a:lvl2pPr marL="742950" indent="-285750" algn="l" defTabSz="457200" rtl="0" eaLnBrk="1" latinLnBrk="0" hangingPunct="1">
         <a:spcBef>
-          <a:spcPct val="20000"/>
+          <a:spcPts val="0"/>
         </a:spcBef>
         <a:spcAft>
-          <a:spcPts val="600"/>
+          <a:spcPts val="1000"/>
         </a:spcAft>
         <a:buClr>
           <a:schemeClr val="tx1"/>
@@ -8543,35 +8840,11 @@
         <a:buSzPct val="100000"/>
         <a:buFont typeface="Arial"/>
         <a:buChar char="•"/>
-        <a:defRPr sz="1800" kern="1200" cap="small">
-          <a:gradFill flip="none" rotWithShape="1">
-            <a:gsLst>
-              <a:gs pos="0">
-                <a:schemeClr val="tx1"/>
-              </a:gs>
-              <a:gs pos="100000">
-                <a:schemeClr val="tx1">
-                  <a:lumMod val="75000"/>
-                </a:schemeClr>
-              </a:gs>
-            </a:gsLst>
-            <a:lin ang="5580000" scaled="0"/>
-            <a:tileRect/>
-          </a:gradFill>
-          <a:effectLst>
-            <a:glow rad="38100">
-              <a:schemeClr val="bg1">
-                <a:lumMod val="50000"/>
-                <a:lumOff val="50000"/>
-                <a:alpha val="20000"/>
-              </a:schemeClr>
-            </a:glow>
-            <a:outerShdw blurRad="44450" dist="12700" dir="13860000" algn="tl" rotWithShape="0">
-              <a:srgbClr val="000000">
-                <a:alpha val="20000"/>
-              </a:srgbClr>
-            </a:outerShdw>
-          </a:effectLst>
+        <a:defRPr sz="1600" kern="1200" cap="none">
+          <a:solidFill>
+            <a:schemeClr val="tx1"/>
+          </a:solidFill>
+          <a:effectLst/>
           <a:latin typeface="+mn-lt"/>
           <a:ea typeface="+mn-ea"/>
           <a:cs typeface="+mn-cs"/>
@@ -8579,10 +8852,10 @@
       </a:lvl2pPr>
       <a:lvl3pPr marL="1200150" indent="-285750" algn="l" defTabSz="457200" rtl="0" eaLnBrk="1" latinLnBrk="0" hangingPunct="1">
         <a:spcBef>
-          <a:spcPct val="20000"/>
+          <a:spcPts val="0"/>
         </a:spcBef>
         <a:spcAft>
-          <a:spcPts val="600"/>
+          <a:spcPts val="1000"/>
         </a:spcAft>
         <a:buClr>
           <a:schemeClr val="tx1"/>
@@ -8590,35 +8863,11 @@
         <a:buSzPct val="100000"/>
         <a:buFont typeface="Arial"/>
         <a:buChar char="•"/>
-        <a:defRPr sz="1600" kern="1200" cap="small">
-          <a:gradFill flip="none" rotWithShape="1">
-            <a:gsLst>
-              <a:gs pos="0">
-                <a:schemeClr val="tx1"/>
-              </a:gs>
-              <a:gs pos="100000">
-                <a:schemeClr val="tx1">
-                  <a:lumMod val="75000"/>
-                </a:schemeClr>
-              </a:gs>
-            </a:gsLst>
-            <a:lin ang="5580000" scaled="0"/>
-            <a:tileRect/>
-          </a:gradFill>
-          <a:effectLst>
-            <a:glow rad="38100">
-              <a:schemeClr val="bg1">
-                <a:lumMod val="50000"/>
-                <a:lumOff val="50000"/>
-                <a:alpha val="20000"/>
-              </a:schemeClr>
-            </a:glow>
-            <a:outerShdw blurRad="44450" dist="12700" dir="13860000" algn="tl" rotWithShape="0">
-              <a:srgbClr val="000000">
-                <a:alpha val="20000"/>
-              </a:srgbClr>
-            </a:outerShdw>
-          </a:effectLst>
+        <a:defRPr sz="1400" kern="1200" cap="none">
+          <a:solidFill>
+            <a:schemeClr val="tx1"/>
+          </a:solidFill>
+          <a:effectLst/>
           <a:latin typeface="+mn-lt"/>
           <a:ea typeface="+mn-ea"/>
           <a:cs typeface="+mn-cs"/>
@@ -8626,10 +8875,10 @@
       </a:lvl3pPr>
       <a:lvl4pPr marL="1543050" indent="-171450" algn="l" defTabSz="457200" rtl="0" eaLnBrk="1" latinLnBrk="0" hangingPunct="1">
         <a:spcBef>
-          <a:spcPct val="20000"/>
+          <a:spcPts val="0"/>
         </a:spcBef>
         <a:spcAft>
-          <a:spcPts val="600"/>
+          <a:spcPts val="1000"/>
         </a:spcAft>
         <a:buClr>
           <a:schemeClr val="tx1"/>
@@ -8637,35 +8886,11 @@
         <a:buSzPct val="100000"/>
         <a:buFont typeface="Arial"/>
         <a:buChar char="•"/>
-        <a:defRPr sz="1400" kern="1200" cap="small">
-          <a:gradFill flip="none" rotWithShape="1">
-            <a:gsLst>
-              <a:gs pos="0">
-                <a:schemeClr val="tx1"/>
-              </a:gs>
-              <a:gs pos="100000">
-                <a:schemeClr val="tx1">
-                  <a:lumMod val="75000"/>
-                </a:schemeClr>
-              </a:gs>
-            </a:gsLst>
-            <a:lin ang="5580000" scaled="0"/>
-            <a:tileRect/>
-          </a:gradFill>
-          <a:effectLst>
-            <a:glow rad="38100">
-              <a:schemeClr val="bg1">
-                <a:lumMod val="50000"/>
-                <a:lumOff val="50000"/>
-                <a:alpha val="20000"/>
-              </a:schemeClr>
-            </a:glow>
-            <a:outerShdw blurRad="44450" dist="12700" dir="13860000" algn="tl" rotWithShape="0">
-              <a:srgbClr val="000000">
-                <a:alpha val="20000"/>
-              </a:srgbClr>
-            </a:outerShdw>
-          </a:effectLst>
+        <a:defRPr sz="1200" kern="1200" cap="none">
+          <a:solidFill>
+            <a:schemeClr val="tx1"/>
+          </a:solidFill>
+          <a:effectLst/>
           <a:latin typeface="+mn-lt"/>
           <a:ea typeface="+mn-ea"/>
           <a:cs typeface="+mn-cs"/>
@@ -8673,10 +8898,10 @@
       </a:lvl4pPr>
       <a:lvl5pPr marL="2000250" indent="-171450" algn="l" defTabSz="457200" rtl="0" eaLnBrk="1" latinLnBrk="0" hangingPunct="1">
         <a:spcBef>
-          <a:spcPct val="20000"/>
+          <a:spcPts val="0"/>
         </a:spcBef>
         <a:spcAft>
-          <a:spcPts val="600"/>
+          <a:spcPts val="1000"/>
         </a:spcAft>
         <a:buClr>
           <a:schemeClr val="tx1"/>
@@ -8684,35 +8909,11 @@
         <a:buSzPct val="100000"/>
         <a:buFont typeface="Arial"/>
         <a:buChar char="•"/>
-        <a:defRPr sz="1400" kern="1200" cap="small">
-          <a:gradFill flip="none" rotWithShape="1">
-            <a:gsLst>
-              <a:gs pos="0">
-                <a:schemeClr val="tx1"/>
-              </a:gs>
-              <a:gs pos="100000">
-                <a:schemeClr val="tx1">
-                  <a:lumMod val="75000"/>
-                </a:schemeClr>
-              </a:gs>
-            </a:gsLst>
-            <a:lin ang="5580000" scaled="0"/>
-            <a:tileRect/>
-          </a:gradFill>
-          <a:effectLst>
-            <a:glow rad="38100">
-              <a:schemeClr val="bg1">
-                <a:lumMod val="50000"/>
-                <a:lumOff val="50000"/>
-                <a:alpha val="20000"/>
-              </a:schemeClr>
-            </a:glow>
-            <a:outerShdw blurRad="44450" dist="12700" dir="13860000" algn="tl" rotWithShape="0">
-              <a:srgbClr val="000000">
-                <a:alpha val="20000"/>
-              </a:srgbClr>
-            </a:outerShdw>
-          </a:effectLst>
+        <a:defRPr sz="1200" kern="1200" cap="none">
+          <a:solidFill>
+            <a:schemeClr val="tx1"/>
+          </a:solidFill>
+          <a:effectLst/>
           <a:latin typeface="+mn-lt"/>
           <a:ea typeface="+mn-ea"/>
           <a:cs typeface="+mn-cs"/>
@@ -8720,10 +8921,10 @@
       </a:lvl5pPr>
       <a:lvl6pPr marL="2514600" indent="-228600" algn="l" defTabSz="457200" rtl="0" eaLnBrk="1" latinLnBrk="0" hangingPunct="1">
         <a:spcBef>
-          <a:spcPct val="20000"/>
+          <a:spcPts val="0"/>
         </a:spcBef>
         <a:spcAft>
-          <a:spcPts val="600"/>
+          <a:spcPts val="1000"/>
         </a:spcAft>
         <a:buClr>
           <a:schemeClr val="tx1"/>
@@ -8731,35 +8932,11 @@
         <a:buSzPct val="100000"/>
         <a:buFont typeface="Arial"/>
         <a:buChar char="•"/>
-        <a:defRPr sz="1200" kern="1200" cap="small">
-          <a:gradFill flip="none" rotWithShape="1">
-            <a:gsLst>
-              <a:gs pos="0">
-                <a:schemeClr val="tx1"/>
-              </a:gs>
-              <a:gs pos="100000">
-                <a:schemeClr val="tx1">
-                  <a:lumMod val="75000"/>
-                </a:schemeClr>
-              </a:gs>
-            </a:gsLst>
-            <a:lin ang="5580000" scaled="0"/>
-            <a:tileRect/>
-          </a:gradFill>
-          <a:effectLst>
-            <a:glow rad="38100">
-              <a:schemeClr val="bg1">
-                <a:lumMod val="50000"/>
-                <a:lumOff val="50000"/>
-                <a:alpha val="20000"/>
-              </a:schemeClr>
-            </a:glow>
-            <a:outerShdw blurRad="44450" dist="12700" dir="13860000" algn="tl" rotWithShape="0">
-              <a:srgbClr val="000000">
-                <a:alpha val="20000"/>
-              </a:srgbClr>
-            </a:outerShdw>
-          </a:effectLst>
+        <a:defRPr sz="1200" kern="1200" cap="none">
+          <a:solidFill>
+            <a:schemeClr val="tx1"/>
+          </a:solidFill>
+          <a:effectLst/>
           <a:latin typeface="+mn-lt"/>
           <a:ea typeface="+mn-ea"/>
           <a:cs typeface="+mn-cs"/>
@@ -8767,10 +8944,10 @@
       </a:lvl6pPr>
       <a:lvl7pPr marL="2971800" indent="-228600" algn="l" defTabSz="457200" rtl="0" eaLnBrk="1" latinLnBrk="0" hangingPunct="1">
         <a:spcBef>
-          <a:spcPct val="20000"/>
+          <a:spcPts val="0"/>
         </a:spcBef>
         <a:spcAft>
-          <a:spcPts val="600"/>
+          <a:spcPts val="1000"/>
         </a:spcAft>
         <a:buClr>
           <a:schemeClr val="tx1"/>
@@ -8778,35 +8955,11 @@
         <a:buSzPct val="100000"/>
         <a:buFont typeface="Arial"/>
         <a:buChar char="•"/>
-        <a:defRPr sz="1200" kern="1200" cap="small">
-          <a:gradFill flip="none" rotWithShape="1">
-            <a:gsLst>
-              <a:gs pos="0">
-                <a:schemeClr val="tx1"/>
-              </a:gs>
-              <a:gs pos="100000">
-                <a:schemeClr val="tx1">
-                  <a:lumMod val="75000"/>
-                </a:schemeClr>
-              </a:gs>
-            </a:gsLst>
-            <a:lin ang="5580000" scaled="0"/>
-            <a:tileRect/>
-          </a:gradFill>
-          <a:effectLst>
-            <a:glow rad="38100">
-              <a:schemeClr val="bg1">
-                <a:lumMod val="50000"/>
-                <a:lumOff val="50000"/>
-                <a:alpha val="20000"/>
-              </a:schemeClr>
-            </a:glow>
-            <a:outerShdw blurRad="44450" dist="12700" dir="13860000" algn="tl" rotWithShape="0">
-              <a:srgbClr val="000000">
-                <a:alpha val="20000"/>
-              </a:srgbClr>
-            </a:outerShdw>
-          </a:effectLst>
+        <a:defRPr sz="1200" kern="1200" cap="none">
+          <a:solidFill>
+            <a:schemeClr val="tx1"/>
+          </a:solidFill>
+          <a:effectLst/>
           <a:latin typeface="+mn-lt"/>
           <a:ea typeface="+mn-ea"/>
           <a:cs typeface="+mn-cs"/>
@@ -8814,10 +8967,10 @@
       </a:lvl7pPr>
       <a:lvl8pPr marL="3429000" indent="-228600" algn="l" defTabSz="457200" rtl="0" eaLnBrk="1" latinLnBrk="0" hangingPunct="1">
         <a:spcBef>
-          <a:spcPct val="20000"/>
+          <a:spcPts val="0"/>
         </a:spcBef>
         <a:spcAft>
-          <a:spcPts val="600"/>
+          <a:spcPts val="1000"/>
         </a:spcAft>
         <a:buClr>
           <a:schemeClr val="tx1"/>
@@ -8825,35 +8978,11 @@
         <a:buSzPct val="100000"/>
         <a:buFont typeface="Arial"/>
         <a:buChar char="•"/>
-        <a:defRPr sz="1200" kern="1200" cap="small">
-          <a:gradFill flip="none" rotWithShape="1">
-            <a:gsLst>
-              <a:gs pos="0">
-                <a:schemeClr val="tx1"/>
-              </a:gs>
-              <a:gs pos="100000">
-                <a:schemeClr val="tx1">
-                  <a:lumMod val="75000"/>
-                </a:schemeClr>
-              </a:gs>
-            </a:gsLst>
-            <a:lin ang="5580000" scaled="0"/>
-            <a:tileRect/>
-          </a:gradFill>
-          <a:effectLst>
-            <a:glow rad="38100">
-              <a:schemeClr val="bg1">
-                <a:lumMod val="50000"/>
-                <a:lumOff val="50000"/>
-                <a:alpha val="20000"/>
-              </a:schemeClr>
-            </a:glow>
-            <a:outerShdw blurRad="44450" dist="12700" dir="13860000" algn="tl" rotWithShape="0">
-              <a:srgbClr val="000000">
-                <a:alpha val="20000"/>
-              </a:srgbClr>
-            </a:outerShdw>
-          </a:effectLst>
+        <a:defRPr sz="1200" kern="1200" cap="none">
+          <a:solidFill>
+            <a:schemeClr val="tx1"/>
+          </a:solidFill>
+          <a:effectLst/>
           <a:latin typeface="+mn-lt"/>
           <a:ea typeface="+mn-ea"/>
           <a:cs typeface="+mn-cs"/>
@@ -8861,10 +8990,10 @@
       </a:lvl8pPr>
       <a:lvl9pPr marL="3886200" indent="-228600" algn="l" defTabSz="457200" rtl="0" eaLnBrk="1" latinLnBrk="0" hangingPunct="1">
         <a:spcBef>
-          <a:spcPct val="20000"/>
+          <a:spcPts val="0"/>
         </a:spcBef>
         <a:spcAft>
-          <a:spcPts val="600"/>
+          <a:spcPts val="1000"/>
         </a:spcAft>
         <a:buClr>
           <a:schemeClr val="tx1"/>
@@ -8872,35 +9001,11 @@
         <a:buSzPct val="100000"/>
         <a:buFont typeface="Arial"/>
         <a:buChar char="•"/>
-        <a:defRPr sz="1200" kern="1200" cap="small">
-          <a:gradFill flip="none" rotWithShape="1">
-            <a:gsLst>
-              <a:gs pos="0">
-                <a:schemeClr val="tx1"/>
-              </a:gs>
-              <a:gs pos="100000">
-                <a:schemeClr val="tx1">
-                  <a:lumMod val="75000"/>
-                </a:schemeClr>
-              </a:gs>
-            </a:gsLst>
-            <a:lin ang="5580000" scaled="0"/>
-            <a:tileRect/>
-          </a:gradFill>
-          <a:effectLst>
-            <a:glow rad="38100">
-              <a:schemeClr val="bg1">
-                <a:lumMod val="50000"/>
-                <a:lumOff val="50000"/>
-                <a:alpha val="20000"/>
-              </a:schemeClr>
-            </a:glow>
-            <a:outerShdw blurRad="44450" dist="12700" dir="13860000" algn="tl" rotWithShape="0">
-              <a:srgbClr val="000000">
-                <a:alpha val="20000"/>
-              </a:srgbClr>
-            </a:outerShdw>
-          </a:effectLst>
+        <a:defRPr sz="1200" kern="1200" cap="none">
+          <a:solidFill>
+            <a:schemeClr val="tx1"/>
+          </a:solidFill>
+          <a:effectLst/>
           <a:latin typeface="+mn-lt"/>
           <a:ea typeface="+mn-ea"/>
           <a:cs typeface="+mn-cs"/>
@@ -9039,7 +9144,12 @@
             <p:ph type="ctrTitle"/>
           </p:nvPr>
         </p:nvSpPr>
-        <p:spPr/>
+        <p:spPr>
+          <a:xfrm>
+            <a:off x="3962399" y="1964268"/>
+            <a:ext cx="7197726" cy="2421464"/>
+          </a:xfrm>
+        </p:spPr>
         <p:txBody>
           <a:bodyPr/>
           <a:lstStyle/>
@@ -9074,15 +9184,7 @@
           <a:p>
             <a:r>
               <a:rPr lang="nl-NL" dirty="0"/>
-              <a:t>Matthijs ‘t Hart, Jamie </a:t>
-            </a:r>
-            <a:r>
-              <a:rPr lang="nl-NL" dirty="0" err="1"/>
-              <a:t>Baaij</a:t>
-            </a:r>
-            <a:r>
-              <a:rPr lang="nl-NL" dirty="0"/>
-              <a:t>, </a:t>
+              <a:t>Matthijs ‘t Hart, </a:t>
             </a:r>
             <a:r>
               <a:rPr lang="nl-NL" dirty="0" err="1"/>
@@ -9108,7 +9210,7 @@
               <a:t>Floating</a:t>
             </a:r>
             <a:r>
-              <a:rPr lang="nl-NL"/>
+              <a:rPr lang="nl-NL" dirty="0"/>
               <a:t> Farm</a:t>
             </a:r>
           </a:p>
@@ -9130,29 +9232,6 @@
 <file path=ppt/slides/slide2.xml><?xml version="1.0" encoding="utf-8"?>
 <p:sld xmlns:a="http://schemas.openxmlformats.org/drawingml/2006/main" xmlns:r="http://schemas.openxmlformats.org/officeDocument/2006/relationships" xmlns:p="http://schemas.openxmlformats.org/presentationml/2006/main">
   <p:cSld>
-    <p:bg>
-      <p:bgPr>
-        <a:blipFill rotWithShape="1">
-          <a:blip r:embed="rId2">
-            <a:duotone>
-              <a:schemeClr val="bg2">
-                <a:shade val="28000"/>
-                <a:satMod val="94000"/>
-                <a:lumMod val="20000"/>
-              </a:schemeClr>
-              <a:schemeClr val="bg2">
-                <a:tint val="94000"/>
-                <a:shade val="84000"/>
-                <a:satMod val="148000"/>
-                <a:lumMod val="114000"/>
-              </a:schemeClr>
-            </a:duotone>
-          </a:blip>
-          <a:stretch/>
-        </a:blipFill>
-        <a:effectLst/>
-      </p:bgPr>
-    </p:bg>
     <p:spTree>
       <p:nvGrpSpPr>
         <p:cNvPr id="1" name=""/>
@@ -9172,7 +9251,7 @@
           <p:cNvPr id="2" name="Title 1">
             <a:extLst>
               <a:ext uri="{FF2B5EF4-FFF2-40B4-BE49-F238E27FC236}">
-                <a16:creationId xmlns:a16="http://schemas.microsoft.com/office/drawing/2014/main" id="{96E55603-2790-B12B-B0B5-1414FE360844}"/>
+                <a16:creationId xmlns:a16="http://schemas.microsoft.com/office/drawing/2014/main" id="{56127615-3D95-9288-3494-F58B31754AED}"/>
               </a:ext>
             </a:extLst>
           </p:cNvPr>
@@ -9185,285 +9264,133 @@
         </p:nvSpPr>
         <p:spPr>
           <a:xfrm>
-            <a:off x="669851" y="1430179"/>
-            <a:ext cx="3029313" cy="3675908"/>
+            <a:off x="1751012" y="4363271"/>
+            <a:ext cx="8676222" cy="1066801"/>
           </a:xfrm>
         </p:spPr>
         <p:txBody>
-          <a:bodyPr anchor="ctr">
+          <a:bodyPr vert="horz" lIns="91440" tIns="45720" rIns="91440" bIns="45720" rtlCol="0" anchor="b">
             <a:normAutofit/>
           </a:bodyPr>
           <a:lstStyle/>
           <a:p>
-            <a:r>
-              <a:rPr lang="nl-NL" sz="4000"/>
-              <a:t>Inhoud</a:t>
-            </a:r>
-          </a:p>
-        </p:txBody>
-      </p:sp>
-      <p:sp>
-        <p:nvSpPr>
-          <p:cNvPr id="9" name="Rectangle 8">
+            <a:pPr algn="ctr"/>
+            <a:r>
+              <a:rPr lang="en-US" sz="4800" dirty="0">
+                <a:effectLst>
+                  <a:glow rad="38100">
+                    <a:schemeClr val="bg1">
+                      <a:lumMod val="65000"/>
+                      <a:lumOff val="35000"/>
+                      <a:alpha val="50000"/>
+                    </a:schemeClr>
+                  </a:glow>
+                  <a:outerShdw blurRad="28575" dist="31750" dir="13200000" algn="tl" rotWithShape="0">
+                    <a:srgbClr val="000000">
+                      <a:alpha val="25000"/>
+                    </a:srgbClr>
+                  </a:outerShdw>
+                </a:effectLst>
+              </a:rPr>
+              <a:t>Recap</a:t>
+            </a:r>
+          </a:p>
+        </p:txBody>
+      </p:sp>
+      <p:sp>
+        <p:nvSpPr>
+          <p:cNvPr id="3" name="Content Placeholder 2">
             <a:extLst>
               <a:ext uri="{FF2B5EF4-FFF2-40B4-BE49-F238E27FC236}">
-                <a16:creationId xmlns:a16="http://schemas.microsoft.com/office/drawing/2014/main" id="{7E475056-B0EB-44BE-8568-61ABEFB2E99D}"/>
-              </a:ext>
-              <a:ext uri="{C183D7F6-B498-43B3-948B-1728B52AA6E4}">
-                <adec:decorative xmlns:adec="http://schemas.microsoft.com/office/drawing/2017/decorative" val="1"/>
+                <a16:creationId xmlns:a16="http://schemas.microsoft.com/office/drawing/2014/main" id="{F0D5F587-718E-8155-3A8F-2D329323EF03}"/>
               </a:ext>
             </a:extLst>
           </p:cNvPr>
           <p:cNvSpPr>
-            <a:spLocks noGrp="1" noRot="1" noChangeAspect="1" noMove="1" noResize="1" noEditPoints="1" noAdjustHandles="1" noChangeArrowheads="1" noChangeShapeType="1" noTextEdit="1"/>
-          </p:cNvSpPr>
-          <p:nvPr>
-            <p:extLst>
-              <p:ext uri="{386F3935-93C4-4BCD-93E2-E3B085C9AB24}">
-                <p16:designElem xmlns:p16="http://schemas.microsoft.com/office/powerpoint/2015/main" val="1"/>
-              </p:ext>
-            </p:extLst>
+            <a:spLocks noGrp="1"/>
+          </p:cNvSpPr>
+          <p:nvPr>
+            <p:ph idx="1"/>
           </p:nvPr>
         </p:nvSpPr>
         <p:spPr>
           <a:xfrm>
-            <a:off x="4059934" y="0"/>
-            <a:ext cx="8132066" cy="6858000"/>
+            <a:off x="1751012" y="5516211"/>
+            <a:ext cx="8676222" cy="722243"/>
+          </a:xfrm>
+        </p:spPr>
+        <p:txBody>
+          <a:bodyPr vert="horz" lIns="91440" tIns="45720" rIns="91440" bIns="45720" rtlCol="0" anchor="t">
+            <a:normAutofit/>
+          </a:bodyPr>
+          <a:lstStyle/>
+          <a:p>
+            <a:pPr marL="0" indent="0" algn="ctr">
+              <a:buNone/>
+            </a:pPr>
+            <a:r>
+              <a:rPr lang="en-US" sz="2100">
+                <a:gradFill flip="none" rotWithShape="1">
+                  <a:gsLst>
+                    <a:gs pos="0">
+                      <a:schemeClr val="tx1"/>
+                    </a:gs>
+                    <a:gs pos="100000">
+                      <a:schemeClr val="tx1">
+                        <a:lumMod val="75000"/>
+                      </a:schemeClr>
+                    </a:gs>
+                  </a:gsLst>
+                  <a:lin ang="5400000" scaled="0"/>
+                  <a:tileRect/>
+                </a:gradFill>
+              </a:rPr>
+              <a:t>Floating Farm?</a:t>
+            </a:r>
+          </a:p>
+        </p:txBody>
+      </p:sp>
+      <p:pic>
+        <p:nvPicPr>
+          <p:cNvPr id="5" name="Afbeelding 4" descr="Afbeelding met buitenshuis, plant, staal&#10;&#10;Door AI gegenereerde inhoud is mogelijk onjuist.">
+            <a:extLst>
+              <a:ext uri="{FF2B5EF4-FFF2-40B4-BE49-F238E27FC236}">
+                <a16:creationId xmlns:a16="http://schemas.microsoft.com/office/drawing/2014/main" id="{3BE6EB31-DD18-B678-8AFC-57EDDEF3E305}"/>
+              </a:ext>
+            </a:extLst>
+          </p:cNvPr>
+          <p:cNvPicPr>
+            <a:picLocks noChangeAspect="1"/>
+          </p:cNvPicPr>
+          <p:nvPr/>
+        </p:nvPicPr>
+        <p:blipFill>
+          <a:blip r:embed="rId2">
+            <a:extLst>
+              <a:ext uri="{28A0092B-C50C-407E-A947-70E740481C1C}">
+                <a14:useLocalDpi xmlns:a14="http://schemas.microsoft.com/office/drawing/2010/main" val="0"/>
+              </a:ext>
+            </a:extLst>
+          </a:blip>
+          <a:srcRect t="32637" b="14650"/>
+          <a:stretch>
+            <a:fillRect/>
+          </a:stretch>
+        </p:blipFill>
+        <p:spPr>
+          <a:xfrm>
+            <a:off x="20" y="10"/>
+            <a:ext cx="12191980" cy="4273816"/>
           </a:xfrm>
           <a:prstGeom prst="rect">
             <a:avLst/>
           </a:prstGeom>
-          <a:solidFill>
-            <a:schemeClr val="bg2"/>
-          </a:solidFill>
-          <a:ln>
-            <a:noFill/>
-          </a:ln>
-          <a:effectLst>
-            <a:innerShdw blurRad="63500" dist="50800" dir="10800000">
-              <a:prstClr val="black">
-                <a:alpha val="50000"/>
-              </a:prstClr>
-            </a:innerShdw>
-          </a:effectLst>
         </p:spPr>
-        <p:style>
-          <a:lnRef idx="2">
-            <a:schemeClr val="accent1">
-              <a:shade val="50000"/>
-            </a:schemeClr>
-          </a:lnRef>
-          <a:fillRef idx="1">
-            <a:schemeClr val="accent1"/>
-          </a:fillRef>
-          <a:effectRef idx="0">
-            <a:schemeClr val="accent1"/>
-          </a:effectRef>
-          <a:fontRef idx="minor">
-            <a:schemeClr val="lt1"/>
-          </a:fontRef>
-        </p:style>
-        <p:txBody>
-          <a:bodyPr rtlCol="0" anchor="ctr"/>
-          <a:lstStyle/>
-          <a:p>
-            <a:pPr algn="ctr"/>
-            <a:endParaRPr lang="en-US"/>
-          </a:p>
-        </p:txBody>
-      </p:sp>
-      <p:cxnSp>
-        <p:nvCxnSpPr>
-          <p:cNvPr id="11" name="Straight Connector 10">
-            <a:extLst>
-              <a:ext uri="{FF2B5EF4-FFF2-40B4-BE49-F238E27FC236}">
-                <a16:creationId xmlns:a16="http://schemas.microsoft.com/office/drawing/2014/main" id="{F2C8E2EC-73A4-48C2-B4D7-D7726BD908EE}"/>
-              </a:ext>
-              <a:ext uri="{C183D7F6-B498-43B3-948B-1728B52AA6E4}">
-                <adec:decorative xmlns:adec="http://schemas.microsoft.com/office/drawing/2017/decorative" val="1"/>
-              </a:ext>
-            </a:extLst>
-          </p:cNvPr>
-          <p:cNvCxnSpPr>
-            <a:cxnSpLocks noGrp="1" noRot="1" noChangeAspect="1" noMove="1" noResize="1" noEditPoints="1" noAdjustHandles="1" noChangeArrowheads="1" noChangeShapeType="1"/>
-          </p:cNvCxnSpPr>
-          <p:nvPr>
-            <p:extLst>
-              <p:ext uri="{386F3935-93C4-4BCD-93E2-E3B085C9AB24}">
-                <p16:designElem xmlns:p16="http://schemas.microsoft.com/office/powerpoint/2015/main" val="1"/>
-              </p:ext>
-            </p:extLst>
-          </p:nvPr>
-        </p:nvCxnSpPr>
-        <p:spPr>
-          <a:xfrm>
-            <a:off x="4069971" y="0"/>
-            <a:ext cx="0" cy="6858000"/>
-          </a:xfrm>
-          <a:prstGeom prst="line">
-            <a:avLst/>
-          </a:prstGeom>
-          <a:solidFill>
-            <a:srgbClr val="FFFFFF"/>
-          </a:solidFill>
-          <a:ln w="38100" cap="flat">
-            <a:gradFill flip="none" rotWithShape="1">
-              <a:gsLst>
-                <a:gs pos="0">
-                  <a:srgbClr val="363D46"/>
-                </a:gs>
-                <a:gs pos="100000">
-                  <a:srgbClr val="363D46">
-                    <a:lumMod val="75000"/>
-                  </a:srgbClr>
-                </a:gs>
-              </a:gsLst>
-              <a:lin ang="5400000" scaled="0"/>
-              <a:tileRect/>
-            </a:gradFill>
-            <a:miter lim="800000"/>
-          </a:ln>
-          <a:effectLst>
-            <a:innerShdw blurRad="57150" dist="38100" dir="14460000">
-              <a:srgbClr val="000000">
-                <a:alpha val="70000"/>
-              </a:srgbClr>
-            </a:innerShdw>
-          </a:effectLst>
-        </p:spPr>
-        <p:style>
-          <a:lnRef idx="2">
-            <a:schemeClr val="accent1">
-              <a:shade val="50000"/>
-            </a:schemeClr>
-          </a:lnRef>
-          <a:fillRef idx="1">
-            <a:schemeClr val="accent1"/>
-          </a:fillRef>
-          <a:effectRef idx="0">
-            <a:schemeClr val="accent1"/>
-          </a:effectRef>
-          <a:fontRef idx="minor">
-            <a:schemeClr val="lt1"/>
-          </a:fontRef>
-        </p:style>
-      </p:cxnSp>
-      <p:sp>
-        <p:nvSpPr>
-          <p:cNvPr id="13" name="Rectangle 12">
-            <a:extLst>
-              <a:ext uri="{FF2B5EF4-FFF2-40B4-BE49-F238E27FC236}">
-                <a16:creationId xmlns:a16="http://schemas.microsoft.com/office/drawing/2014/main" id="{E82ABBDC-7A44-4AE8-A04F-B5495481B9F2}"/>
-              </a:ext>
-              <a:ext uri="{C183D7F6-B498-43B3-948B-1728B52AA6E4}">
-                <adec:decorative xmlns:adec="http://schemas.microsoft.com/office/drawing/2017/decorative" val="1"/>
-              </a:ext>
-            </a:extLst>
-          </p:cNvPr>
-          <p:cNvSpPr>
-            <a:spLocks noGrp="1" noRot="1" noChangeAspect="1" noMove="1" noResize="1" noEditPoints="1" noAdjustHandles="1" noChangeArrowheads="1" noChangeShapeType="1" noTextEdit="1"/>
-          </p:cNvSpPr>
-          <p:nvPr>
-            <p:extLst>
-              <p:ext uri="{386F3935-93C4-4BCD-93E2-E3B085C9AB24}">
-                <p16:designElem xmlns:p16="http://schemas.microsoft.com/office/powerpoint/2015/main" val="1"/>
-              </p:ext>
-            </p:extLst>
-          </p:nvPr>
-        </p:nvSpPr>
-        <p:spPr>
-          <a:xfrm rot="5400000" flipH="1">
-            <a:off x="894952" y="3195797"/>
-            <a:ext cx="6858000" cy="466406"/>
-          </a:xfrm>
-          <a:prstGeom prst="rect">
-            <a:avLst/>
-          </a:prstGeom>
-          <a:gradFill>
-            <a:gsLst>
-              <a:gs pos="0">
-                <a:srgbClr val="363D46">
-                  <a:alpha val="0"/>
-                </a:srgbClr>
-              </a:gs>
-              <a:gs pos="100000">
-                <a:srgbClr val="363D46">
-                  <a:lumMod val="75000"/>
-                </a:srgbClr>
-              </a:gs>
-            </a:gsLst>
-            <a:lin ang="5400000" scaled="0"/>
-          </a:gradFill>
-          <a:ln>
-            <a:noFill/>
-          </a:ln>
-          <a:effectLst/>
-        </p:spPr>
-        <p:style>
-          <a:lnRef idx="2">
-            <a:schemeClr val="accent1">
-              <a:shade val="50000"/>
-            </a:schemeClr>
-          </a:lnRef>
-          <a:fillRef idx="1">
-            <a:schemeClr val="accent1"/>
-          </a:fillRef>
-          <a:effectRef idx="0">
-            <a:schemeClr val="accent1"/>
-          </a:effectRef>
-          <a:fontRef idx="minor">
-            <a:schemeClr val="lt1"/>
-          </a:fontRef>
-        </p:style>
-        <p:txBody>
-          <a:bodyPr rot="0" spcFirstLastPara="0" vertOverflow="overflow" horzOverflow="overflow" vert="horz" wrap="square" lIns="91440" tIns="45720" rIns="91440" bIns="45720" numCol="1" spcCol="0" rtlCol="0" fromWordArt="0" anchor="ctr" anchorCtr="0" forceAA="0" compatLnSpc="1">
-            <a:prstTxWarp prst="textNoShape">
-              <a:avLst/>
-            </a:prstTxWarp>
-            <a:noAutofit/>
-          </a:bodyPr>
-          <a:lstStyle/>
-          <a:p>
-            <a:pPr algn="ctr"/>
-            <a:endParaRPr lang="en-US"/>
-          </a:p>
-        </p:txBody>
-      </p:sp>
-      <p:graphicFrame>
-        <p:nvGraphicFramePr>
-          <p:cNvPr id="5" name="Content Placeholder 2">
-            <a:extLst>
-              <a:ext uri="{FF2B5EF4-FFF2-40B4-BE49-F238E27FC236}">
-                <a16:creationId xmlns:a16="http://schemas.microsoft.com/office/drawing/2014/main" id="{FE64420E-8580-DE79-BAC2-DC432FEEDB42}"/>
-              </a:ext>
-            </a:extLst>
-          </p:cNvPr>
-          <p:cNvGraphicFramePr>
-            <a:graphicFrameLocks noGrp="1"/>
-          </p:cNvGraphicFramePr>
-          <p:nvPr>
-            <p:ph idx="1"/>
-            <p:extLst>
-              <p:ext uri="{D42A27DB-BD31-4B8C-83A1-F6EECF244321}">
-                <p14:modId xmlns:p14="http://schemas.microsoft.com/office/powerpoint/2010/main" val="1461302005"/>
-              </p:ext>
-            </p:extLst>
-          </p:nvPr>
-        </p:nvGraphicFramePr>
-        <p:xfrm>
-          <a:off x="5054375" y="965200"/>
-          <a:ext cx="6046133" cy="4605866"/>
-        </p:xfrm>
-        <a:graphic>
-          <a:graphicData uri="http://schemas.openxmlformats.org/drawingml/2006/diagram">
-            <dgm:relIds xmlns:dgm="http://schemas.openxmlformats.org/drawingml/2006/diagram" xmlns:r="http://schemas.openxmlformats.org/officeDocument/2006/relationships" r:dm="rId3" r:lo="rId4" r:qs="rId5" r:cs="rId6"/>
-          </a:graphicData>
-        </a:graphic>
-      </p:graphicFrame>
+      </p:pic>
     </p:spTree>
     <p:extLst>
       <p:ext uri="{BB962C8B-B14F-4D97-AF65-F5344CB8AC3E}">
-        <p14:creationId xmlns:p14="http://schemas.microsoft.com/office/powerpoint/2010/main" val="561624698"/>
+        <p14:creationId xmlns:p14="http://schemas.microsoft.com/office/powerpoint/2010/main" val="2964512786"/>
       </p:ext>
     </p:extLst>
   </p:cSld>
@@ -9495,7 +9422,7 @@
           <p:cNvPr id="2" name="Title 1">
             <a:extLst>
               <a:ext uri="{FF2B5EF4-FFF2-40B4-BE49-F238E27FC236}">
-                <a16:creationId xmlns:a16="http://schemas.microsoft.com/office/drawing/2014/main" id="{6A297DEE-8A82-8133-814C-C22C9822A41D}"/>
+                <a16:creationId xmlns:a16="http://schemas.microsoft.com/office/drawing/2014/main" id="{96E55603-2790-B12B-B0B5-1414FE360844}"/>
               </a:ext>
             </a:extLst>
           </p:cNvPr>
@@ -9506,47 +9433,55 @@
             <p:ph type="title"/>
           </p:nvPr>
         </p:nvSpPr>
-        <p:spPr/>
-        <p:txBody>
-          <a:bodyPr/>
+        <p:spPr>
+          <a:xfrm>
+            <a:off x="669851" y="1430179"/>
+            <a:ext cx="3029313" cy="3675908"/>
+          </a:xfrm>
+        </p:spPr>
+        <p:txBody>
+          <a:bodyPr anchor="ctr">
+            <a:normAutofit/>
+          </a:bodyPr>
           <a:lstStyle/>
           <a:p>
             <a:r>
-              <a:rPr lang="nl-NL" dirty="0"/>
-              <a:t>Afgelopen Sprint</a:t>
-            </a:r>
-          </a:p>
-        </p:txBody>
-      </p:sp>
-      <p:sp>
-        <p:nvSpPr>
-          <p:cNvPr id="3" name="Content Placeholder 2">
+              <a:rPr lang="nl-NL" sz="4000"/>
+              <a:t>Inhoud</a:t>
+            </a:r>
+          </a:p>
+        </p:txBody>
+      </p:sp>
+      <p:graphicFrame>
+        <p:nvGraphicFramePr>
+          <p:cNvPr id="5" name="Content Placeholder 2">
             <a:extLst>
               <a:ext uri="{FF2B5EF4-FFF2-40B4-BE49-F238E27FC236}">
-                <a16:creationId xmlns:a16="http://schemas.microsoft.com/office/drawing/2014/main" id="{027EC2D2-23D9-2582-009F-C9AA32E67A48}"/>
+                <a16:creationId xmlns:a16="http://schemas.microsoft.com/office/drawing/2014/main" id="{FE64420E-8580-DE79-BAC2-DC432FEEDB42}"/>
               </a:ext>
             </a:extLst>
           </p:cNvPr>
-          <p:cNvSpPr>
-            <a:spLocks noGrp="1"/>
-          </p:cNvSpPr>
+          <p:cNvGraphicFramePr>
+            <a:graphicFrameLocks noGrp="1"/>
+          </p:cNvGraphicFramePr>
           <p:nvPr>
             <p:ph idx="1"/>
           </p:nvPr>
-        </p:nvSpPr>
-        <p:spPr/>
-        <p:txBody>
-          <a:bodyPr/>
-          <a:lstStyle/>
-          <a:p>
-            <a:endParaRPr lang="nl-NL"/>
-          </a:p>
-        </p:txBody>
-      </p:sp>
+        </p:nvGraphicFramePr>
+        <p:xfrm>
+          <a:off x="5054375" y="965200"/>
+          <a:ext cx="6046133" cy="4605866"/>
+        </p:xfrm>
+        <a:graphic>
+          <a:graphicData uri="http://schemas.openxmlformats.org/drawingml/2006/diagram">
+            <dgm:relIds xmlns:dgm="http://schemas.openxmlformats.org/drawingml/2006/diagram" xmlns:r="http://schemas.openxmlformats.org/officeDocument/2006/relationships" r:dm="rId2" r:lo="rId3" r:qs="rId4" r:cs="rId5"/>
+          </a:graphicData>
+        </a:graphic>
+      </p:graphicFrame>
     </p:spTree>
     <p:extLst>
       <p:ext uri="{BB962C8B-B14F-4D97-AF65-F5344CB8AC3E}">
-        <p14:creationId xmlns:p14="http://schemas.microsoft.com/office/powerpoint/2010/main" val="4184478922"/>
+        <p14:creationId xmlns:p14="http://schemas.microsoft.com/office/powerpoint/2010/main" val="561624698"/>
       </p:ext>
     </p:extLst>
   </p:cSld>
@@ -9578,7 +9513,7 @@
           <p:cNvPr id="2" name="Title 1">
             <a:extLst>
               <a:ext uri="{FF2B5EF4-FFF2-40B4-BE49-F238E27FC236}">
-                <a16:creationId xmlns:a16="http://schemas.microsoft.com/office/drawing/2014/main" id="{EC8BCB48-81CE-C17F-4E1B-E16F9FA67892}"/>
+                <a16:creationId xmlns:a16="http://schemas.microsoft.com/office/drawing/2014/main" id="{6A297DEE-8A82-8133-814C-C22C9822A41D}"/>
               </a:ext>
             </a:extLst>
           </p:cNvPr>
@@ -9596,7 +9531,7 @@
           <a:p>
             <a:r>
               <a:rPr lang="nl-NL" dirty="0"/>
-              <a:t>Demo(‘s)</a:t>
+              <a:t>Afgelopen Sprint</a:t>
             </a:r>
           </a:p>
         </p:txBody>
@@ -9606,7 +9541,7 @@
           <p:cNvPr id="3" name="Content Placeholder 2">
             <a:extLst>
               <a:ext uri="{FF2B5EF4-FFF2-40B4-BE49-F238E27FC236}">
-                <a16:creationId xmlns:a16="http://schemas.microsoft.com/office/drawing/2014/main" id="{61C39565-22DD-20A2-B34E-1FA28051EFE6}"/>
+                <a16:creationId xmlns:a16="http://schemas.microsoft.com/office/drawing/2014/main" id="{027EC2D2-23D9-2582-009F-C9AA32E67A48}"/>
               </a:ext>
             </a:extLst>
           </p:cNvPr>
@@ -9622,14 +9557,38 @@
           <a:bodyPr/>
           <a:lstStyle/>
           <a:p>
-            <a:endParaRPr lang="nl-NL"/>
+            <a:r>
+              <a:rPr lang="nl-NL" dirty="0"/>
+              <a:t>(Wat hebben we gedaan?)</a:t>
+            </a:r>
+          </a:p>
+          <a:p>
+            <a:r>
+              <a:rPr lang="nl-NL" dirty="0"/>
+              <a:t>(Daarna slides aanmaken gebaseerd op hoeveel uitleg er nodig is)</a:t>
+            </a:r>
+            <a:br>
+              <a:rPr lang="nl-NL" dirty="0"/>
+            </a:br>
+            <a:r>
+              <a:rPr lang="nl-NL" dirty="0"/>
+              <a:t>(In de volgende uitbreidings-slides user </a:t>
+            </a:r>
+            <a:r>
+              <a:rPr lang="nl-NL" dirty="0" err="1"/>
+              <a:t>stories</a:t>
+            </a:r>
+            <a:r>
+              <a:rPr lang="nl-NL" dirty="0"/>
+              <a:t> meenemen)</a:t>
+            </a:r>
           </a:p>
         </p:txBody>
       </p:sp>
     </p:spTree>
     <p:extLst>
       <p:ext uri="{BB962C8B-B14F-4D97-AF65-F5344CB8AC3E}">
-        <p14:creationId xmlns:p14="http://schemas.microsoft.com/office/powerpoint/2010/main" val="746814274"/>
+        <p14:creationId xmlns:p14="http://schemas.microsoft.com/office/powerpoint/2010/main" val="4184478922"/>
       </p:ext>
     </p:extLst>
   </p:cSld>
@@ -9661,7 +9620,7 @@
           <p:cNvPr id="2" name="Title 1">
             <a:extLst>
               <a:ext uri="{FF2B5EF4-FFF2-40B4-BE49-F238E27FC236}">
-                <a16:creationId xmlns:a16="http://schemas.microsoft.com/office/drawing/2014/main" id="{97D098AC-B5A0-ADAE-3ED0-CD81C8B82416}"/>
+                <a16:creationId xmlns:a16="http://schemas.microsoft.com/office/drawing/2014/main" id="{EC8BCB48-81CE-C17F-4E1B-E16F9FA67892}"/>
               </a:ext>
             </a:extLst>
           </p:cNvPr>
@@ -9679,7 +9638,7 @@
           <a:p>
             <a:r>
               <a:rPr lang="nl-NL" dirty="0"/>
-              <a:t>Deze Taken zijn we nog niet aan toegekomen</a:t>
+              <a:t>Demo(‘s)</a:t>
             </a:r>
           </a:p>
         </p:txBody>
@@ -9689,7 +9648,7 @@
           <p:cNvPr id="3" name="Content Placeholder 2">
             <a:extLst>
               <a:ext uri="{FF2B5EF4-FFF2-40B4-BE49-F238E27FC236}">
-                <a16:creationId xmlns:a16="http://schemas.microsoft.com/office/drawing/2014/main" id="{4A1E34C3-F127-C91E-62FA-ABE8206DCA77}"/>
+                <a16:creationId xmlns:a16="http://schemas.microsoft.com/office/drawing/2014/main" id="{61C39565-22DD-20A2-B34E-1FA28051EFE6}"/>
               </a:ext>
             </a:extLst>
           </p:cNvPr>
@@ -9705,14 +9664,33 @@
           <a:bodyPr/>
           <a:lstStyle/>
           <a:p>
-            <a:endParaRPr lang="nl-NL" dirty="0"/>
+            <a:r>
+              <a:rPr lang="nl-NL" dirty="0"/>
+              <a:t>(Demo’s) [</a:t>
+            </a:r>
+            <a:r>
+              <a:rPr lang="nl-NL" b="1" dirty="0"/>
+              <a:t>altijd video </a:t>
+            </a:r>
+            <a:r>
+              <a:rPr lang="nl-NL" b="1" dirty="0" err="1"/>
+              <a:t>backup</a:t>
+            </a:r>
+            <a:r>
+              <a:rPr lang="nl-NL" b="1" dirty="0"/>
+              <a:t> hebben</a:t>
+            </a:r>
+            <a:r>
+              <a:rPr lang="nl-NL" dirty="0"/>
+              <a:t>]</a:t>
+            </a:r>
           </a:p>
         </p:txBody>
       </p:sp>
     </p:spTree>
     <p:extLst>
       <p:ext uri="{BB962C8B-B14F-4D97-AF65-F5344CB8AC3E}">
-        <p14:creationId xmlns:p14="http://schemas.microsoft.com/office/powerpoint/2010/main" val="2894543031"/>
+        <p14:creationId xmlns:p14="http://schemas.microsoft.com/office/powerpoint/2010/main" val="746814274"/>
       </p:ext>
     </p:extLst>
   </p:cSld>
@@ -9744,7 +9722,7 @@
           <p:cNvPr id="2" name="Title 1">
             <a:extLst>
               <a:ext uri="{FF2B5EF4-FFF2-40B4-BE49-F238E27FC236}">
-                <a16:creationId xmlns:a16="http://schemas.microsoft.com/office/drawing/2014/main" id="{6036BE77-4137-A7E7-727D-8E8D0F18CACE}"/>
+                <a16:creationId xmlns:a16="http://schemas.microsoft.com/office/drawing/2014/main" id="{97D098AC-B5A0-ADAE-3ED0-CD81C8B82416}"/>
               </a:ext>
             </a:extLst>
           </p:cNvPr>
@@ -9761,12 +9739,8 @@
           <a:lstStyle/>
           <a:p>
             <a:r>
-              <a:rPr lang="nl-NL" dirty="0"/>
-              <a:t>Afgemaakte User </a:t>
-            </a:r>
-            <a:r>
-              <a:rPr lang="nl-NL" dirty="0" err="1"/>
-              <a:t>Stories</a:t>
+              <a:rPr lang="nl-NL"/>
+              <a:t>Deze Taken zijn we nog niet aan toegekomen</a:t>
             </a:r>
             <a:endParaRPr lang="nl-NL" dirty="0"/>
           </a:p>
@@ -9777,7 +9751,7 @@
           <p:cNvPr id="3" name="Content Placeholder 2">
             <a:extLst>
               <a:ext uri="{FF2B5EF4-FFF2-40B4-BE49-F238E27FC236}">
-                <a16:creationId xmlns:a16="http://schemas.microsoft.com/office/drawing/2014/main" id="{B2521A77-81D4-CC69-C598-4A4B1DE09C0C}"/>
+                <a16:creationId xmlns:a16="http://schemas.microsoft.com/office/drawing/2014/main" id="{4A1E34C3-F127-C91E-62FA-ABE8206DCA77}"/>
               </a:ext>
             </a:extLst>
           </p:cNvPr>
@@ -9793,14 +9767,25 @@
           <a:bodyPr/>
           <a:lstStyle/>
           <a:p>
-            <a:endParaRPr lang="nl-NL"/>
+            <a:r>
+              <a:rPr lang="nl-NL"/>
+              <a:t>(Wat wel ingepland stond maar nog niet helemaal gedaan is)</a:t>
+            </a:r>
+            <a:br>
+              <a:rPr lang="nl-NL"/>
+            </a:br>
+            <a:r>
+              <a:rPr lang="nl-NL"/>
+              <a:t>(Wel laten zien wat ervan wel gedaan is)</a:t>
+            </a:r>
+            <a:endParaRPr lang="nl-NL" dirty="0"/>
           </a:p>
         </p:txBody>
       </p:sp>
     </p:spTree>
     <p:extLst>
       <p:ext uri="{BB962C8B-B14F-4D97-AF65-F5344CB8AC3E}">
-        <p14:creationId xmlns:p14="http://schemas.microsoft.com/office/powerpoint/2010/main" val="3226155793"/>
+        <p14:creationId xmlns:p14="http://schemas.microsoft.com/office/powerpoint/2010/main" val="2894543031"/>
       </p:ext>
     </p:extLst>
   </p:cSld>
@@ -9877,7 +9862,24 @@
           <a:bodyPr/>
           <a:lstStyle/>
           <a:p>
-            <a:endParaRPr lang="nl-NL"/>
+            <a:r>
+              <a:rPr lang="nl-NL" dirty="0"/>
+              <a:t>(Wat is er goed/fout gegaan?)</a:t>
+            </a:r>
+            <a:br>
+              <a:rPr lang="nl-NL" dirty="0"/>
+            </a:br>
+            <a:r>
+              <a:rPr lang="nl-NL" dirty="0"/>
+              <a:t>(Wat kan er beter?)</a:t>
+            </a:r>
+            <a:br>
+              <a:rPr lang="nl-NL" dirty="0"/>
+            </a:br>
+            <a:r>
+              <a:rPr lang="nl-NL" dirty="0"/>
+              <a:t>(Andere dingen waar wij tegenaan gelopen zijn als projectgroep?)</a:t>
+            </a:r>
           </a:p>
         </p:txBody>
       </p:sp>
@@ -9960,7 +9962,22 @@
           <a:bodyPr/>
           <a:lstStyle/>
           <a:p>
-            <a:endParaRPr lang="nl-NL"/>
+            <a:r>
+              <a:rPr lang="nl-NL" dirty="0"/>
+              <a:t>(Wat gaat er de volgende sprint gebeuren)</a:t>
+            </a:r>
+            <a:br>
+              <a:rPr lang="nl-NL" dirty="0"/>
+            </a:br>
+            <a:r>
+              <a:rPr lang="nl-NL" dirty="0"/>
+              <a:t>(Altijd minder beloven </a:t>
+            </a:r>
+            <a:r>
+              <a:rPr lang="nl-NL"/>
+              <a:t>meer geven)</a:t>
+            </a:r>
+            <a:endParaRPr lang="nl-NL" dirty="0"/>
           </a:p>
         </p:txBody>
       </p:sp>
@@ -10061,9 +10078,9 @@
 </file>
 
 <file path=ppt/theme/theme1.xml><?xml version="1.0" encoding="utf-8"?>
-<a:theme xmlns:a="http://schemas.openxmlformats.org/drawingml/2006/main" name="Mesh">
+<a:theme xmlns:a="http://schemas.openxmlformats.org/drawingml/2006/main" name="Celestial">
   <a:themeElements>
-    <a:clrScheme name="Mesh">
+    <a:clrScheme name="Celestial">
       <a:dk1>
         <a:sysClr val="windowText" lastClr="000000"/>
       </a:dk1>
@@ -10071,48 +10088,83 @@
         <a:sysClr val="window" lastClr="FFFFFF"/>
       </a:lt1>
       <a:dk2>
-        <a:srgbClr val="363D46"/>
+        <a:srgbClr val="18276C"/>
       </a:dk2>
       <a:lt2>
         <a:srgbClr val="EBEBEB"/>
       </a:lt2>
       <a:accent1>
-        <a:srgbClr val="6F6F6F"/>
+        <a:srgbClr val="AC3EC1"/>
       </a:accent1>
       <a:accent2>
-        <a:srgbClr val="BFBFA5"/>
+        <a:srgbClr val="477BD1"/>
       </a:accent2>
       <a:accent3>
-        <a:srgbClr val="DCD084"/>
+        <a:srgbClr val="46B298"/>
       </a:accent3>
       <a:accent4>
-        <a:srgbClr val="E7BF5F"/>
+        <a:srgbClr val="90BA4C"/>
       </a:accent4>
       <a:accent5>
-        <a:srgbClr val="E9A039"/>
+        <a:srgbClr val="DD9D31"/>
       </a:accent5>
       <a:accent6>
-        <a:srgbClr val="CF7133"/>
+        <a:srgbClr val="E25247"/>
       </a:accent6>
       <a:hlink>
-        <a:srgbClr val="F28943"/>
+        <a:srgbClr val="C573D2"/>
       </a:hlink>
       <a:folHlink>
-        <a:srgbClr val="F1B76C"/>
+        <a:srgbClr val="CCAEE8"/>
       </a:folHlink>
     </a:clrScheme>
-    <a:fontScheme name="Mesh">
+    <a:fontScheme name="Celestial">
       <a:majorFont>
-        <a:latin typeface="Century Gothic" panose="020B0502020202020204"/>
+        <a:latin typeface="Calibri Light" panose="020F0302020204030204"/>
         <a:ea typeface=""/>
         <a:cs typeface=""/>
-        <a:font script="Jpan" typeface="ＭＳ ゴシック"/>
+        <a:font script="Jpan" typeface="ＭＳ Ｐゴシック"/>
         <a:font script="Hang" typeface="맑은 고딕"/>
         <a:font script="Hans" typeface="宋体"/>
         <a:font script="Hant" typeface="新細明體"/>
-        <a:font script="Arab" typeface="Tahoma"/>
-        <a:font script="Hebr" typeface="Gisha"/>
-        <a:font script="Thai" typeface="DilleniaUPC"/>
+        <a:font script="Arab" typeface="Times New Roman"/>
+        <a:font script="Hebr" typeface="Times New Roman"/>
+        <a:font script="Thai" typeface="Angsana New"/>
+        <a:font script="Ethi" typeface="Nyala"/>
+        <a:font script="Beng" typeface="Vrinda"/>
+        <a:font script="Gujr" typeface="Shruti"/>
+        <a:font script="Khmr" typeface="MoolBoran"/>
+        <a:font script="Knda" typeface="Tunga"/>
+        <a:font script="Guru" typeface="Raavi"/>
+        <a:font script="Cans" typeface="Euphemia"/>
+        <a:font script="Cher" typeface="Plantagenet Cherokee"/>
+        <a:font script="Yiii" typeface="Microsoft Yi Baiti"/>
+        <a:font script="Tibt" typeface="Microsoft Himalaya"/>
+        <a:font script="Thaa" typeface="MV Boli"/>
+        <a:font script="Deva" typeface="Mangal"/>
+        <a:font script="Telu" typeface="Gautami"/>
+        <a:font script="Taml" typeface="Latha"/>
+        <a:font script="Syrc" typeface="Estrangelo Edessa"/>
+        <a:font script="Orya" typeface="Kalinga"/>
+        <a:font script="Mlym" typeface="Kartika"/>
+        <a:font script="Laoo" typeface="DokChampa"/>
+        <a:font script="Sinh" typeface="Iskoola Pota"/>
+        <a:font script="Mong" typeface="Mongolian Baiti"/>
+        <a:font script="Viet" typeface="Times New Roman"/>
+        <a:font script="Uigh" typeface="Microsoft Uighur"/>
+        <a:font script="Geor" typeface="Sylfaen"/>
+      </a:majorFont>
+      <a:minorFont>
+        <a:latin typeface="Calibri" panose="020F0502020204030204"/>
+        <a:ea typeface=""/>
+        <a:cs typeface=""/>
+        <a:font script="Jpan" typeface="ＭＳ Ｐゴシック"/>
+        <a:font script="Hang" typeface="맑은 고딕"/>
+        <a:font script="Hans" typeface="宋体"/>
+        <a:font script="Hant" typeface="新細明體"/>
+        <a:font script="Arab" typeface="Arial"/>
+        <a:font script="Hebr" typeface="Arial"/>
+        <a:font script="Thai" typeface="Cordia New"/>
         <a:font script="Ethi" typeface="Nyala"/>
         <a:font script="Beng" typeface="Vrinda"/>
         <a:font script="Gujr" typeface="Shruti"/>
@@ -10133,47 +10185,12 @@
         <a:font script="Laoo" typeface="DokChampa"/>
         <a:font script="Sinh" typeface="Iskoola Pota"/>
         <a:font script="Mong" typeface="Mongolian Baiti"/>
-        <a:font script="Viet" typeface="Tahoma"/>
-        <a:font script="Uigh" typeface="Microsoft Uighur"/>
-        <a:font script="Geor" typeface="Sylfaen"/>
-      </a:majorFont>
-      <a:minorFont>
-        <a:latin typeface="Century Gothic" panose="020B0502020202020204"/>
-        <a:ea typeface=""/>
-        <a:cs typeface=""/>
-        <a:font script="Jpan" typeface="ＭＳ ゴシック"/>
-        <a:font script="Hang" typeface="맑은 고딕"/>
-        <a:font script="Hans" typeface="宋体"/>
-        <a:font script="Hant" typeface="新細明體"/>
-        <a:font script="Arab" typeface="Tahoma"/>
-        <a:font script="Hebr" typeface="Gisha"/>
-        <a:font script="Thai" typeface="DilleniaUPC"/>
-        <a:font script="Ethi" typeface="Nyala"/>
-        <a:font script="Beng" typeface="Vrinda"/>
-        <a:font script="Gujr" typeface="Shruti"/>
-        <a:font script="Khmr" typeface="DaunPenh"/>
-        <a:font script="Knda" typeface="Tunga"/>
-        <a:font script="Guru" typeface="Raavi"/>
-        <a:font script="Cans" typeface="Euphemia"/>
-        <a:font script="Cher" typeface="Plantagenet Cherokee"/>
-        <a:font script="Yiii" typeface="Microsoft Yi Baiti"/>
-        <a:font script="Tibt" typeface="Microsoft Himalaya"/>
-        <a:font script="Thaa" typeface="MV Boli"/>
-        <a:font script="Deva" typeface="Mangal"/>
-        <a:font script="Telu" typeface="Gautami"/>
-        <a:font script="Taml" typeface="Latha"/>
-        <a:font script="Syrc" typeface="Estrangelo Edessa"/>
-        <a:font script="Orya" typeface="Kalinga"/>
-        <a:font script="Mlym" typeface="Kartika"/>
-        <a:font script="Laoo" typeface="DokChampa"/>
-        <a:font script="Sinh" typeface="Iskoola Pota"/>
-        <a:font script="Mong" typeface="Mongolian Baiti"/>
-        <a:font script="Viet" typeface="Verdana"/>
+        <a:font script="Viet" typeface="Arial"/>
         <a:font script="Uigh" typeface="Microsoft Uighur"/>
         <a:font script="Geor" typeface="Sylfaen"/>
       </a:minorFont>
     </a:fontScheme>
-    <a:fmtScheme name="Mesh">
+    <a:fmtScheme name="Celestial">
       <a:fillStyleLst>
         <a:solidFill>
           <a:schemeClr val="phClr"/>
@@ -10182,13 +10199,14 @@
           <a:gsLst>
             <a:gs pos="0">
               <a:schemeClr val="phClr">
-                <a:tint val="60000"/>
+                <a:tint val="70000"/>
                 <a:lumMod val="110000"/>
               </a:schemeClr>
             </a:gs>
             <a:gs pos="100000">
               <a:schemeClr val="phClr">
                 <a:tint val="82000"/>
+                <a:alpha val="74000"/>
               </a:schemeClr>
             </a:gs>
           </a:gsLst>
@@ -10198,18 +10216,18 @@
           <a:gsLst>
             <a:gs pos="0">
               <a:schemeClr val="phClr">
-                <a:tint val="96000"/>
-                <a:lumMod val="104000"/>
+                <a:tint val="98000"/>
+                <a:lumMod val="100000"/>
               </a:schemeClr>
             </a:gs>
             <a:gs pos="100000">
               <a:schemeClr val="phClr">
-                <a:shade val="84000"/>
-                <a:lumMod val="84000"/>
+                <a:shade val="88000"/>
+                <a:lumMod val="88000"/>
               </a:schemeClr>
             </a:gs>
           </a:gsLst>
-          <a:lin ang="5400000" scaled="0"/>
+          <a:lin ang="5400000" scaled="1"/>
         </a:gradFill>
       </a:fillStyleLst>
       <a:lnStyleLst>
@@ -10238,18 +10256,18 @@
         </a:effectStyle>
         <a:effectStyle>
           <a:effectLst>
-            <a:innerShdw blurRad="50800" dist="25400" dir="13500000">
+            <a:outerShdw blurRad="50800" dist="38100" dir="5400000" rotWithShape="0">
               <a:srgbClr val="000000">
-                <a:alpha val="55000"/>
+                <a:alpha val="35000"/>
               </a:srgbClr>
-            </a:innerShdw>
+            </a:outerShdw>
           </a:effectLst>
         </a:effectStyle>
         <a:effectStyle>
           <a:effectLst>
-            <a:outerShdw blurRad="50800" dist="38100" dir="5400000" rotWithShape="0">
+            <a:outerShdw blurRad="63500" dist="38100" dir="5400000" rotWithShape="0">
               <a:srgbClr val="000000">
-                <a:alpha val="60000"/>
+                <a:alpha val="65000"/>
               </a:srgbClr>
             </a:outerShdw>
           </a:effectLst>
@@ -10257,10 +10275,12 @@
             <a:camera prst="orthographicFront">
               <a:rot lat="0" lon="0" rev="0"/>
             </a:camera>
-            <a:lightRig rig="threePt" dir="tl"/>
+            <a:lightRig rig="threePt" dir="tl">
+              <a:rot lat="0" lon="0" rev="1200000"/>
+            </a:lightRig>
           </a:scene3d>
           <a:sp3d>
-            <a:bevelT w="25400" h="25400" prst="slope"/>
+            <a:bevelT w="38100" h="12700"/>
           </a:sp3d>
         </a:effectStyle>
       </a:effectStyleLst>
@@ -10273,34 +10293,24 @@
             <a:gs pos="0">
               <a:schemeClr val="phClr">
                 <a:tint val="90000"/>
+                <a:shade val="96000"/>
+                <a:hueMod val="100000"/>
+                <a:satMod val="180000"/>
                 <a:lumMod val="110000"/>
               </a:schemeClr>
             </a:gs>
             <a:gs pos="100000">
               <a:schemeClr val="phClr">
-                <a:shade val="64000"/>
-                <a:lumMod val="98000"/>
+                <a:shade val="96000"/>
+                <a:satMod val="160000"/>
+                <a:lumMod val="100000"/>
               </a:schemeClr>
             </a:gs>
           </a:gsLst>
-          <a:lin ang="5400000" scaled="0"/>
+          <a:lin ang="4740000" scaled="1"/>
         </a:gradFill>
-        <a:blipFill rotWithShape="1">
-          <a:blip xmlns:r="http://schemas.openxmlformats.org/officeDocument/2006/relationships" r:embed="rId1">
-            <a:duotone>
-              <a:schemeClr val="phClr">
-                <a:shade val="28000"/>
-                <a:satMod val="94000"/>
-                <a:lumMod val="20000"/>
-              </a:schemeClr>
-              <a:schemeClr val="phClr">
-                <a:tint val="94000"/>
-                <a:shade val="84000"/>
-                <a:satMod val="148000"/>
-                <a:lumMod val="114000"/>
-              </a:schemeClr>
-            </a:duotone>
-          </a:blip>
+        <a:blipFill>
+          <a:blip xmlns:r="http://schemas.openxmlformats.org/officeDocument/2006/relationships" r:embed="rId1"/>
           <a:stretch/>
         </a:blipFill>
       </a:bgFillStyleLst>
@@ -10310,13 +10320,21 @@
   <a:extraClrSchemeLst/>
   <a:extLst>
     <a:ext uri="{05A4C25C-085E-4340-85A3-A5531E510DB2}">
-      <thm15:themeFamily xmlns:thm15="http://schemas.microsoft.com/office/thememl/2012/main" name="Mesh" id="{789EC3FE-34FD-429C-9918-760025E6C145}" vid="{B8BE45C0-8141-4D58-8C71-A009BC26FBBB}"/>
+      <thm15:themeFamily xmlns:thm15="http://schemas.microsoft.com/office/thememl/2012/main" name="Celestial" id="{C4BB2A3D-0E93-4C5F-B0D2-9D3FCE089CC5}" vid="{42E5908D-19A2-46FD-89FA-638B126129EF}"/>
     </a:ext>
   </a:extLst>
 </a:theme>
 </file>
 
 <file path=customXml/item1.xml><?xml version="1.0" encoding="utf-8"?>
+<p:properties xmlns:p="http://schemas.microsoft.com/office/2006/metadata/properties" xmlns:xsi="http://www.w3.org/2001/XMLSchema-instance" xmlns:pc="http://schemas.microsoft.com/office/infopath/2007/PartnerControls">
+  <documentManagement>
+    <_activity xmlns="8d5dcd13-9b93-4860-8686-258dec0e23be" xsi:nil="true"/>
+  </documentManagement>
+</p:properties>
+</file>
+
+<file path=customXml/item2.xml><?xml version="1.0" encoding="utf-8"?>
 <ct:contentTypeSchema xmlns:ct="http://schemas.microsoft.com/office/2006/metadata/contentType" xmlns:ma="http://schemas.microsoft.com/office/2006/metadata/properties/metaAttributes" ct:_="" ma:_="" ma:contentTypeName="Document" ma:contentTypeID="0x01010079D7DB9D69D51D4199EBB83E098F6C13" ma:contentTypeVersion="12" ma:contentTypeDescription="Create a new document." ma:contentTypeScope="" ma:versionID="ceb163bb5f87e201cdc653da3b4d8be7">
   <xsd:schema xmlns:xsd="http://www.w3.org/2001/XMLSchema" xmlns:xs="http://www.w3.org/2001/XMLSchema" xmlns:p="http://schemas.microsoft.com/office/2006/metadata/properties" xmlns:ns3="8d5dcd13-9b93-4860-8686-258dec0e23be" targetNamespace="http://schemas.microsoft.com/office/2006/metadata/properties" ma:root="true" ma:fieldsID="28cc82626ae761b4ac7541494d6f1d1e" ns3:_="">
     <xsd:import namespace="8d5dcd13-9b93-4860-8686-258dec0e23be"/>
@@ -10510,7 +10528,7 @@
 </ct:contentTypeSchema>
 </file>
 
-<file path=customXml/item2.xml><?xml version="1.0" encoding="utf-8"?>
+<file path=customXml/item3.xml><?xml version="1.0" encoding="utf-8"?>
 <?mso-contentType ?>
 <FormTemplates xmlns="http://schemas.microsoft.com/sharepoint/v3/contenttype/forms">
   <Display>DocumentLibraryForm</Display>
@@ -10519,15 +10537,23 @@
 </FormTemplates>
 </file>
 
-<file path=customXml/item3.xml><?xml version="1.0" encoding="utf-8"?>
-<p:properties xmlns:p="http://schemas.microsoft.com/office/2006/metadata/properties" xmlns:xsi="http://www.w3.org/2001/XMLSchema-instance" xmlns:pc="http://schemas.microsoft.com/office/infopath/2007/PartnerControls">
-  <documentManagement>
-    <_activity xmlns="8d5dcd13-9b93-4860-8686-258dec0e23be" xsi:nil="true"/>
-  </documentManagement>
-</p:properties>
+<file path=customXml/itemProps1.xml><?xml version="1.0" encoding="utf-8"?>
+<ds:datastoreItem xmlns:ds="http://schemas.openxmlformats.org/officeDocument/2006/customXml" ds:itemID="{6BE63DC0-0E79-4D45-AB99-081F8145E24C}">
+  <ds:schemaRefs>
+    <ds:schemaRef ds:uri="http://purl.org/dc/terms/"/>
+    <ds:schemaRef ds:uri="http://schemas.microsoft.com/office/infopath/2007/PartnerControls"/>
+    <ds:schemaRef ds:uri="http://schemas.openxmlformats.org/package/2006/metadata/core-properties"/>
+    <ds:schemaRef ds:uri="http://purl.org/dc/elements/1.1/"/>
+    <ds:schemaRef ds:uri="http://schemas.microsoft.com/office/2006/documentManagement/types"/>
+    <ds:schemaRef ds:uri="http://www.w3.org/XML/1998/namespace"/>
+    <ds:schemaRef ds:uri="8d5dcd13-9b93-4860-8686-258dec0e23be"/>
+    <ds:schemaRef ds:uri="http://schemas.microsoft.com/office/2006/metadata/properties"/>
+    <ds:schemaRef ds:uri="http://purl.org/dc/dcmitype/"/>
+  </ds:schemaRefs>
+</ds:datastoreItem>
 </file>
 
-<file path=customXml/itemProps1.xml><?xml version="1.0" encoding="utf-8"?>
+<file path=customXml/itemProps2.xml><?xml version="1.0" encoding="utf-8"?>
 <ds:datastoreItem xmlns:ds="http://schemas.openxmlformats.org/officeDocument/2006/customXml" ds:itemID="{7685628E-9CEE-488E-843E-DA0262089D08}">
   <ds:schemaRefs>
     <ds:schemaRef ds:uri="http://schemas.microsoft.com/office/2006/metadata/contentType"/>
@@ -10545,26 +10571,10 @@
 </ds:datastoreItem>
 </file>
 
-<file path=customXml/itemProps2.xml><?xml version="1.0" encoding="utf-8"?>
+<file path=customXml/itemProps3.xml><?xml version="1.0" encoding="utf-8"?>
 <ds:datastoreItem xmlns:ds="http://schemas.openxmlformats.org/officeDocument/2006/customXml" ds:itemID="{33D4CFAA-434D-4462-B62D-1E23E4045646}">
   <ds:schemaRefs>
     <ds:schemaRef ds:uri="http://schemas.microsoft.com/sharepoint/v3/contenttype/forms"/>
   </ds:schemaRefs>
 </ds:datastoreItem>
-</file>
-
-<file path=customXml/itemProps3.xml><?xml version="1.0" encoding="utf-8"?>
-<ds:datastoreItem xmlns:ds="http://schemas.openxmlformats.org/officeDocument/2006/customXml" ds:itemID="{6BE63DC0-0E79-4D45-AB99-081F8145E24C}">
-  <ds:schemaRefs>
-    <ds:schemaRef ds:uri="http://purl.org/dc/terms/"/>
-    <ds:schemaRef ds:uri="http://schemas.microsoft.com/office/infopath/2007/PartnerControls"/>
-    <ds:schemaRef ds:uri="http://schemas.openxmlformats.org/package/2006/metadata/core-properties"/>
-    <ds:schemaRef ds:uri="http://purl.org/dc/elements/1.1/"/>
-    <ds:schemaRef ds:uri="http://schemas.microsoft.com/office/2006/documentManagement/types"/>
-    <ds:schemaRef ds:uri="http://www.w3.org/XML/1998/namespace"/>
-    <ds:schemaRef ds:uri="8d5dcd13-9b93-4860-8686-258dec0e23be"/>
-    <ds:schemaRef ds:uri="http://schemas.microsoft.com/office/2006/metadata/properties"/>
-    <ds:schemaRef ds:uri="http://purl.org/dc/dcmitype/"/>
-  </ds:schemaRefs>
-</ds:datastoreItem>
 </file>
--- a/Presentaties/Template Sprint Reviews.pptx
+++ b/Presentaties/Template Sprint Reviews.pptx
@@ -3641,7 +3641,7 @@
           <a:p>
             <a:fld id="{4A37A092-F479-4C17-8DAB-26C19D8DEF50}" type="datetimeFigureOut">
               <a:rPr lang="nl-NL" smtClean="0"/>
-              <a:t>25-11-2025</a:t>
+              <a:t>28-11-2025</a:t>
             </a:fld>
             <a:endParaRPr lang="nl-NL"/>
           </a:p>
@@ -3975,7 +3975,7 @@
           <a:p>
             <a:fld id="{4A37A092-F479-4C17-8DAB-26C19D8DEF50}" type="datetimeFigureOut">
               <a:rPr lang="nl-NL" smtClean="0"/>
-              <a:t>25-11-2025</a:t>
+              <a:t>28-11-2025</a:t>
             </a:fld>
             <a:endParaRPr lang="nl-NL"/>
           </a:p>
@@ -4253,7 +4253,7 @@
           <a:p>
             <a:fld id="{4A37A092-F479-4C17-8DAB-26C19D8DEF50}" type="datetimeFigureOut">
               <a:rPr lang="nl-NL" smtClean="0"/>
-              <a:t>25-11-2025</a:t>
+              <a:t>28-11-2025</a:t>
             </a:fld>
             <a:endParaRPr lang="nl-NL"/>
           </a:p>
@@ -4821,7 +4821,7 @@
           <a:p>
             <a:fld id="{4A37A092-F479-4C17-8DAB-26C19D8DEF50}" type="datetimeFigureOut">
               <a:rPr lang="nl-NL" smtClean="0"/>
-              <a:t>25-11-2025</a:t>
+              <a:t>28-11-2025</a:t>
             </a:fld>
             <a:endParaRPr lang="nl-NL"/>
           </a:p>
@@ -5099,7 +5099,7 @@
           <a:p>
             <a:fld id="{4A37A092-F479-4C17-8DAB-26C19D8DEF50}" type="datetimeFigureOut">
               <a:rPr lang="nl-NL" smtClean="0"/>
-              <a:t>25-11-2025</a:t>
+              <a:t>28-11-2025</a:t>
             </a:fld>
             <a:endParaRPr lang="nl-NL"/>
           </a:p>
@@ -5661,7 +5661,7 @@
           <a:p>
             <a:fld id="{4A37A092-F479-4C17-8DAB-26C19D8DEF50}" type="datetimeFigureOut">
               <a:rPr lang="nl-NL" smtClean="0"/>
-              <a:t>25-11-2025</a:t>
+              <a:t>28-11-2025</a:t>
             </a:fld>
             <a:endParaRPr lang="nl-NL"/>
           </a:p>
@@ -5988,7 +5988,7 @@
           <a:p>
             <a:fld id="{4A37A092-F479-4C17-8DAB-26C19D8DEF50}" type="datetimeFigureOut">
               <a:rPr lang="nl-NL" smtClean="0"/>
-              <a:t>25-11-2025</a:t>
+              <a:t>28-11-2025</a:t>
             </a:fld>
             <a:endParaRPr lang="nl-NL"/>
           </a:p>
@@ -6165,7 +6165,7 @@
           <a:p>
             <a:fld id="{4A37A092-F479-4C17-8DAB-26C19D8DEF50}" type="datetimeFigureOut">
               <a:rPr lang="nl-NL" smtClean="0"/>
-              <a:t>25-11-2025</a:t>
+              <a:t>28-11-2025</a:t>
             </a:fld>
             <a:endParaRPr lang="nl-NL"/>
           </a:p>
@@ -6403,7 +6403,7 @@
           <a:p>
             <a:fld id="{4A37A092-F479-4C17-8DAB-26C19D8DEF50}" type="datetimeFigureOut">
               <a:rPr lang="nl-NL" smtClean="0"/>
-              <a:t>25-11-2025</a:t>
+              <a:t>28-11-2025</a:t>
             </a:fld>
             <a:endParaRPr lang="nl-NL"/>
           </a:p>
@@ -6603,7 +6603,7 @@
           <a:p>
             <a:fld id="{4A37A092-F479-4C17-8DAB-26C19D8DEF50}" type="datetimeFigureOut">
               <a:rPr lang="nl-NL" smtClean="0"/>
-              <a:t>25-11-2025</a:t>
+              <a:t>28-11-2025</a:t>
             </a:fld>
             <a:endParaRPr lang="nl-NL"/>
           </a:p>
@@ -6879,7 +6879,7 @@
           <a:p>
             <a:fld id="{4A37A092-F479-4C17-8DAB-26C19D8DEF50}" type="datetimeFigureOut">
               <a:rPr lang="nl-NL" smtClean="0"/>
-              <a:t>25-11-2025</a:t>
+              <a:t>28-11-2025</a:t>
             </a:fld>
             <a:endParaRPr lang="nl-NL"/>
           </a:p>
@@ -7145,7 +7145,7 @@
           <a:p>
             <a:fld id="{4A37A092-F479-4C17-8DAB-26C19D8DEF50}" type="datetimeFigureOut">
               <a:rPr lang="nl-NL" smtClean="0"/>
-              <a:t>25-11-2025</a:t>
+              <a:t>28-11-2025</a:t>
             </a:fld>
             <a:endParaRPr lang="nl-NL"/>
           </a:p>
@@ -7519,7 +7519,7 @@
           <a:p>
             <a:fld id="{4A37A092-F479-4C17-8DAB-26C19D8DEF50}" type="datetimeFigureOut">
               <a:rPr lang="nl-NL" smtClean="0"/>
-              <a:t>25-11-2025</a:t>
+              <a:t>28-11-2025</a:t>
             </a:fld>
             <a:endParaRPr lang="nl-NL"/>
           </a:p>
@@ -7667,7 +7667,7 @@
           <a:p>
             <a:fld id="{4A37A092-F479-4C17-8DAB-26C19D8DEF50}" type="datetimeFigureOut">
               <a:rPr lang="nl-NL" smtClean="0"/>
-              <a:t>25-11-2025</a:t>
+              <a:t>28-11-2025</a:t>
             </a:fld>
             <a:endParaRPr lang="nl-NL"/>
           </a:p>
@@ -7792,7 +7792,7 @@
           <a:p>
             <a:fld id="{4A37A092-F479-4C17-8DAB-26C19D8DEF50}" type="datetimeFigureOut">
               <a:rPr lang="nl-NL" smtClean="0"/>
-              <a:t>25-11-2025</a:t>
+              <a:t>28-11-2025</a:t>
             </a:fld>
             <a:endParaRPr lang="nl-NL"/>
           </a:p>
@@ -8077,7 +8077,7 @@
           <a:p>
             <a:fld id="{4A37A092-F479-4C17-8DAB-26C19D8DEF50}" type="datetimeFigureOut">
               <a:rPr lang="nl-NL" smtClean="0"/>
-              <a:t>25-11-2025</a:t>
+              <a:t>28-11-2025</a:t>
             </a:fld>
             <a:endParaRPr lang="nl-NL"/>
           </a:p>
@@ -8401,7 +8401,7 @@
           <a:p>
             <a:fld id="{4A37A092-F479-4C17-8DAB-26C19D8DEF50}" type="datetimeFigureOut">
               <a:rPr lang="nl-NL" smtClean="0"/>
-              <a:t>25-11-2025</a:t>
+              <a:t>28-11-2025</a:t>
             </a:fld>
             <a:endParaRPr lang="nl-NL"/>
           </a:p>
@@ -8615,7 +8615,7 @@
           <a:p>
             <a:fld id="{4A37A092-F479-4C17-8DAB-26C19D8DEF50}" type="datetimeFigureOut">
               <a:rPr lang="nl-NL" smtClean="0"/>
-              <a:t>25-11-2025</a:t>
+              <a:t>28-11-2025</a:t>
             </a:fld>
             <a:endParaRPr lang="nl-NL"/>
           </a:p>
@@ -9582,6 +9582,45 @@
               <a:rPr lang="nl-NL" dirty="0"/>
               <a:t> meenemen)</a:t>
             </a:r>
+            <a:br>
+              <a:rPr lang="nl-NL" dirty="0"/>
+            </a:br>
+            <a:r>
+              <a:rPr lang="nl-NL" dirty="0"/>
+              <a:t>(In de volgende slides de </a:t>
+            </a:r>
+            <a:r>
+              <a:rPr lang="nl-NL" dirty="0" err="1"/>
+              <a:t>requirements</a:t>
+            </a:r>
+            <a:r>
+              <a:rPr lang="nl-NL" dirty="0"/>
+              <a:t>/user </a:t>
+            </a:r>
+            <a:r>
+              <a:rPr lang="nl-NL" dirty="0" err="1"/>
+              <a:t>stories</a:t>
+            </a:r>
+            <a:r>
+              <a:rPr lang="nl-NL" dirty="0"/>
+              <a:t> </a:t>
+            </a:r>
+            <a:r>
+              <a:rPr lang="nl-NL" dirty="0" err="1"/>
+              <a:t>kopieren</a:t>
+            </a:r>
+            <a:r>
+              <a:rPr lang="nl-NL" dirty="0"/>
+              <a:t> uit product </a:t>
+            </a:r>
+            <a:r>
+              <a:rPr lang="nl-NL" dirty="0" err="1"/>
+              <a:t>backlog</a:t>
+            </a:r>
+            <a:r>
+              <a:rPr lang="nl-NL" dirty="0"/>
+              <a:t>, incl. acceptatiecriteria etc.)</a:t>
+            </a:r>
           </a:p>
         </p:txBody>
       </p:sp>
@@ -9768,17 +9807,16 @@
           <a:lstStyle/>
           <a:p>
             <a:r>
-              <a:rPr lang="nl-NL"/>
+              <a:rPr lang="nl-NL" dirty="0"/>
               <a:t>(Wat wel ingepland stond maar nog niet helemaal gedaan is)</a:t>
             </a:r>
             <a:br>
-              <a:rPr lang="nl-NL"/>
+              <a:rPr lang="nl-NL" dirty="0"/>
             </a:br>
             <a:r>
-              <a:rPr lang="nl-NL"/>
-              <a:t>(Wel laten zien wat ervan wel gedaan is)</a:t>
-            </a:r>
-            <a:endParaRPr lang="nl-NL" dirty="0"/>
+              <a:rPr lang="nl-NL" dirty="0"/>
+              <a:t>(Wel laten zien als er een stukje is van die taken dat wel gedaan is)</a:t>
+            </a:r>
           </a:p>
         </p:txBody>
       </p:sp>
@@ -9964,20 +10002,15 @@
           <a:p>
             <a:r>
               <a:rPr lang="nl-NL" dirty="0"/>
-              <a:t>(Wat gaat er de volgende sprint gebeuren)</a:t>
+              <a:t>(Wat gaat er de volgende sprint gebeuren?)</a:t>
             </a:r>
             <a:br>
               <a:rPr lang="nl-NL" dirty="0"/>
             </a:br>
             <a:r>
               <a:rPr lang="nl-NL" dirty="0"/>
-              <a:t>(Altijd minder beloven </a:t>
-            </a:r>
-            <a:r>
-              <a:rPr lang="nl-NL"/>
-              <a:t>meer geven)</a:t>
-            </a:r>
-            <a:endParaRPr lang="nl-NL" dirty="0"/>
+              <a:t>(Altijd minder beloven meer geven)</a:t>
+            </a:r>
           </a:p>
         </p:txBody>
       </p:sp>
@@ -10327,11 +10360,12 @@
 </file>
 
 <file path=customXml/item1.xml><?xml version="1.0" encoding="utf-8"?>
-<p:properties xmlns:p="http://schemas.microsoft.com/office/2006/metadata/properties" xmlns:xsi="http://www.w3.org/2001/XMLSchema-instance" xmlns:pc="http://schemas.microsoft.com/office/infopath/2007/PartnerControls">
-  <documentManagement>
-    <_activity xmlns="8d5dcd13-9b93-4860-8686-258dec0e23be" xsi:nil="true"/>
-  </documentManagement>
-</p:properties>
+<?mso-contentType ?>
+<FormTemplates xmlns="http://schemas.microsoft.com/sharepoint/v3/contenttype/forms">
+  <Display>DocumentLibraryForm</Display>
+  <Edit>DocumentLibraryForm</Edit>
+  <New>DocumentLibraryForm</New>
+</FormTemplates>
 </file>
 
 <file path=customXml/item2.xml><?xml version="1.0" encoding="utf-8"?>
@@ -10529,26 +10563,17 @@
 </file>
 
 <file path=customXml/item3.xml><?xml version="1.0" encoding="utf-8"?>
-<?mso-contentType ?>
-<FormTemplates xmlns="http://schemas.microsoft.com/sharepoint/v3/contenttype/forms">
-  <Display>DocumentLibraryForm</Display>
-  <Edit>DocumentLibraryForm</Edit>
-  <New>DocumentLibraryForm</New>
-</FormTemplates>
+<p:properties xmlns:p="http://schemas.microsoft.com/office/2006/metadata/properties" xmlns:xsi="http://www.w3.org/2001/XMLSchema-instance" xmlns:pc="http://schemas.microsoft.com/office/infopath/2007/PartnerControls">
+  <documentManagement>
+    <_activity xmlns="8d5dcd13-9b93-4860-8686-258dec0e23be" xsi:nil="true"/>
+  </documentManagement>
+</p:properties>
 </file>
 
 <file path=customXml/itemProps1.xml><?xml version="1.0" encoding="utf-8"?>
-<ds:datastoreItem xmlns:ds="http://schemas.openxmlformats.org/officeDocument/2006/customXml" ds:itemID="{6BE63DC0-0E79-4D45-AB99-081F8145E24C}">
+<ds:datastoreItem xmlns:ds="http://schemas.openxmlformats.org/officeDocument/2006/customXml" ds:itemID="{33D4CFAA-434D-4462-B62D-1E23E4045646}">
   <ds:schemaRefs>
-    <ds:schemaRef ds:uri="http://purl.org/dc/terms/"/>
-    <ds:schemaRef ds:uri="http://schemas.microsoft.com/office/infopath/2007/PartnerControls"/>
-    <ds:schemaRef ds:uri="http://schemas.openxmlformats.org/package/2006/metadata/core-properties"/>
-    <ds:schemaRef ds:uri="http://purl.org/dc/elements/1.1/"/>
-    <ds:schemaRef ds:uri="http://schemas.microsoft.com/office/2006/documentManagement/types"/>
-    <ds:schemaRef ds:uri="http://www.w3.org/XML/1998/namespace"/>
-    <ds:schemaRef ds:uri="8d5dcd13-9b93-4860-8686-258dec0e23be"/>
-    <ds:schemaRef ds:uri="http://schemas.microsoft.com/office/2006/metadata/properties"/>
-    <ds:schemaRef ds:uri="http://purl.org/dc/dcmitype/"/>
+    <ds:schemaRef ds:uri="http://schemas.microsoft.com/sharepoint/v3/contenttype/forms"/>
   </ds:schemaRefs>
 </ds:datastoreItem>
 </file>
@@ -10572,9 +10597,17 @@
 </file>
 
 <file path=customXml/itemProps3.xml><?xml version="1.0" encoding="utf-8"?>
-<ds:datastoreItem xmlns:ds="http://schemas.openxmlformats.org/officeDocument/2006/customXml" ds:itemID="{33D4CFAA-434D-4462-B62D-1E23E4045646}">
+<ds:datastoreItem xmlns:ds="http://schemas.openxmlformats.org/officeDocument/2006/customXml" ds:itemID="{6BE63DC0-0E79-4D45-AB99-081F8145E24C}">
   <ds:schemaRefs>
-    <ds:schemaRef ds:uri="http://schemas.microsoft.com/sharepoint/v3/contenttype/forms"/>
+    <ds:schemaRef ds:uri="http://purl.org/dc/terms/"/>
+    <ds:schemaRef ds:uri="http://schemas.microsoft.com/office/infopath/2007/PartnerControls"/>
+    <ds:schemaRef ds:uri="http://schemas.openxmlformats.org/package/2006/metadata/core-properties"/>
+    <ds:schemaRef ds:uri="http://purl.org/dc/elements/1.1/"/>
+    <ds:schemaRef ds:uri="http://schemas.microsoft.com/office/2006/documentManagement/types"/>
+    <ds:schemaRef ds:uri="http://www.w3.org/XML/1998/namespace"/>
+    <ds:schemaRef ds:uri="8d5dcd13-9b93-4860-8686-258dec0e23be"/>
+    <ds:schemaRef ds:uri="http://schemas.microsoft.com/office/2006/metadata/properties"/>
+    <ds:schemaRef ds:uri="http://purl.org/dc/dcmitype/"/>
   </ds:schemaRefs>
 </ds:datastoreItem>
 </file>